--- a/resources/Telco Customer Churn Analysis.pptx
+++ b/resources/Telco Customer Churn Analysis.pptx
@@ -15,7 +15,7 @@
     <p:sldId id="260" r:id="rId6"/>
     <p:sldId id="261" r:id="rId7"/>
     <p:sldId id="262" r:id="rId8"/>
-    <p:sldId id="263" r:id="rId9"/>
+    <p:sldId id="265" r:id="rId9"/>
     <p:sldId id="264" r:id="rId10"/>
   </p:sldIdLst>
   <p:sldSz cx="12192000" cy="6858000"/>
@@ -126,7 +126,7 @@
 <file path=ppt/revisionInfo.xml><?xml version="1.0" encoding="utf-8"?>
 <p1510:revInfo xmlns:a="http://schemas.openxmlformats.org/drawingml/2006/main" xmlns:r="http://schemas.openxmlformats.org/officeDocument/2006/relationships" xmlns:p1510="http://schemas.microsoft.com/office/powerpoint/2015/10/main">
   <p1510:revLst>
-    <p1510:client id="{AD0F9ED8-6AE1-4642-8A36-835899EB4368}" v="5" dt="2025-04-09T20:16:42.730"/>
+    <p1510:client id="{AD0F9ED8-6AE1-4642-8A36-835899EB4368}" v="17" dt="2025-04-10T14:11:26.456"/>
   </p1510:revLst>
 </p1510:revInfo>
 </file>
@@ -135,19 +135,42 @@
 <pc:chgInfo xmlns:a="http://schemas.openxmlformats.org/drawingml/2006/main" xmlns:r="http://schemas.openxmlformats.org/officeDocument/2006/relationships" xmlns:ac="http://schemas.microsoft.com/office/drawing/2013/main/command" xmlns:pc="http://schemas.microsoft.com/office/powerpoint/2013/main/command">
   <pc:docChgLst>
     <pc:chgData name="KwangSuk Sul" userId="c191b7df44b9fe19" providerId="LiveId" clId="{AD0F9ED8-6AE1-4642-8A36-835899EB4368}"/>
-    <pc:docChg chg="undo custSel addSld modSld">
-      <pc:chgData name="KwangSuk Sul" userId="c191b7df44b9fe19" providerId="LiveId" clId="{AD0F9ED8-6AE1-4642-8A36-835899EB4368}" dt="2025-04-09T20:21:58.190" v="2052" actId="5793"/>
+    <pc:docChg chg="undo custSel addSld delSld modSld">
+      <pc:chgData name="KwangSuk Sul" userId="c191b7df44b9fe19" providerId="LiveId" clId="{AD0F9ED8-6AE1-4642-8A36-835899EB4368}" dt="2025-04-10T14:11:26.456" v="2458" actId="207"/>
       <pc:docMkLst>
         <pc:docMk/>
       </pc:docMkLst>
+      <pc:sldChg chg="modSp">
+        <pc:chgData name="KwangSuk Sul" userId="c191b7df44b9fe19" providerId="LiveId" clId="{AD0F9ED8-6AE1-4642-8A36-835899EB4368}" dt="2025-04-10T14:11:26.456" v="2458" actId="207"/>
+        <pc:sldMkLst>
+          <pc:docMk/>
+          <pc:sldMk cId="2769841588" sldId="256"/>
+        </pc:sldMkLst>
+        <pc:spChg chg="mod">
+          <ac:chgData name="KwangSuk Sul" userId="c191b7df44b9fe19" providerId="LiveId" clId="{AD0F9ED8-6AE1-4642-8A36-835899EB4368}" dt="2025-04-10T14:11:19.672" v="2456" actId="207"/>
+          <ac:spMkLst>
+            <pc:docMk/>
+            <pc:sldMk cId="2769841588" sldId="256"/>
+            <ac:spMk id="2" creationId="{133AF736-C75A-D9C2-8708-45B59F24B396}"/>
+          </ac:spMkLst>
+        </pc:spChg>
+        <pc:spChg chg="mod">
+          <ac:chgData name="KwangSuk Sul" userId="c191b7df44b9fe19" providerId="LiveId" clId="{AD0F9ED8-6AE1-4642-8A36-835899EB4368}" dt="2025-04-10T14:11:26.456" v="2458" actId="207"/>
+          <ac:spMkLst>
+            <pc:docMk/>
+            <pc:sldMk cId="2769841588" sldId="256"/>
+            <ac:spMk id="3" creationId="{782FC6E3-B5F4-8F46-0F94-BF9BF0089439}"/>
+          </ac:spMkLst>
+        </pc:spChg>
+      </pc:sldChg>
       <pc:sldChg chg="addSp delSp modSp mod setBg">
-        <pc:chgData name="KwangSuk Sul" userId="c191b7df44b9fe19" providerId="LiveId" clId="{AD0F9ED8-6AE1-4642-8A36-835899EB4368}" dt="2025-04-09T19:40:53.834" v="423" actId="2711"/>
+        <pc:chgData name="KwangSuk Sul" userId="c191b7df44b9fe19" providerId="LiveId" clId="{AD0F9ED8-6AE1-4642-8A36-835899EB4368}" dt="2025-04-10T14:11:15.741" v="2455" actId="207"/>
         <pc:sldMkLst>
           <pc:docMk/>
           <pc:sldMk cId="864639222" sldId="257"/>
         </pc:sldMkLst>
         <pc:spChg chg="add mod">
-          <ac:chgData name="KwangSuk Sul" userId="c191b7df44b9fe19" providerId="LiveId" clId="{AD0F9ED8-6AE1-4642-8A36-835899EB4368}" dt="2025-04-09T19:40:19.746" v="418" actId="1076"/>
+          <ac:chgData name="KwangSuk Sul" userId="c191b7df44b9fe19" providerId="LiveId" clId="{AD0F9ED8-6AE1-4642-8A36-835899EB4368}" dt="2025-04-10T14:11:10.361" v="2454" actId="207"/>
           <ac:spMkLst>
             <pc:docMk/>
             <pc:sldMk cId="864639222" sldId="257"/>
@@ -163,7 +186,7 @@
           </ac:spMkLst>
         </pc:spChg>
         <pc:spChg chg="mod">
-          <ac:chgData name="KwangSuk Sul" userId="c191b7df44b9fe19" providerId="LiveId" clId="{AD0F9ED8-6AE1-4642-8A36-835899EB4368}" dt="2025-04-09T19:40:53.834" v="423" actId="2711"/>
+          <ac:chgData name="KwangSuk Sul" userId="c191b7df44b9fe19" providerId="LiveId" clId="{AD0F9ED8-6AE1-4642-8A36-835899EB4368}" dt="2025-04-10T14:11:15.741" v="2455" actId="207"/>
           <ac:spMkLst>
             <pc:docMk/>
             <pc:sldMk cId="864639222" sldId="257"/>
@@ -220,13 +243,13 @@
         </pc:picChg>
       </pc:sldChg>
       <pc:sldChg chg="addSp modSp mod setBg">
-        <pc:chgData name="KwangSuk Sul" userId="c191b7df44b9fe19" providerId="LiveId" clId="{AD0F9ED8-6AE1-4642-8A36-835899EB4368}" dt="2025-04-09T19:41:06.435" v="425" actId="2711"/>
+        <pc:chgData name="KwangSuk Sul" userId="c191b7df44b9fe19" providerId="LiveId" clId="{AD0F9ED8-6AE1-4642-8A36-835899EB4368}" dt="2025-04-10T14:11:03.788" v="2453" actId="207"/>
         <pc:sldMkLst>
           <pc:docMk/>
           <pc:sldMk cId="1066840856" sldId="258"/>
         </pc:sldMkLst>
         <pc:spChg chg="mod">
-          <ac:chgData name="KwangSuk Sul" userId="c191b7df44b9fe19" providerId="LiveId" clId="{AD0F9ED8-6AE1-4642-8A36-835899EB4368}" dt="2025-04-09T19:41:01.586" v="424" actId="2711"/>
+          <ac:chgData name="KwangSuk Sul" userId="c191b7df44b9fe19" providerId="LiveId" clId="{AD0F9ED8-6AE1-4642-8A36-835899EB4368}" dt="2025-04-10T14:10:56.960" v="2452" actId="207"/>
           <ac:spMkLst>
             <pc:docMk/>
             <pc:sldMk cId="1066840856" sldId="258"/>
@@ -234,7 +257,7 @@
           </ac:spMkLst>
         </pc:spChg>
         <pc:spChg chg="mod">
-          <ac:chgData name="KwangSuk Sul" userId="c191b7df44b9fe19" providerId="LiveId" clId="{AD0F9ED8-6AE1-4642-8A36-835899EB4368}" dt="2025-04-09T19:41:06.435" v="425" actId="2711"/>
+          <ac:chgData name="KwangSuk Sul" userId="c191b7df44b9fe19" providerId="LiveId" clId="{AD0F9ED8-6AE1-4642-8A36-835899EB4368}" dt="2025-04-10T14:11:03.788" v="2453" actId="207"/>
           <ac:spMkLst>
             <pc:docMk/>
             <pc:sldMk cId="1066840856" sldId="258"/>
@@ -283,13 +306,13 @@
         </pc:picChg>
       </pc:sldChg>
       <pc:sldChg chg="addSp modSp mod setBg modNotesTx">
-        <pc:chgData name="KwangSuk Sul" userId="c191b7df44b9fe19" providerId="LiveId" clId="{AD0F9ED8-6AE1-4642-8A36-835899EB4368}" dt="2025-04-09T19:41:16.517" v="426" actId="2711"/>
+        <pc:chgData name="KwangSuk Sul" userId="c191b7df44b9fe19" providerId="LiveId" clId="{AD0F9ED8-6AE1-4642-8A36-835899EB4368}" dt="2025-04-10T14:10:48.865" v="2451" actId="207"/>
         <pc:sldMkLst>
           <pc:docMk/>
           <pc:sldMk cId="4061558122" sldId="259"/>
         </pc:sldMkLst>
         <pc:spChg chg="mod">
-          <ac:chgData name="KwangSuk Sul" userId="c191b7df44b9fe19" providerId="LiveId" clId="{AD0F9ED8-6AE1-4642-8A36-835899EB4368}" dt="2025-04-09T19:41:16.517" v="426" actId="2711"/>
+          <ac:chgData name="KwangSuk Sul" userId="c191b7df44b9fe19" providerId="LiveId" clId="{AD0F9ED8-6AE1-4642-8A36-835899EB4368}" dt="2025-04-10T14:10:43.651" v="2450" actId="207"/>
           <ac:spMkLst>
             <pc:docMk/>
             <pc:sldMk cId="4061558122" sldId="259"/>
@@ -297,7 +320,7 @@
           </ac:spMkLst>
         </pc:spChg>
         <pc:spChg chg="mod ord">
-          <ac:chgData name="KwangSuk Sul" userId="c191b7df44b9fe19" providerId="LiveId" clId="{AD0F9ED8-6AE1-4642-8A36-835899EB4368}" dt="2025-04-09T19:41:16.517" v="426" actId="2711"/>
+          <ac:chgData name="KwangSuk Sul" userId="c191b7df44b9fe19" providerId="LiveId" clId="{AD0F9ED8-6AE1-4642-8A36-835899EB4368}" dt="2025-04-10T14:10:48.865" v="2451" actId="207"/>
           <ac:spMkLst>
             <pc:docMk/>
             <pc:sldMk cId="4061558122" sldId="259"/>
@@ -346,13 +369,13 @@
         </pc:picChg>
       </pc:sldChg>
       <pc:sldChg chg="addSp delSp modSp add mod setBg modNotesTx">
-        <pc:chgData name="KwangSuk Sul" userId="c191b7df44b9fe19" providerId="LiveId" clId="{AD0F9ED8-6AE1-4642-8A36-835899EB4368}" dt="2025-04-09T19:58:55.809" v="617" actId="20577"/>
+        <pc:chgData name="KwangSuk Sul" userId="c191b7df44b9fe19" providerId="LiveId" clId="{AD0F9ED8-6AE1-4642-8A36-835899EB4368}" dt="2025-04-10T14:10:32.153" v="2449" actId="207"/>
         <pc:sldMkLst>
           <pc:docMk/>
           <pc:sldMk cId="2516845808" sldId="260"/>
         </pc:sldMkLst>
         <pc:spChg chg="mod">
-          <ac:chgData name="KwangSuk Sul" userId="c191b7df44b9fe19" providerId="LiveId" clId="{AD0F9ED8-6AE1-4642-8A36-835899EB4368}" dt="2025-04-09T19:41:24.304" v="427" actId="2711"/>
+          <ac:chgData name="KwangSuk Sul" userId="c191b7df44b9fe19" providerId="LiveId" clId="{AD0F9ED8-6AE1-4642-8A36-835899EB4368}" dt="2025-04-10T14:10:26.320" v="2448" actId="207"/>
           <ac:spMkLst>
             <pc:docMk/>
             <pc:sldMk cId="2516845808" sldId="260"/>
@@ -360,7 +383,7 @@
           </ac:spMkLst>
         </pc:spChg>
         <pc:spChg chg="mod ord">
-          <ac:chgData name="KwangSuk Sul" userId="c191b7df44b9fe19" providerId="LiveId" clId="{AD0F9ED8-6AE1-4642-8A36-835899EB4368}" dt="2025-04-09T19:58:50.880" v="616" actId="20577"/>
+          <ac:chgData name="KwangSuk Sul" userId="c191b7df44b9fe19" providerId="LiveId" clId="{AD0F9ED8-6AE1-4642-8A36-835899EB4368}" dt="2025-04-10T14:10:32.153" v="2449" actId="207"/>
           <ac:spMkLst>
             <pc:docMk/>
             <pc:sldMk cId="2516845808" sldId="260"/>
@@ -417,13 +440,13 @@
         </pc:picChg>
       </pc:sldChg>
       <pc:sldChg chg="addSp delSp modSp new mod setBg">
-        <pc:chgData name="KwangSuk Sul" userId="c191b7df44b9fe19" providerId="LiveId" clId="{AD0F9ED8-6AE1-4642-8A36-835899EB4368}" dt="2025-04-09T20:06:17.497" v="672" actId="2711"/>
+        <pc:chgData name="KwangSuk Sul" userId="c191b7df44b9fe19" providerId="LiveId" clId="{AD0F9ED8-6AE1-4642-8A36-835899EB4368}" dt="2025-04-10T14:10:17.542" v="2447" actId="207"/>
         <pc:sldMkLst>
           <pc:docMk/>
           <pc:sldMk cId="3039969198" sldId="261"/>
         </pc:sldMkLst>
         <pc:spChg chg="mod">
-          <ac:chgData name="KwangSuk Sul" userId="c191b7df44b9fe19" providerId="LiveId" clId="{AD0F9ED8-6AE1-4642-8A36-835899EB4368}" dt="2025-04-09T20:06:17.497" v="672" actId="2711"/>
+          <ac:chgData name="KwangSuk Sul" userId="c191b7df44b9fe19" providerId="LiveId" clId="{AD0F9ED8-6AE1-4642-8A36-835899EB4368}" dt="2025-04-10T14:10:17.542" v="2447" actId="207"/>
           <ac:spMkLst>
             <pc:docMk/>
             <pc:sldMk cId="3039969198" sldId="261"/>
@@ -574,8 +597,8 @@
           </ac:picMkLst>
         </pc:picChg>
       </pc:sldChg>
-      <pc:sldChg chg="addSp delSp modSp new mod setBg modNotesTx">
-        <pc:chgData name="KwangSuk Sul" userId="c191b7df44b9fe19" providerId="LiveId" clId="{AD0F9ED8-6AE1-4642-8A36-835899EB4368}" dt="2025-04-09T20:21:06.513" v="1851" actId="20577"/>
+      <pc:sldChg chg="addSp delSp modSp new del mod setBg modNotesTx">
+        <pc:chgData name="KwangSuk Sul" userId="c191b7df44b9fe19" providerId="LiveId" clId="{AD0F9ED8-6AE1-4642-8A36-835899EB4368}" dt="2025-04-10T14:10:04.444" v="2446" actId="2696"/>
         <pc:sldMkLst>
           <pc:docMk/>
           <pc:sldMk cId="1868572479" sldId="263"/>
@@ -662,7 +685,7 @@
         </pc:spChg>
       </pc:sldChg>
       <pc:sldChg chg="addSp delSp modSp new mod setBg modNotesTx">
-        <pc:chgData name="KwangSuk Sul" userId="c191b7df44b9fe19" providerId="LiveId" clId="{AD0F9ED8-6AE1-4642-8A36-835899EB4368}" dt="2025-04-09T20:21:58.190" v="2052" actId="5793"/>
+        <pc:chgData name="KwangSuk Sul" userId="c191b7df44b9fe19" providerId="LiveId" clId="{AD0F9ED8-6AE1-4642-8A36-835899EB4368}" dt="2025-04-10T14:09:59.129" v="2445" actId="207"/>
         <pc:sldMkLst>
           <pc:docMk/>
           <pc:sldMk cId="2934606168" sldId="264"/>
@@ -692,7 +715,7 @@
           </ac:spMkLst>
         </pc:spChg>
         <pc:spChg chg="add mod">
-          <ac:chgData name="KwangSuk Sul" userId="c191b7df44b9fe19" providerId="LiveId" clId="{AD0F9ED8-6AE1-4642-8A36-835899EB4368}" dt="2025-04-09T20:17:47.814" v="1339" actId="1035"/>
+          <ac:chgData name="KwangSuk Sul" userId="c191b7df44b9fe19" providerId="LiveId" clId="{AD0F9ED8-6AE1-4642-8A36-835899EB4368}" dt="2025-04-10T14:09:59.129" v="2445" actId="207"/>
           <ac:spMkLst>
             <pc:docMk/>
             <pc:sldMk cId="2934606168" sldId="264"/>
@@ -748,6 +771,220 @@
           </ac:picMkLst>
         </pc:picChg>
       </pc:sldChg>
+      <pc:sldChg chg="addSp delSp modSp add mod setBg delDesignElem">
+        <pc:chgData name="KwangSuk Sul" userId="c191b7df44b9fe19" providerId="LiveId" clId="{AD0F9ED8-6AE1-4642-8A36-835899EB4368}" dt="2025-04-10T14:09:54.050" v="2444" actId="207"/>
+        <pc:sldMkLst>
+          <pc:docMk/>
+          <pc:sldMk cId="3329676482" sldId="265"/>
+        </pc:sldMkLst>
+        <pc:spChg chg="add mod">
+          <ac:chgData name="KwangSuk Sul" userId="c191b7df44b9fe19" providerId="LiveId" clId="{AD0F9ED8-6AE1-4642-8A36-835899EB4368}" dt="2025-04-10T13:59:26.190" v="2106" actId="208"/>
+          <ac:spMkLst>
+            <pc:docMk/>
+            <pc:sldMk cId="3329676482" sldId="265"/>
+            <ac:spMk id="2" creationId="{632A295A-61AF-EB65-5CA3-20F493A4359F}"/>
+          </ac:spMkLst>
+        </pc:spChg>
+        <pc:spChg chg="add mod">
+          <ac:chgData name="KwangSuk Sul" userId="c191b7df44b9fe19" providerId="LiveId" clId="{AD0F9ED8-6AE1-4642-8A36-835899EB4368}" dt="2025-04-10T14:04:12.795" v="2186" actId="1076"/>
+          <ac:spMkLst>
+            <pc:docMk/>
+            <pc:sldMk cId="3329676482" sldId="265"/>
+            <ac:spMk id="3" creationId="{C593290A-6280-C3C6-E6CE-75F93E78EE44}"/>
+          </ac:spMkLst>
+        </pc:spChg>
+        <pc:spChg chg="add mod">
+          <ac:chgData name="KwangSuk Sul" userId="c191b7df44b9fe19" providerId="LiveId" clId="{AD0F9ED8-6AE1-4642-8A36-835899EB4368}" dt="2025-04-10T14:05:42.728" v="2251" actId="20577"/>
+          <ac:spMkLst>
+            <pc:docMk/>
+            <pc:sldMk cId="3329676482" sldId="265"/>
+            <ac:spMk id="4" creationId="{AFD91EB8-0D19-321E-B4B8-B16E5B8F4A0C}"/>
+          </ac:spMkLst>
+        </pc:spChg>
+        <pc:spChg chg="mod">
+          <ac:chgData name="KwangSuk Sul" userId="c191b7df44b9fe19" providerId="LiveId" clId="{AD0F9ED8-6AE1-4642-8A36-835899EB4368}" dt="2025-04-10T14:09:54.050" v="2444" actId="207"/>
+          <ac:spMkLst>
+            <pc:docMk/>
+            <pc:sldMk cId="3329676482" sldId="265"/>
+            <ac:spMk id="5" creationId="{E05E15F8-8890-ED24-4354-296701737B60}"/>
+          </ac:spMkLst>
+        </pc:spChg>
+        <pc:spChg chg="del mod">
+          <ac:chgData name="KwangSuk Sul" userId="c191b7df44b9fe19" providerId="LiveId" clId="{AD0F9ED8-6AE1-4642-8A36-835899EB4368}" dt="2025-04-10T13:55:24.087" v="2062" actId="478"/>
+          <ac:spMkLst>
+            <pc:docMk/>
+            <pc:sldMk cId="3329676482" sldId="265"/>
+            <ac:spMk id="6" creationId="{EB8CFB1C-AC55-39F3-39D4-3BE33F855A43}"/>
+          </ac:spMkLst>
+        </pc:spChg>
+        <pc:spChg chg="add mod">
+          <ac:chgData name="KwangSuk Sul" userId="c191b7df44b9fe19" providerId="LiveId" clId="{AD0F9ED8-6AE1-4642-8A36-835899EB4368}" dt="2025-04-10T14:06:27.994" v="2309" actId="1076"/>
+          <ac:spMkLst>
+            <pc:docMk/>
+            <pc:sldMk cId="3329676482" sldId="265"/>
+            <ac:spMk id="7" creationId="{C522092C-BB5B-D0B2-4287-4C5220F770AE}"/>
+          </ac:spMkLst>
+        </pc:spChg>
+        <pc:spChg chg="del">
+          <ac:chgData name="KwangSuk Sul" userId="c191b7df44b9fe19" providerId="LiveId" clId="{AD0F9ED8-6AE1-4642-8A36-835899EB4368}" dt="2025-04-10T13:55:02.900" v="2056"/>
+          <ac:spMkLst>
+            <pc:docMk/>
+            <pc:sldMk cId="3329676482" sldId="265"/>
+            <ac:spMk id="10" creationId="{9D321C3F-0ADA-B0F5-C05C-8FE4CC796C0E}"/>
+          </ac:spMkLst>
+        </pc:spChg>
+        <pc:spChg chg="add del">
+          <ac:chgData name="KwangSuk Sul" userId="c191b7df44b9fe19" providerId="LiveId" clId="{AD0F9ED8-6AE1-4642-8A36-835899EB4368}" dt="2025-04-10T13:55:18.901" v="2058" actId="26606"/>
+          <ac:spMkLst>
+            <pc:docMk/>
+            <pc:sldMk cId="3329676482" sldId="265"/>
+            <ac:spMk id="11" creationId="{B6CDA21F-E7AF-4C75-8395-33F58D5B0E45}"/>
+          </ac:spMkLst>
+        </pc:spChg>
+        <pc:spChg chg="del">
+          <ac:chgData name="KwangSuk Sul" userId="c191b7df44b9fe19" providerId="LiveId" clId="{AD0F9ED8-6AE1-4642-8A36-835899EB4368}" dt="2025-04-10T13:55:02.900" v="2056"/>
+          <ac:spMkLst>
+            <pc:docMk/>
+            <pc:sldMk cId="3329676482" sldId="265"/>
+            <ac:spMk id="12" creationId="{F637B50F-546F-33E7-67FB-31FE028C4E47}"/>
+          </ac:spMkLst>
+        </pc:spChg>
+        <pc:spChg chg="del">
+          <ac:chgData name="KwangSuk Sul" userId="c191b7df44b9fe19" providerId="LiveId" clId="{AD0F9ED8-6AE1-4642-8A36-835899EB4368}" dt="2025-04-10T13:55:02.900" v="2056"/>
+          <ac:spMkLst>
+            <pc:docMk/>
+            <pc:sldMk cId="3329676482" sldId="265"/>
+            <ac:spMk id="14" creationId="{491F78C2-56C2-91D8-F92C-072E85816542}"/>
+          </ac:spMkLst>
+        </pc:spChg>
+        <pc:spChg chg="del">
+          <ac:chgData name="KwangSuk Sul" userId="c191b7df44b9fe19" providerId="LiveId" clId="{AD0F9ED8-6AE1-4642-8A36-835899EB4368}" dt="2025-04-10T13:55:02.900" v="2056"/>
+          <ac:spMkLst>
+            <pc:docMk/>
+            <pc:sldMk cId="3329676482" sldId="265"/>
+            <ac:spMk id="16" creationId="{9C41AF9D-BC67-B6D7-ECDC-78E5ABB24748}"/>
+          </ac:spMkLst>
+        </pc:spChg>
+        <pc:spChg chg="add del">
+          <ac:chgData name="KwangSuk Sul" userId="c191b7df44b9fe19" providerId="LiveId" clId="{AD0F9ED8-6AE1-4642-8A36-835899EB4368}" dt="2025-04-10T13:55:18.901" v="2058" actId="26606"/>
+          <ac:spMkLst>
+            <pc:docMk/>
+            <pc:sldMk cId="3329676482" sldId="265"/>
+            <ac:spMk id="17" creationId="{D5B0017B-2ECA-49AF-B397-DC140825DF8D}"/>
+          </ac:spMkLst>
+        </pc:spChg>
+        <pc:spChg chg="del">
+          <ac:chgData name="KwangSuk Sul" userId="c191b7df44b9fe19" providerId="LiveId" clId="{AD0F9ED8-6AE1-4642-8A36-835899EB4368}" dt="2025-04-10T13:55:02.900" v="2056"/>
+          <ac:spMkLst>
+            <pc:docMk/>
+            <pc:sldMk cId="3329676482" sldId="265"/>
+            <ac:spMk id="18" creationId="{F450FFCA-5BA5-4C1E-9A16-DE52F1B0DA86}"/>
+          </ac:spMkLst>
+        </pc:spChg>
+        <pc:spChg chg="add">
+          <ac:chgData name="KwangSuk Sul" userId="c191b7df44b9fe19" providerId="LiveId" clId="{AD0F9ED8-6AE1-4642-8A36-835899EB4368}" dt="2025-04-10T13:55:21.633" v="2061" actId="26606"/>
+          <ac:spMkLst>
+            <pc:docMk/>
+            <pc:sldMk cId="3329676482" sldId="265"/>
+            <ac:spMk id="19" creationId="{CBC4F608-B4B8-48C3-9572-C0F061B1CD99}"/>
+          </ac:spMkLst>
+        </pc:spChg>
+        <pc:spChg chg="add del mod">
+          <ac:chgData name="KwangSuk Sul" userId="c191b7df44b9fe19" providerId="LiveId" clId="{AD0F9ED8-6AE1-4642-8A36-835899EB4368}" dt="2025-04-10T14:06:48.844" v="2312" actId="478"/>
+          <ac:spMkLst>
+            <pc:docMk/>
+            <pc:sldMk cId="3329676482" sldId="265"/>
+            <ac:spMk id="21" creationId="{61F13ACD-13B8-6249-579E-C3E8D91A0759}"/>
+          </ac:spMkLst>
+        </pc:spChg>
+        <pc:spChg chg="add del">
+          <ac:chgData name="KwangSuk Sul" userId="c191b7df44b9fe19" providerId="LiveId" clId="{AD0F9ED8-6AE1-4642-8A36-835899EB4368}" dt="2025-04-10T13:55:21.623" v="2060" actId="26606"/>
+          <ac:spMkLst>
+            <pc:docMk/>
+            <pc:sldMk cId="3329676482" sldId="265"/>
+            <ac:spMk id="22" creationId="{3AD318CC-E2A8-4E27-9548-A047A78999B1}"/>
+          </ac:spMkLst>
+        </pc:spChg>
+        <pc:spChg chg="add del">
+          <ac:chgData name="KwangSuk Sul" userId="c191b7df44b9fe19" providerId="LiveId" clId="{AD0F9ED8-6AE1-4642-8A36-835899EB4368}" dt="2025-04-10T13:55:21.623" v="2060" actId="26606"/>
+          <ac:spMkLst>
+            <pc:docMk/>
+            <pc:sldMk cId="3329676482" sldId="265"/>
+            <ac:spMk id="26" creationId="{2C1BBA94-3F40-40AA-8BB9-E69E25E537C1}"/>
+          </ac:spMkLst>
+        </pc:spChg>
+        <pc:spChg chg="add mod">
+          <ac:chgData name="KwangSuk Sul" userId="c191b7df44b9fe19" providerId="LiveId" clId="{AD0F9ED8-6AE1-4642-8A36-835899EB4368}" dt="2025-04-10T14:07:38.390" v="2394" actId="20577"/>
+          <ac:spMkLst>
+            <pc:docMk/>
+            <pc:sldMk cId="3329676482" sldId="265"/>
+            <ac:spMk id="27" creationId="{BC33AFEC-C3D0-2A36-1946-1824E6DD5C75}"/>
+          </ac:spMkLst>
+        </pc:spChg>
+        <pc:spChg chg="add">
+          <ac:chgData name="KwangSuk Sul" userId="c191b7df44b9fe19" providerId="LiveId" clId="{AD0F9ED8-6AE1-4642-8A36-835899EB4368}" dt="2025-04-10T13:55:21.633" v="2061" actId="26606"/>
+          <ac:spMkLst>
+            <pc:docMk/>
+            <pc:sldMk cId="3329676482" sldId="265"/>
+            <ac:spMk id="28" creationId="{8B9AA7C6-5E5A-498E-A6DF-A943376E09BC}"/>
+          </ac:spMkLst>
+        </pc:spChg>
+        <pc:spChg chg="add">
+          <ac:chgData name="KwangSuk Sul" userId="c191b7df44b9fe19" providerId="LiveId" clId="{AD0F9ED8-6AE1-4642-8A36-835899EB4368}" dt="2025-04-10T13:55:21.633" v="2061" actId="26606"/>
+          <ac:spMkLst>
+            <pc:docMk/>
+            <pc:sldMk cId="3329676482" sldId="265"/>
+            <ac:spMk id="31" creationId="{81E140AE-0ABF-47C8-BF32-7D2F0CF2BA44}"/>
+          </ac:spMkLst>
+        </pc:spChg>
+        <pc:spChg chg="add mod">
+          <ac:chgData name="KwangSuk Sul" userId="c191b7df44b9fe19" providerId="LiveId" clId="{AD0F9ED8-6AE1-4642-8A36-835899EB4368}" dt="2025-04-10T14:09:49.313" v="2443" actId="14100"/>
+          <ac:spMkLst>
+            <pc:docMk/>
+            <pc:sldMk cId="3329676482" sldId="265"/>
+            <ac:spMk id="32" creationId="{3D9A8CE4-3415-464E-CA77-E00F460D6876}"/>
+          </ac:spMkLst>
+        </pc:spChg>
+        <pc:grpChg chg="add del">
+          <ac:chgData name="KwangSuk Sul" userId="c191b7df44b9fe19" providerId="LiveId" clId="{AD0F9ED8-6AE1-4642-8A36-835899EB4368}" dt="2025-04-10T13:55:18.901" v="2058" actId="26606"/>
+          <ac:grpSpMkLst>
+            <pc:docMk/>
+            <pc:sldMk cId="3329676482" sldId="265"/>
+            <ac:grpSpMk id="13" creationId="{AE1C45F0-260A-458C-96ED-C1F6D2151219}"/>
+          </ac:grpSpMkLst>
+        </pc:grpChg>
+        <pc:grpChg chg="add del">
+          <ac:chgData name="KwangSuk Sul" userId="c191b7df44b9fe19" providerId="LiveId" clId="{AD0F9ED8-6AE1-4642-8A36-835899EB4368}" dt="2025-04-10T13:55:21.623" v="2060" actId="26606"/>
+          <ac:grpSpMkLst>
+            <pc:docMk/>
+            <pc:sldMk cId="3329676482" sldId="265"/>
+            <ac:grpSpMk id="23" creationId="{B14B560F-9DD7-4302-A60B-EBD3EF59B073}"/>
+          </ac:grpSpMkLst>
+        </pc:grpChg>
+        <pc:grpChg chg="add">
+          <ac:chgData name="KwangSuk Sul" userId="c191b7df44b9fe19" providerId="LiveId" clId="{AD0F9ED8-6AE1-4642-8A36-835899EB4368}" dt="2025-04-10T13:55:21.633" v="2061" actId="26606"/>
+          <ac:grpSpMkLst>
+            <pc:docMk/>
+            <pc:sldMk cId="3329676482" sldId="265"/>
+            <ac:grpSpMk id="29" creationId="{83EAB11A-76F7-48F4-9B4F-5BFDF4BF9670}"/>
+          </ac:grpSpMkLst>
+        </pc:grpChg>
+        <pc:cxnChg chg="add del">
+          <ac:chgData name="KwangSuk Sul" userId="c191b7df44b9fe19" providerId="LiveId" clId="{AD0F9ED8-6AE1-4642-8A36-835899EB4368}" dt="2025-04-10T13:55:18.901" v="2058" actId="26606"/>
+          <ac:cxnSpMkLst>
+            <pc:docMk/>
+            <pc:sldMk cId="3329676482" sldId="265"/>
+            <ac:cxnSpMk id="20" creationId="{6CF1BAF6-AD41-4082-B212-8A1F9A2E8779}"/>
+          </ac:cxnSpMkLst>
+        </pc:cxnChg>
+      </pc:sldChg>
+      <pc:sldChg chg="new del">
+        <pc:chgData name="KwangSuk Sul" userId="c191b7df44b9fe19" providerId="LiveId" clId="{AD0F9ED8-6AE1-4642-8A36-835899EB4368}" dt="2025-04-10T13:55:00.870" v="2054" actId="47"/>
+        <pc:sldMkLst>
+          <pc:docMk/>
+          <pc:sldMk cId="3949849478" sldId="265"/>
+        </pc:sldMkLst>
+      </pc:sldChg>
     </pc:docChg>
   </pc:docChgLst>
 </pc:chgInfo>
@@ -835,7 +1072,7 @@
           <a:p>
             <a:fld id="{C2E11F37-5809-4AB7-AA67-C851003EB519}" type="datetimeFigureOut">
               <a:rPr lang="en-GB" smtClean="0"/>
-              <a:t>09/04/2025</a:t>
+              <a:t>10/04/2025</a:t>
             </a:fld>
             <a:endParaRPr lang="en-GB"/>
           </a:p>
@@ -1617,7 +1854,13 @@
   <p:cSld>
     <p:spTree>
       <p:nvGrpSpPr>
-        <p:cNvPr id="1" name=""/>
+        <p:cNvPr id="1" name="">
+          <a:extLst>
+            <a:ext uri="{FF2B5EF4-FFF2-40B4-BE49-F238E27FC236}">
+              <a16:creationId xmlns:a16="http://schemas.microsoft.com/office/drawing/2014/main" id="{221D1E7B-67C0-9623-3C31-6D15C9E56F53}"/>
+            </a:ext>
+          </a:extLst>
+        </p:cNvPr>
         <p:cNvGrpSpPr/>
         <p:nvPr/>
       </p:nvGrpSpPr>
@@ -1631,7 +1874,13 @@
       </p:grpSpPr>
       <p:sp>
         <p:nvSpPr>
-          <p:cNvPr id="2" name="Slide Image Placeholder 1"/>
+          <p:cNvPr id="2" name="Slide Image Placeholder 1">
+            <a:extLst>
+              <a:ext uri="{FF2B5EF4-FFF2-40B4-BE49-F238E27FC236}">
+                <a16:creationId xmlns:a16="http://schemas.microsoft.com/office/drawing/2014/main" id="{AA2D328B-F4F8-25B5-3647-28584653D398}"/>
+              </a:ext>
+            </a:extLst>
+          </p:cNvPr>
           <p:cNvSpPr>
             <a:spLocks noGrp="1" noRot="1" noChangeAspect="1"/>
           </p:cNvSpPr>
@@ -1643,7 +1892,13 @@
       </p:sp>
       <p:sp>
         <p:nvSpPr>
-          <p:cNvPr id="3" name="Notes Placeholder 2"/>
+          <p:cNvPr id="3" name="Notes Placeholder 2">
+            <a:extLst>
+              <a:ext uri="{FF2B5EF4-FFF2-40B4-BE49-F238E27FC236}">
+                <a16:creationId xmlns:a16="http://schemas.microsoft.com/office/drawing/2014/main" id="{74614907-F1B9-FAF6-DF74-D391FDBCC6B2}"/>
+              </a:ext>
+            </a:extLst>
+          </p:cNvPr>
           <p:cNvSpPr>
             <a:spLocks noGrp="1"/>
           </p:cNvSpPr>
@@ -1684,7 +1939,13 @@
       </p:sp>
       <p:sp>
         <p:nvSpPr>
-          <p:cNvPr id="4" name="Slide Number Placeholder 3"/>
+          <p:cNvPr id="4" name="Slide Number Placeholder 3">
+            <a:extLst>
+              <a:ext uri="{FF2B5EF4-FFF2-40B4-BE49-F238E27FC236}">
+                <a16:creationId xmlns:a16="http://schemas.microsoft.com/office/drawing/2014/main" id="{23385D61-4EF2-DDF5-DCC3-B2213340C21E}"/>
+              </a:ext>
+            </a:extLst>
+          </p:cNvPr>
           <p:cNvSpPr>
             <a:spLocks noGrp="1"/>
           </p:cNvSpPr>
@@ -1708,7 +1969,7 @@
     </p:spTree>
     <p:extLst>
       <p:ext uri="{BB962C8B-B14F-4D97-AF65-F5344CB8AC3E}">
-        <p14:creationId xmlns:p14="http://schemas.microsoft.com/office/powerpoint/2010/main" val="548295921"/>
+        <p14:creationId xmlns:p14="http://schemas.microsoft.com/office/powerpoint/2010/main" val="3729006322"/>
       </p:ext>
     </p:extLst>
   </p:cSld>
@@ -1940,7 +2201,7 @@
           <a:p>
             <a:fld id="{D03D8F10-BEA1-4625-9354-EB8EBBC6B5C8}" type="datetimeFigureOut">
               <a:rPr lang="en-GB" smtClean="0"/>
-              <a:t>09/04/2025</a:t>
+              <a:t>10/04/2025</a:t>
             </a:fld>
             <a:endParaRPr lang="en-GB"/>
           </a:p>
@@ -2110,7 +2371,7 @@
           <a:p>
             <a:fld id="{D03D8F10-BEA1-4625-9354-EB8EBBC6B5C8}" type="datetimeFigureOut">
               <a:rPr lang="en-GB" smtClean="0"/>
-              <a:t>09/04/2025</a:t>
+              <a:t>10/04/2025</a:t>
             </a:fld>
             <a:endParaRPr lang="en-GB"/>
           </a:p>
@@ -2290,7 +2551,7 @@
           <a:p>
             <a:fld id="{D03D8F10-BEA1-4625-9354-EB8EBBC6B5C8}" type="datetimeFigureOut">
               <a:rPr lang="en-GB" smtClean="0"/>
-              <a:t>09/04/2025</a:t>
+              <a:t>10/04/2025</a:t>
             </a:fld>
             <a:endParaRPr lang="en-GB"/>
           </a:p>
@@ -2460,7 +2721,7 @@
           <a:p>
             <a:fld id="{D03D8F10-BEA1-4625-9354-EB8EBBC6B5C8}" type="datetimeFigureOut">
               <a:rPr lang="en-GB" smtClean="0"/>
-              <a:t>09/04/2025</a:t>
+              <a:t>10/04/2025</a:t>
             </a:fld>
             <a:endParaRPr lang="en-GB"/>
           </a:p>
@@ -2706,7 +2967,7 @@
           <a:p>
             <a:fld id="{D03D8F10-BEA1-4625-9354-EB8EBBC6B5C8}" type="datetimeFigureOut">
               <a:rPr lang="en-GB" smtClean="0"/>
-              <a:t>09/04/2025</a:t>
+              <a:t>10/04/2025</a:t>
             </a:fld>
             <a:endParaRPr lang="en-GB"/>
           </a:p>
@@ -2938,7 +3199,7 @@
           <a:p>
             <a:fld id="{D03D8F10-BEA1-4625-9354-EB8EBBC6B5C8}" type="datetimeFigureOut">
               <a:rPr lang="en-GB" smtClean="0"/>
-              <a:t>09/04/2025</a:t>
+              <a:t>10/04/2025</a:t>
             </a:fld>
             <a:endParaRPr lang="en-GB"/>
           </a:p>
@@ -3305,7 +3566,7 @@
           <a:p>
             <a:fld id="{D03D8F10-BEA1-4625-9354-EB8EBBC6B5C8}" type="datetimeFigureOut">
               <a:rPr lang="en-GB" smtClean="0"/>
-              <a:t>09/04/2025</a:t>
+              <a:t>10/04/2025</a:t>
             </a:fld>
             <a:endParaRPr lang="en-GB"/>
           </a:p>
@@ -3423,7 +3684,7 @@
           <a:p>
             <a:fld id="{D03D8F10-BEA1-4625-9354-EB8EBBC6B5C8}" type="datetimeFigureOut">
               <a:rPr lang="en-GB" smtClean="0"/>
-              <a:t>09/04/2025</a:t>
+              <a:t>10/04/2025</a:t>
             </a:fld>
             <a:endParaRPr lang="en-GB"/>
           </a:p>
@@ -3518,7 +3779,7 @@
           <a:p>
             <a:fld id="{D03D8F10-BEA1-4625-9354-EB8EBBC6B5C8}" type="datetimeFigureOut">
               <a:rPr lang="en-GB" smtClean="0"/>
-              <a:t>09/04/2025</a:t>
+              <a:t>10/04/2025</a:t>
             </a:fld>
             <a:endParaRPr lang="en-GB"/>
           </a:p>
@@ -3795,7 +4056,7 @@
           <a:p>
             <a:fld id="{D03D8F10-BEA1-4625-9354-EB8EBBC6B5C8}" type="datetimeFigureOut">
               <a:rPr lang="en-GB" smtClean="0"/>
-              <a:t>09/04/2025</a:t>
+              <a:t>10/04/2025</a:t>
             </a:fld>
             <a:endParaRPr lang="en-GB"/>
           </a:p>
@@ -4052,7 +4313,7 @@
           <a:p>
             <a:fld id="{D03D8F10-BEA1-4625-9354-EB8EBBC6B5C8}" type="datetimeFigureOut">
               <a:rPr lang="en-GB" smtClean="0"/>
-              <a:t>09/04/2025</a:t>
+              <a:t>10/04/2025</a:t>
             </a:fld>
             <a:endParaRPr lang="en-GB"/>
           </a:p>
@@ -4265,7 +4526,7 @@
           <a:p>
             <a:fld id="{D03D8F10-BEA1-4625-9354-EB8EBBC6B5C8}" type="datetimeFigureOut">
               <a:rPr lang="en-GB" smtClean="0"/>
-              <a:t>09/04/2025</a:t>
+              <a:t>10/04/2025</a:t>
             </a:fld>
             <a:endParaRPr lang="en-GB"/>
           </a:p>
@@ -4901,6 +5162,12 @@
             <a:pPr algn="l"/>
             <a:r>
               <a:rPr lang="en-GB" sz="5200" dirty="0">
+                <a:solidFill>
+                  <a:schemeClr val="tx1">
+                    <a:lumMod val="85000"/>
+                    <a:lumOff val="15000"/>
+                  </a:schemeClr>
+                </a:solidFill>
                 <a:latin typeface="Aptos Black" panose="020F0502020204030204" pitchFamily="34" charset="0"/>
                 <a:cs typeface="Aharoni" panose="020F0502020204030204" pitchFamily="2" charset="-79"/>
               </a:rPr>
@@ -4941,6 +5208,12 @@
             <a:pPr algn="l"/>
             <a:r>
               <a:rPr lang="en-GB" sz="2000" dirty="0">
+                <a:solidFill>
+                  <a:schemeClr val="tx1">
+                    <a:lumMod val="85000"/>
+                    <a:lumOff val="15000"/>
+                  </a:schemeClr>
+                </a:solidFill>
                 <a:latin typeface="Aptos Black" panose="020B0004020202020204" pitchFamily="34" charset="0"/>
                 <a:cs typeface="Aharoni" panose="02010803020104030203" pitchFamily="2" charset="-79"/>
               </a:rPr>
@@ -4950,6 +5223,12 @@
           <a:p>
             <a:pPr algn="l"/>
             <a:endParaRPr lang="en-GB" sz="2000" dirty="0">
+              <a:solidFill>
+                <a:schemeClr val="tx1">
+                  <a:lumMod val="85000"/>
+                  <a:lumOff val="15000"/>
+                </a:schemeClr>
+              </a:solidFill>
               <a:latin typeface="Aptos Black" panose="020B0004020202020204" pitchFamily="34" charset="0"/>
               <a:cs typeface="Aharoni" panose="02010803020104030203" pitchFamily="2" charset="-79"/>
             </a:endParaRPr>
@@ -4958,6 +5237,12 @@
             <a:pPr algn="l"/>
             <a:r>
               <a:rPr lang="en-GB" sz="2000" dirty="0">
+                <a:solidFill>
+                  <a:schemeClr val="tx1">
+                    <a:lumMod val="85000"/>
+                    <a:lumOff val="15000"/>
+                  </a:schemeClr>
+                </a:solidFill>
                 <a:latin typeface="Aptos Black" panose="020B0004020202020204" pitchFamily="34" charset="0"/>
                 <a:cs typeface="Aharoni" panose="02010803020104030203" pitchFamily="2" charset="-79"/>
               </a:rPr>
@@ -4968,6 +5253,12 @@
             <a:pPr algn="l"/>
             <a:r>
               <a:rPr lang="en-GB" sz="2000" dirty="0">
+                <a:solidFill>
+                  <a:schemeClr val="tx1">
+                    <a:lumMod val="85000"/>
+                    <a:lumOff val="15000"/>
+                  </a:schemeClr>
+                </a:solidFill>
                 <a:latin typeface="Aptos Black" panose="020B0004020202020204" pitchFamily="34" charset="0"/>
                 <a:cs typeface="Aharoni" panose="02010803020104030203" pitchFamily="2" charset="-79"/>
               </a:rPr>
@@ -4975,12 +5266,24 @@
             </a:r>
             <a:r>
               <a:rPr lang="en-GB" sz="2000" dirty="0" err="1">
+                <a:solidFill>
+                  <a:schemeClr val="tx1">
+                    <a:lumMod val="85000"/>
+                    <a:lumOff val="15000"/>
+                  </a:schemeClr>
+                </a:solidFill>
                 <a:latin typeface="Aptos Black" panose="020B0004020202020204" pitchFamily="34" charset="0"/>
                 <a:cs typeface="Aharoni" panose="02010803020104030203" pitchFamily="2" charset="-79"/>
               </a:rPr>
               <a:t>KoreanBeaver</a:t>
             </a:r>
             <a:endParaRPr lang="en-GB" sz="2000" dirty="0">
+              <a:solidFill>
+                <a:schemeClr val="tx1">
+                  <a:lumMod val="85000"/>
+                  <a:lumOff val="15000"/>
+                </a:schemeClr>
+              </a:solidFill>
               <a:latin typeface="Aptos Black" panose="020B0004020202020204" pitchFamily="34" charset="0"/>
               <a:cs typeface="Aharoni" panose="02010803020104030203" pitchFamily="2" charset="-79"/>
             </a:endParaRPr>
@@ -5393,7 +5696,10 @@
             <a:r>
               <a:rPr lang="en-US" sz="4800" kern="1200" dirty="0">
                 <a:solidFill>
-                  <a:schemeClr val="tx1"/>
+                  <a:schemeClr val="tx1">
+                    <a:lumMod val="85000"/>
+                    <a:lumOff val="15000"/>
+                  </a:schemeClr>
                 </a:solidFill>
                 <a:latin typeface="Aptos Black" panose="020B0004020202020204" pitchFamily="34" charset="0"/>
                 <a:ea typeface="+mj-ea"/>
@@ -5635,6 +5941,12 @@
             </a:pPr>
             <a:r>
               <a:rPr lang="en-GB" sz="2800" dirty="0">
+                <a:solidFill>
+                  <a:schemeClr val="tx1">
+                    <a:lumMod val="85000"/>
+                    <a:lumOff val="15000"/>
+                  </a:schemeClr>
+                </a:solidFill>
                 <a:latin typeface="Aptos Black" panose="020B0004020202020204" pitchFamily="34" charset="0"/>
                 <a:cs typeface="Aharoni" panose="02010803020104030203" pitchFamily="2" charset="-79"/>
               </a:rPr>
@@ -5651,6 +5963,12 @@
             </a:pPr>
             <a:r>
               <a:rPr lang="en-GB" sz="2800" dirty="0">
+                <a:solidFill>
+                  <a:schemeClr val="tx1">
+                    <a:lumMod val="85000"/>
+                    <a:lumOff val="15000"/>
+                  </a:schemeClr>
+                </a:solidFill>
                 <a:latin typeface="Aptos Black" panose="020B0004020202020204" pitchFamily="34" charset="0"/>
                 <a:cs typeface="Aharoni" panose="02010803020104030203" pitchFamily="2" charset="-79"/>
               </a:rPr>
@@ -5667,6 +5985,12 @@
             </a:pPr>
             <a:r>
               <a:rPr lang="en-GB" sz="2800" dirty="0">
+                <a:solidFill>
+                  <a:schemeClr val="tx1">
+                    <a:lumMod val="85000"/>
+                    <a:lumOff val="15000"/>
+                  </a:schemeClr>
+                </a:solidFill>
                 <a:latin typeface="Aptos Black" panose="020B0004020202020204" pitchFamily="34" charset="0"/>
                 <a:cs typeface="Aharoni" panose="02010803020104030203" pitchFamily="2" charset="-79"/>
               </a:rPr>
@@ -5683,6 +6007,12 @@
             </a:pPr>
             <a:r>
               <a:rPr lang="en-GB" sz="2800" dirty="0">
+                <a:solidFill>
+                  <a:schemeClr val="tx1">
+                    <a:lumMod val="85000"/>
+                    <a:lumOff val="15000"/>
+                  </a:schemeClr>
+                </a:solidFill>
                 <a:latin typeface="Aptos Black" panose="020B0004020202020204" pitchFamily="34" charset="0"/>
                 <a:cs typeface="Aharoni" panose="02010803020104030203" pitchFamily="2" charset="-79"/>
               </a:rPr>
@@ -5699,6 +6029,12 @@
             </a:pPr>
             <a:r>
               <a:rPr lang="en-GB" sz="2800" dirty="0">
+                <a:solidFill>
+                  <a:schemeClr val="tx1">
+                    <a:lumMod val="85000"/>
+                    <a:lumOff val="15000"/>
+                  </a:schemeClr>
+                </a:solidFill>
                 <a:latin typeface="Aptos Black" panose="020B0004020202020204" pitchFamily="34" charset="0"/>
                 <a:cs typeface="Aharoni" panose="02010803020104030203" pitchFamily="2" charset="-79"/>
               </a:rPr>
@@ -5892,7 +6228,10 @@
             <a:r>
               <a:rPr lang="en-US" sz="3200" kern="1200" dirty="0">
                 <a:solidFill>
-                  <a:schemeClr val="tx1"/>
+                  <a:schemeClr val="tx1">
+                    <a:lumMod val="85000"/>
+                    <a:lumOff val="15000"/>
+                  </a:schemeClr>
                 </a:solidFill>
                 <a:latin typeface="Aptos Black" panose="020B0004020202020204" pitchFamily="34" charset="0"/>
                 <a:ea typeface="+mj-ea"/>
@@ -6168,6 +6507,12 @@
             </a:pPr>
             <a:r>
               <a:rPr lang="en-US" dirty="0">
+                <a:solidFill>
+                  <a:schemeClr val="tx1">
+                    <a:lumMod val="85000"/>
+                    <a:lumOff val="15000"/>
+                  </a:schemeClr>
+                </a:solidFill>
                 <a:latin typeface="Aptos Black" panose="020B0004020202020204" pitchFamily="34" charset="0"/>
               </a:rPr>
               <a:t>Month to Month has the highest churn numbers</a:t>
@@ -6186,6 +6531,12 @@
             </a:pPr>
             <a:r>
               <a:rPr lang="en-US" dirty="0">
+                <a:solidFill>
+                  <a:schemeClr val="tx1">
+                    <a:lumMod val="85000"/>
+                    <a:lumOff val="15000"/>
+                  </a:schemeClr>
+                </a:solidFill>
                 <a:latin typeface="Aptos Black" panose="020B0004020202020204" pitchFamily="34" charset="0"/>
               </a:rPr>
               <a:t>Month to month - 1655</a:t>
@@ -6204,6 +6555,12 @@
             </a:pPr>
             <a:r>
               <a:rPr lang="en-US" dirty="0">
+                <a:solidFill>
+                  <a:schemeClr val="tx1">
+                    <a:lumMod val="85000"/>
+                    <a:lumOff val="15000"/>
+                  </a:schemeClr>
+                </a:solidFill>
                 <a:latin typeface="Aptos Black" panose="020B0004020202020204" pitchFamily="34" charset="0"/>
               </a:rPr>
               <a:t>One Year – 166</a:t>
@@ -6222,6 +6579,12 @@
             </a:pPr>
             <a:r>
               <a:rPr lang="en-US" dirty="0">
+                <a:solidFill>
+                  <a:schemeClr val="tx1">
+                    <a:lumMod val="85000"/>
+                    <a:lumOff val="15000"/>
+                  </a:schemeClr>
+                </a:solidFill>
                 <a:latin typeface="Aptos Black" panose="020B0004020202020204" pitchFamily="34" charset="0"/>
               </a:rPr>
               <a:t>Two Year – 48 </a:t>
@@ -6387,7 +6750,10 @@
             <a:r>
               <a:rPr lang="en-US" sz="3200" kern="1200" dirty="0">
                 <a:solidFill>
-                  <a:schemeClr val="tx1"/>
+                  <a:schemeClr val="tx1">
+                    <a:lumMod val="85000"/>
+                    <a:lumOff val="15000"/>
+                  </a:schemeClr>
                 </a:solidFill>
                 <a:latin typeface="Aptos Black" panose="020B0004020202020204" pitchFamily="34" charset="0"/>
                 <a:ea typeface="+mj-ea"/>
@@ -6663,6 +7029,12 @@
             </a:pPr>
             <a:r>
               <a:rPr lang="en-US" dirty="0">
+                <a:solidFill>
+                  <a:schemeClr val="tx1">
+                    <a:lumMod val="85000"/>
+                    <a:lumOff val="15000"/>
+                  </a:schemeClr>
+                </a:solidFill>
                 <a:latin typeface="Aptos Black" panose="020B0004020202020204" pitchFamily="34" charset="0"/>
               </a:rPr>
               <a:t>Churn customers are concentrated monthly charges between $70~$100 </a:t>
@@ -6681,6 +7053,12 @@
             </a:pPr>
             <a:r>
               <a:rPr lang="en-US" dirty="0">
+                <a:solidFill>
+                  <a:schemeClr val="tx1">
+                    <a:lumMod val="85000"/>
+                    <a:lumOff val="15000"/>
+                  </a:schemeClr>
+                </a:solidFill>
                 <a:latin typeface="Aptos Black" panose="020B0004020202020204" pitchFamily="34" charset="0"/>
               </a:rPr>
               <a:t>None churn customers are concentrated monthly charges between $20~$50</a:t>
@@ -6699,6 +7077,12 @@
             </a:pPr>
             <a:r>
               <a:rPr lang="en-US" dirty="0">
+                <a:solidFill>
+                  <a:schemeClr val="tx1">
+                    <a:lumMod val="85000"/>
+                    <a:lumOff val="15000"/>
+                  </a:schemeClr>
+                </a:solidFill>
                 <a:latin typeface="Aptos Black" panose="020B0004020202020204" pitchFamily="34" charset="0"/>
               </a:rPr>
               <a:t>Higher price, higher chance of churn</a:t>
@@ -6850,6 +7234,12 @@
             </a:pPr>
             <a:r>
               <a:rPr lang="en-US" sz="3200" dirty="0">
+                <a:solidFill>
+                  <a:schemeClr val="tx1">
+                    <a:lumMod val="85000"/>
+                    <a:lumOff val="15000"/>
+                  </a:schemeClr>
+                </a:solidFill>
                 <a:latin typeface="Aptos Black" panose="020B0004020202020204" pitchFamily="34" charset="0"/>
                 <a:ea typeface="+mj-ea"/>
                 <a:cs typeface="+mj-cs"/>
@@ -7123,6 +7513,12 @@
             </a:pPr>
             <a:r>
               <a:rPr lang="en-US" dirty="0">
+                <a:solidFill>
+                  <a:schemeClr val="tx1">
+                    <a:lumMod val="85000"/>
+                    <a:lumOff val="15000"/>
+                  </a:schemeClr>
+                </a:solidFill>
                 <a:latin typeface="Aptos Black" panose="020B0004020202020204" pitchFamily="34" charset="0"/>
               </a:rPr>
               <a:t>Higher churn rate on customer less than 10 months</a:t>
@@ -7141,6 +7537,12 @@
             </a:pPr>
             <a:r>
               <a:rPr lang="en-US" dirty="0">
+                <a:solidFill>
+                  <a:schemeClr val="tx1">
+                    <a:lumMod val="85000"/>
+                    <a:lumOff val="15000"/>
+                  </a:schemeClr>
+                </a:solidFill>
                 <a:latin typeface="Aptos Black" panose="020B0004020202020204" pitchFamily="34" charset="0"/>
               </a:rPr>
               <a:t>Experience in early stage seems important</a:t>
@@ -7159,6 +7561,12 @@
             </a:pPr>
             <a:r>
               <a:rPr lang="en-US" dirty="0">
+                <a:solidFill>
+                  <a:schemeClr val="tx1">
+                    <a:lumMod val="85000"/>
+                    <a:lumOff val="15000"/>
+                  </a:schemeClr>
+                </a:solidFill>
                 <a:latin typeface="Aptos Black" panose="020B0004020202020204" pitchFamily="34" charset="0"/>
               </a:rPr>
               <a:t>Long term customers over 10 months has low churn rate</a:t>
@@ -7295,7 +7703,10 @@
             <a:r>
               <a:rPr lang="en-US" sz="3700" kern="1200" dirty="0">
                 <a:solidFill>
-                  <a:schemeClr val="tx1"/>
+                  <a:schemeClr val="tx1">
+                    <a:lumMod val="85000"/>
+                    <a:lumOff val="15000"/>
+                  </a:schemeClr>
                 </a:solidFill>
                 <a:latin typeface="Aptos Black" panose="020B0004020202020204" pitchFamily="34" charset="0"/>
               </a:rPr>
@@ -7898,6 +8309,827 @@
     </p:bg>
     <p:spTree>
       <p:nvGrpSpPr>
+        <p:cNvPr id="1" name="">
+          <a:extLst>
+            <a:ext uri="{FF2B5EF4-FFF2-40B4-BE49-F238E27FC236}">
+              <a16:creationId xmlns:a16="http://schemas.microsoft.com/office/drawing/2014/main" id="{27E81D67-1EBD-C4AC-7EB1-A1D91FA3BC3B}"/>
+            </a:ext>
+          </a:extLst>
+        </p:cNvPr>
+        <p:cNvGrpSpPr/>
+        <p:nvPr/>
+      </p:nvGrpSpPr>
+      <p:grpSpPr>
+        <a:xfrm>
+          <a:off x="0" y="0"/>
+          <a:ext cx="0" cy="0"/>
+          <a:chOff x="0" y="0"/>
+          <a:chExt cx="0" cy="0"/>
+        </a:xfrm>
+      </p:grpSpPr>
+      <p:sp useBgFill="1">
+        <p:nvSpPr>
+          <p:cNvPr id="28" name="Rectangle 27">
+            <a:extLst>
+              <a:ext uri="{FF2B5EF4-FFF2-40B4-BE49-F238E27FC236}">
+                <a16:creationId xmlns:a16="http://schemas.microsoft.com/office/drawing/2014/main" id="{8B9AA7C6-5E5A-498E-A6DF-A943376E09BC}"/>
+              </a:ext>
+              <a:ext uri="{C183D7F6-B498-43B3-948B-1728B52AA6E4}">
+                <adec:decorative xmlns:adec="http://schemas.microsoft.com/office/drawing/2017/decorative" val="1"/>
+              </a:ext>
+            </a:extLst>
+          </p:cNvPr>
+          <p:cNvSpPr>
+            <a:spLocks noGrp="1" noRot="1" noChangeAspect="1" noMove="1" noResize="1" noEditPoints="1" noAdjustHandles="1" noChangeArrowheads="1" noChangeShapeType="1" noTextEdit="1"/>
+          </p:cNvSpPr>
+          <p:nvPr>
+            <p:extLst>
+              <p:ext uri="{386F3935-93C4-4BCD-93E2-E3B085C9AB24}">
+                <p16:designElem xmlns:p16="http://schemas.microsoft.com/office/powerpoint/2015/main" val="1"/>
+              </p:ext>
+            </p:extLst>
+          </p:nvPr>
+        </p:nvSpPr>
+        <p:spPr>
+          <a:xfrm>
+            <a:off x="0" y="0"/>
+            <a:ext cx="12191999" cy="6857365"/>
+          </a:xfrm>
+          <a:prstGeom prst="rect">
+            <a:avLst/>
+          </a:prstGeom>
+          <a:ln>
+            <a:noFill/>
+          </a:ln>
+        </p:spPr>
+        <p:style>
+          <a:lnRef idx="2">
+            <a:schemeClr val="accent1">
+              <a:shade val="50000"/>
+            </a:schemeClr>
+          </a:lnRef>
+          <a:fillRef idx="1">
+            <a:schemeClr val="accent1"/>
+          </a:fillRef>
+          <a:effectRef idx="0">
+            <a:schemeClr val="accent1"/>
+          </a:effectRef>
+          <a:fontRef idx="minor">
+            <a:schemeClr val="lt1"/>
+          </a:fontRef>
+        </p:style>
+        <p:txBody>
+          <a:bodyPr rtlCol="0" anchor="ctr"/>
+          <a:lstStyle/>
+          <a:p>
+            <a:pPr algn="ctr"/>
+            <a:endParaRPr lang="en-US"/>
+          </a:p>
+        </p:txBody>
+      </p:sp>
+      <p:grpSp>
+        <p:nvGrpSpPr>
+          <p:cNvPr id="29" name="Group 28">
+            <a:extLst>
+              <a:ext uri="{FF2B5EF4-FFF2-40B4-BE49-F238E27FC236}">
+                <a16:creationId xmlns:a16="http://schemas.microsoft.com/office/drawing/2014/main" id="{83EAB11A-76F7-48F4-9B4F-5BFDF4BF9670}"/>
+              </a:ext>
+              <a:ext uri="{C183D7F6-B498-43B3-948B-1728B52AA6E4}">
+                <adec:decorative xmlns:adec="http://schemas.microsoft.com/office/drawing/2017/decorative" val="1"/>
+              </a:ext>
+            </a:extLst>
+          </p:cNvPr>
+          <p:cNvGrpSpPr>
+            <a:grpSpLocks noGrp="1" noUngrp="1" noRot="1" noChangeAspect="1" noMove="1" noResize="1"/>
+          </p:cNvGrpSpPr>
+          <p:nvPr>
+            <p:extLst>
+              <p:ext uri="{386F3935-93C4-4BCD-93E2-E3B085C9AB24}">
+                <p16:designElem xmlns:p16="http://schemas.microsoft.com/office/powerpoint/2015/main" val="1"/>
+              </p:ext>
+            </p:extLst>
+          </p:nvPr>
+        </p:nvGrpSpPr>
+        <p:grpSpPr>
+          <a:xfrm>
+            <a:off x="74300" y="2385102"/>
+            <a:ext cx="574091" cy="2087796"/>
+            <a:chOff x="209668" y="2857422"/>
+            <a:chExt cx="463662" cy="2087796"/>
+          </a:xfrm>
+        </p:grpSpPr>
+        <p:sp>
+          <p:nvSpPr>
+            <p:cNvPr id="30" name="Rectangle 29">
+              <a:extLst>
+                <a:ext uri="{FF2B5EF4-FFF2-40B4-BE49-F238E27FC236}">
+                  <a16:creationId xmlns:a16="http://schemas.microsoft.com/office/drawing/2014/main" id="{74D4C416-D5F4-4F6F-A6F1-87A21CD4FCAF}"/>
+                </a:ext>
+                <a:ext uri="{C183D7F6-B498-43B3-948B-1728B52AA6E4}">
+                  <adec:decorative xmlns:adec="http://schemas.microsoft.com/office/drawing/2017/decorative" val="1"/>
+                </a:ext>
+              </a:extLst>
+            </p:cNvPr>
+            <p:cNvSpPr/>
+            <p:nvPr>
+              <p:extLst>
+                <p:ext uri="{386F3935-93C4-4BCD-93E2-E3B085C9AB24}">
+                  <p16:designElem xmlns:p16="http://schemas.microsoft.com/office/powerpoint/2015/main" val="1"/>
+                </p:ext>
+              </p:extLst>
+            </p:nvPr>
+          </p:nvSpPr>
+          <p:spPr>
+            <a:xfrm flipH="1" flipV="1">
+              <a:off x="423947" y="2857422"/>
+              <a:ext cx="249383" cy="2087795"/>
+            </a:xfrm>
+            <a:prstGeom prst="rect">
+              <a:avLst/>
+            </a:prstGeom>
+            <a:solidFill>
+              <a:schemeClr val="accent4"/>
+            </a:solidFill>
+            <a:ln>
+              <a:noFill/>
+            </a:ln>
+          </p:spPr>
+          <p:style>
+            <a:lnRef idx="2">
+              <a:schemeClr val="accent1">
+                <a:shade val="50000"/>
+              </a:schemeClr>
+            </a:lnRef>
+            <a:fillRef idx="1">
+              <a:schemeClr val="accent1"/>
+            </a:fillRef>
+            <a:effectRef idx="0">
+              <a:schemeClr val="accent1"/>
+            </a:effectRef>
+            <a:fontRef idx="minor">
+              <a:schemeClr val="lt1"/>
+            </a:fontRef>
+          </p:style>
+          <p:txBody>
+            <a:bodyPr rtlCol="0" anchor="ctr"/>
+            <a:lstStyle/>
+            <a:p>
+              <a:pPr algn="ctr"/>
+              <a:endParaRPr lang="en-US"/>
+            </a:p>
+          </p:txBody>
+        </p:sp>
+        <p:cxnSp>
+          <p:nvCxnSpPr>
+            <p:cNvPr id="15" name="Straight Connector 14">
+              <a:extLst>
+                <a:ext uri="{FF2B5EF4-FFF2-40B4-BE49-F238E27FC236}">
+                  <a16:creationId xmlns:a16="http://schemas.microsoft.com/office/drawing/2014/main" id="{C6AC1C30-21C6-4BF6-93EE-B211D7A85011}"/>
+                </a:ext>
+                <a:ext uri="{C183D7F6-B498-43B3-948B-1728B52AA6E4}">
+                  <adec:decorative xmlns:adec="http://schemas.microsoft.com/office/drawing/2017/decorative" val="1"/>
+                </a:ext>
+              </a:extLst>
+            </p:cNvPr>
+            <p:cNvCxnSpPr>
+              <a:cxnSpLocks/>
+            </p:cNvCxnSpPr>
+            <p:nvPr>
+              <p:extLst>
+                <p:ext uri="{386F3935-93C4-4BCD-93E2-E3B085C9AB24}">
+                  <p16:designElem xmlns:p16="http://schemas.microsoft.com/office/powerpoint/2015/main" val="1"/>
+                </p:ext>
+              </p:extLst>
+            </p:nvPr>
+          </p:nvCxnSpPr>
+          <p:spPr>
+            <a:xfrm flipH="1">
+              <a:off x="209668" y="2857423"/>
+              <a:ext cx="1" cy="2087795"/>
+            </a:xfrm>
+            <a:prstGeom prst="line">
+              <a:avLst/>
+            </a:prstGeom>
+            <a:ln w="177800">
+              <a:solidFill>
+                <a:schemeClr val="accent4"/>
+              </a:solidFill>
+            </a:ln>
+          </p:spPr>
+          <p:style>
+            <a:lnRef idx="1">
+              <a:schemeClr val="accent1"/>
+            </a:lnRef>
+            <a:fillRef idx="0">
+              <a:schemeClr val="accent1"/>
+            </a:fillRef>
+            <a:effectRef idx="0">
+              <a:schemeClr val="accent1"/>
+            </a:effectRef>
+            <a:fontRef idx="minor">
+              <a:schemeClr val="tx1"/>
+            </a:fontRef>
+          </p:style>
+        </p:cxnSp>
+      </p:grpSp>
+      <p:sp>
+        <p:nvSpPr>
+          <p:cNvPr id="31" name="Rectangle 30">
+            <a:extLst>
+              <a:ext uri="{FF2B5EF4-FFF2-40B4-BE49-F238E27FC236}">
+                <a16:creationId xmlns:a16="http://schemas.microsoft.com/office/drawing/2014/main" id="{81E140AE-0ABF-47C8-BF32-7D2F0CF2BA44}"/>
+              </a:ext>
+              <a:ext uri="{C183D7F6-B498-43B3-948B-1728B52AA6E4}">
+                <adec:decorative xmlns:adec="http://schemas.microsoft.com/office/drawing/2017/decorative" val="1"/>
+              </a:ext>
+            </a:extLst>
+          </p:cNvPr>
+          <p:cNvSpPr>
+            <a:spLocks noGrp="1" noRot="1" noChangeAspect="1" noMove="1" noResize="1" noEditPoints="1" noAdjustHandles="1" noChangeArrowheads="1" noChangeShapeType="1" noTextEdit="1"/>
+          </p:cNvSpPr>
+          <p:nvPr>
+            <p:extLst>
+              <p:ext uri="{386F3935-93C4-4BCD-93E2-E3B085C9AB24}">
+                <p16:designElem xmlns:p16="http://schemas.microsoft.com/office/powerpoint/2015/main" val="1"/>
+              </p:ext>
+            </p:extLst>
+          </p:nvPr>
+        </p:nvSpPr>
+        <p:spPr>
+          <a:xfrm flipH="1">
+            <a:off x="10697670" y="0"/>
+            <a:ext cx="1494330" cy="6858000"/>
+          </a:xfrm>
+          <a:prstGeom prst="rect">
+            <a:avLst/>
+          </a:prstGeom>
+          <a:solidFill>
+            <a:schemeClr val="accent4"/>
+          </a:solidFill>
+          <a:ln>
+            <a:noFill/>
+          </a:ln>
+        </p:spPr>
+        <p:style>
+          <a:lnRef idx="2">
+            <a:schemeClr val="accent1">
+              <a:shade val="50000"/>
+            </a:schemeClr>
+          </a:lnRef>
+          <a:fillRef idx="1">
+            <a:schemeClr val="accent1"/>
+          </a:fillRef>
+          <a:effectRef idx="0">
+            <a:schemeClr val="accent1"/>
+          </a:effectRef>
+          <a:fontRef idx="minor">
+            <a:schemeClr val="lt1"/>
+          </a:fontRef>
+        </p:style>
+        <p:txBody>
+          <a:bodyPr rtlCol="0" anchor="ctr"/>
+          <a:lstStyle/>
+          <a:p>
+            <a:pPr algn="ctr"/>
+            <a:endParaRPr lang="en-US"/>
+          </a:p>
+        </p:txBody>
+      </p:sp>
+      <p:sp>
+        <p:nvSpPr>
+          <p:cNvPr id="19" name="Rectangle 18">
+            <a:extLst>
+              <a:ext uri="{FF2B5EF4-FFF2-40B4-BE49-F238E27FC236}">
+                <a16:creationId xmlns:a16="http://schemas.microsoft.com/office/drawing/2014/main" id="{CBC4F608-B4B8-48C3-9572-C0F061B1CD99}"/>
+              </a:ext>
+              <a:ext uri="{C183D7F6-B498-43B3-948B-1728B52AA6E4}">
+                <adec:decorative xmlns:adec="http://schemas.microsoft.com/office/drawing/2017/decorative" val="1"/>
+              </a:ext>
+            </a:extLst>
+          </p:cNvPr>
+          <p:cNvSpPr>
+            <a:spLocks noGrp="1" noRot="1" noChangeAspect="1" noMove="1" noResize="1" noEditPoints="1" noAdjustHandles="1" noChangeArrowheads="1" noChangeShapeType="1" noTextEdit="1"/>
+          </p:cNvSpPr>
+          <p:nvPr>
+            <p:extLst>
+              <p:ext uri="{386F3935-93C4-4BCD-93E2-E3B085C9AB24}">
+                <p16:designElem xmlns:p16="http://schemas.microsoft.com/office/powerpoint/2015/main" val="1"/>
+              </p:ext>
+            </p:extLst>
+          </p:nvPr>
+        </p:nvSpPr>
+        <p:spPr>
+          <a:xfrm>
+            <a:off x="579528" y="631767"/>
+            <a:ext cx="11111729" cy="5752404"/>
+          </a:xfrm>
+          <a:prstGeom prst="rect">
+            <a:avLst/>
+          </a:prstGeom>
+          <a:solidFill>
+            <a:schemeClr val="bg1"/>
+          </a:solidFill>
+          <a:ln>
+            <a:noFill/>
+          </a:ln>
+          <a:effectLst>
+            <a:outerShdw blurRad="139700" dist="127000" dir="5400000" algn="t" rotWithShape="0">
+              <a:prstClr val="black">
+                <a:alpha val="15000"/>
+              </a:prstClr>
+            </a:outerShdw>
+          </a:effectLst>
+        </p:spPr>
+        <p:style>
+          <a:lnRef idx="2">
+            <a:schemeClr val="accent1">
+              <a:shade val="50000"/>
+            </a:schemeClr>
+          </a:lnRef>
+          <a:fillRef idx="1">
+            <a:schemeClr val="accent1"/>
+          </a:fillRef>
+          <a:effectRef idx="0">
+            <a:schemeClr val="accent1"/>
+          </a:effectRef>
+          <a:fontRef idx="minor">
+            <a:schemeClr val="lt1"/>
+          </a:fontRef>
+        </p:style>
+        <p:txBody>
+          <a:bodyPr rtlCol="0" anchor="ctr"/>
+          <a:lstStyle/>
+          <a:p>
+            <a:pPr algn="ctr"/>
+            <a:endParaRPr lang="en-US"/>
+          </a:p>
+        </p:txBody>
+      </p:sp>
+      <p:sp>
+        <p:nvSpPr>
+          <p:cNvPr id="5" name="TextBox 4">
+            <a:extLst>
+              <a:ext uri="{FF2B5EF4-FFF2-40B4-BE49-F238E27FC236}">
+                <a16:creationId xmlns:a16="http://schemas.microsoft.com/office/drawing/2014/main" id="{E05E15F8-8890-ED24-4354-296701737B60}"/>
+              </a:ext>
+            </a:extLst>
+          </p:cNvPr>
+          <p:cNvSpPr txBox="1"/>
+          <p:nvPr/>
+        </p:nvSpPr>
+        <p:spPr>
+          <a:xfrm>
+            <a:off x="1153618" y="1239927"/>
+            <a:ext cx="4008586" cy="4680583"/>
+          </a:xfrm>
+          <a:prstGeom prst="rect">
+            <a:avLst/>
+          </a:prstGeom>
+        </p:spPr>
+        <p:txBody>
+          <a:bodyPr vert="horz" lIns="91440" tIns="45720" rIns="91440" bIns="45720" rtlCol="0" anchor="ctr">
+            <a:normAutofit/>
+          </a:bodyPr>
+          <a:lstStyle/>
+          <a:p>
+            <a:pPr defTabSz="914400">
+              <a:lnSpc>
+                <a:spcPct val="90000"/>
+              </a:lnSpc>
+              <a:spcBef>
+                <a:spcPct val="0"/>
+              </a:spcBef>
+              <a:spcAft>
+                <a:spcPts val="600"/>
+              </a:spcAft>
+            </a:pPr>
+            <a:r>
+              <a:rPr lang="en-US" sz="5200" kern="1200" dirty="0">
+                <a:solidFill>
+                  <a:schemeClr val="tx1">
+                    <a:lumMod val="85000"/>
+                    <a:lumOff val="15000"/>
+                  </a:schemeClr>
+                </a:solidFill>
+                <a:latin typeface="Aptos Black" panose="020B0004020202020204" pitchFamily="34" charset="0"/>
+                <a:ea typeface="+mj-ea"/>
+                <a:cs typeface="+mj-cs"/>
+              </a:rPr>
+              <a:t>Future Strategies</a:t>
+            </a:r>
+          </a:p>
+        </p:txBody>
+      </p:sp>
+      <p:sp>
+        <p:nvSpPr>
+          <p:cNvPr id="2" name="TextBox 1">
+            <a:extLst>
+              <a:ext uri="{FF2B5EF4-FFF2-40B4-BE49-F238E27FC236}">
+                <a16:creationId xmlns:a16="http://schemas.microsoft.com/office/drawing/2014/main" id="{632A295A-61AF-EB65-5CA3-20F493A4359F}"/>
+              </a:ext>
+            </a:extLst>
+          </p:cNvPr>
+          <p:cNvSpPr txBox="1"/>
+          <p:nvPr/>
+        </p:nvSpPr>
+        <p:spPr>
+          <a:xfrm>
+            <a:off x="1386348" y="954932"/>
+            <a:ext cx="2349910" cy="707886"/>
+          </a:xfrm>
+          <a:prstGeom prst="rect">
+            <a:avLst/>
+          </a:prstGeom>
+          <a:solidFill>
+            <a:schemeClr val="accent4"/>
+          </a:solidFill>
+          <a:ln>
+            <a:solidFill>
+              <a:schemeClr val="bg1"/>
+            </a:solidFill>
+          </a:ln>
+        </p:spPr>
+        <p:style>
+          <a:lnRef idx="0">
+            <a:scrgbClr r="0" g="0" b="0"/>
+          </a:lnRef>
+          <a:fillRef idx="0">
+            <a:scrgbClr r="0" g="0" b="0"/>
+          </a:fillRef>
+          <a:effectRef idx="0">
+            <a:scrgbClr r="0" g="0" b="0"/>
+          </a:effectRef>
+          <a:fontRef idx="minor">
+            <a:schemeClr val="lt1"/>
+          </a:fontRef>
+        </p:style>
+        <p:txBody>
+          <a:bodyPr wrap="square" rtlCol="0">
+            <a:spAutoFit/>
+          </a:bodyPr>
+          <a:lstStyle/>
+          <a:p>
+            <a:r>
+              <a:rPr lang="en-GB" sz="2000" dirty="0">
+                <a:solidFill>
+                  <a:schemeClr val="tx1">
+                    <a:lumMod val="85000"/>
+                    <a:lumOff val="15000"/>
+                  </a:schemeClr>
+                </a:solidFill>
+                <a:latin typeface="Aptos Black" panose="020B0004020202020204" pitchFamily="34" charset="0"/>
+              </a:rPr>
+              <a:t>Churn Rate Above Average</a:t>
+            </a:r>
+          </a:p>
+        </p:txBody>
+      </p:sp>
+      <p:sp>
+        <p:nvSpPr>
+          <p:cNvPr id="3" name="TextBox 2">
+            <a:extLst>
+              <a:ext uri="{FF2B5EF4-FFF2-40B4-BE49-F238E27FC236}">
+                <a16:creationId xmlns:a16="http://schemas.microsoft.com/office/drawing/2014/main" id="{C593290A-6280-C3C6-E6CE-75F93E78EE44}"/>
+              </a:ext>
+            </a:extLst>
+          </p:cNvPr>
+          <p:cNvSpPr txBox="1"/>
+          <p:nvPr/>
+        </p:nvSpPr>
+        <p:spPr>
+          <a:xfrm>
+            <a:off x="4361046" y="936330"/>
+            <a:ext cx="2855918" cy="1015663"/>
+          </a:xfrm>
+          <a:prstGeom prst="rect">
+            <a:avLst/>
+          </a:prstGeom>
+          <a:solidFill>
+            <a:schemeClr val="accent4"/>
+          </a:solidFill>
+          <a:ln>
+            <a:solidFill>
+              <a:schemeClr val="bg1"/>
+            </a:solidFill>
+          </a:ln>
+        </p:spPr>
+        <p:style>
+          <a:lnRef idx="0">
+            <a:scrgbClr r="0" g="0" b="0"/>
+          </a:lnRef>
+          <a:fillRef idx="0">
+            <a:scrgbClr r="0" g="0" b="0"/>
+          </a:fillRef>
+          <a:effectRef idx="0">
+            <a:scrgbClr r="0" g="0" b="0"/>
+          </a:effectRef>
+          <a:fontRef idx="minor">
+            <a:schemeClr val="lt1"/>
+          </a:fontRef>
+        </p:style>
+        <p:txBody>
+          <a:bodyPr wrap="square" rtlCol="0">
+            <a:spAutoFit/>
+          </a:bodyPr>
+          <a:lstStyle/>
+          <a:p>
+            <a:r>
+              <a:rPr lang="en-GB" sz="2000" dirty="0">
+                <a:solidFill>
+                  <a:schemeClr val="tx1">
+                    <a:lumMod val="85000"/>
+                    <a:lumOff val="15000"/>
+                  </a:schemeClr>
+                </a:solidFill>
+                <a:latin typeface="Aptos Black" panose="020B0004020202020204" pitchFamily="34" charset="0"/>
+              </a:rPr>
+              <a:t>Promotion Products for Long-Term Services </a:t>
+            </a:r>
+          </a:p>
+        </p:txBody>
+      </p:sp>
+      <p:sp>
+        <p:nvSpPr>
+          <p:cNvPr id="4" name="TextBox 3">
+            <a:extLst>
+              <a:ext uri="{FF2B5EF4-FFF2-40B4-BE49-F238E27FC236}">
+                <a16:creationId xmlns:a16="http://schemas.microsoft.com/office/drawing/2014/main" id="{AFD91EB8-0D19-321E-B4B8-B16E5B8F4A0C}"/>
+              </a:ext>
+            </a:extLst>
+          </p:cNvPr>
+          <p:cNvSpPr txBox="1"/>
+          <p:nvPr/>
+        </p:nvSpPr>
+        <p:spPr>
+          <a:xfrm>
+            <a:off x="6706039" y="2385102"/>
+            <a:ext cx="2855918" cy="1015663"/>
+          </a:xfrm>
+          <a:prstGeom prst="rect">
+            <a:avLst/>
+          </a:prstGeom>
+          <a:solidFill>
+            <a:schemeClr val="accent4"/>
+          </a:solidFill>
+          <a:ln>
+            <a:solidFill>
+              <a:schemeClr val="bg1"/>
+            </a:solidFill>
+          </a:ln>
+        </p:spPr>
+        <p:style>
+          <a:lnRef idx="0">
+            <a:scrgbClr r="0" g="0" b="0"/>
+          </a:lnRef>
+          <a:fillRef idx="0">
+            <a:scrgbClr r="0" g="0" b="0"/>
+          </a:fillRef>
+          <a:effectRef idx="0">
+            <a:scrgbClr r="0" g="0" b="0"/>
+          </a:effectRef>
+          <a:fontRef idx="minor">
+            <a:schemeClr val="lt1"/>
+          </a:fontRef>
+        </p:style>
+        <p:txBody>
+          <a:bodyPr wrap="square" rtlCol="0">
+            <a:spAutoFit/>
+          </a:bodyPr>
+          <a:lstStyle/>
+          <a:p>
+            <a:r>
+              <a:rPr lang="en-GB" sz="2000" dirty="0">
+                <a:solidFill>
+                  <a:schemeClr val="tx1">
+                    <a:lumMod val="85000"/>
+                    <a:lumOff val="15000"/>
+                  </a:schemeClr>
+                </a:solidFill>
+                <a:latin typeface="Aptos Black" panose="020B0004020202020204" pitchFamily="34" charset="0"/>
+              </a:rPr>
+              <a:t>Offer a discounted period for high-charge products</a:t>
+            </a:r>
+          </a:p>
+        </p:txBody>
+      </p:sp>
+      <p:sp>
+        <p:nvSpPr>
+          <p:cNvPr id="7" name="TextBox 6">
+            <a:extLst>
+              <a:ext uri="{FF2B5EF4-FFF2-40B4-BE49-F238E27FC236}">
+                <a16:creationId xmlns:a16="http://schemas.microsoft.com/office/drawing/2014/main" id="{C522092C-BB5B-D0B2-4287-4C5220F770AE}"/>
+              </a:ext>
+            </a:extLst>
+          </p:cNvPr>
+          <p:cNvSpPr txBox="1"/>
+          <p:nvPr/>
+        </p:nvSpPr>
+        <p:spPr>
+          <a:xfrm>
+            <a:off x="5864113" y="4032532"/>
+            <a:ext cx="3293367" cy="707886"/>
+          </a:xfrm>
+          <a:prstGeom prst="rect">
+            <a:avLst/>
+          </a:prstGeom>
+          <a:solidFill>
+            <a:schemeClr val="accent4"/>
+          </a:solidFill>
+          <a:ln>
+            <a:solidFill>
+              <a:schemeClr val="bg1"/>
+            </a:solidFill>
+          </a:ln>
+        </p:spPr>
+        <p:style>
+          <a:lnRef idx="0">
+            <a:scrgbClr r="0" g="0" b="0"/>
+          </a:lnRef>
+          <a:fillRef idx="0">
+            <a:scrgbClr r="0" g="0" b="0"/>
+          </a:fillRef>
+          <a:effectRef idx="0">
+            <a:scrgbClr r="0" g="0" b="0"/>
+          </a:effectRef>
+          <a:fontRef idx="minor">
+            <a:schemeClr val="lt1"/>
+          </a:fontRef>
+        </p:style>
+        <p:txBody>
+          <a:bodyPr wrap="square" rtlCol="0">
+            <a:spAutoFit/>
+          </a:bodyPr>
+          <a:lstStyle/>
+          <a:p>
+            <a:r>
+              <a:rPr lang="en-GB" sz="2000" dirty="0">
+                <a:solidFill>
+                  <a:schemeClr val="tx1">
+                    <a:lumMod val="85000"/>
+                    <a:lumOff val="15000"/>
+                  </a:schemeClr>
+                </a:solidFill>
+                <a:latin typeface="Aptos Black" panose="020B0004020202020204" pitchFamily="34" charset="0"/>
+              </a:rPr>
+              <a:t>Sales Representative for early-stage customers</a:t>
+            </a:r>
+          </a:p>
+        </p:txBody>
+      </p:sp>
+      <p:sp>
+        <p:nvSpPr>
+          <p:cNvPr id="27" name="TextBox 26">
+            <a:extLst>
+              <a:ext uri="{FF2B5EF4-FFF2-40B4-BE49-F238E27FC236}">
+                <a16:creationId xmlns:a16="http://schemas.microsoft.com/office/drawing/2014/main" id="{BC33AFEC-C3D0-2A36-1946-1824E6DD5C75}"/>
+              </a:ext>
+            </a:extLst>
+          </p:cNvPr>
+          <p:cNvSpPr txBox="1"/>
+          <p:nvPr/>
+        </p:nvSpPr>
+        <p:spPr>
+          <a:xfrm>
+            <a:off x="4308335" y="5136677"/>
+            <a:ext cx="2855918" cy="1015663"/>
+          </a:xfrm>
+          <a:prstGeom prst="rect">
+            <a:avLst/>
+          </a:prstGeom>
+          <a:solidFill>
+            <a:schemeClr val="accent4"/>
+          </a:solidFill>
+          <a:ln>
+            <a:solidFill>
+              <a:schemeClr val="bg1"/>
+            </a:solidFill>
+          </a:ln>
+        </p:spPr>
+        <p:style>
+          <a:lnRef idx="0">
+            <a:scrgbClr r="0" g="0" b="0"/>
+          </a:lnRef>
+          <a:fillRef idx="0">
+            <a:scrgbClr r="0" g="0" b="0"/>
+          </a:fillRef>
+          <a:effectRef idx="0">
+            <a:scrgbClr r="0" g="0" b="0"/>
+          </a:effectRef>
+          <a:fontRef idx="minor">
+            <a:schemeClr val="lt1"/>
+          </a:fontRef>
+        </p:style>
+        <p:txBody>
+          <a:bodyPr wrap="square" rtlCol="0">
+            <a:spAutoFit/>
+          </a:bodyPr>
+          <a:lstStyle/>
+          <a:p>
+            <a:r>
+              <a:rPr lang="en-GB" sz="2000" dirty="0">
+                <a:solidFill>
+                  <a:schemeClr val="tx1">
+                    <a:lumMod val="85000"/>
+                    <a:lumOff val="15000"/>
+                  </a:schemeClr>
+                </a:solidFill>
+                <a:latin typeface="Aptos Black" panose="020B0004020202020204" pitchFamily="34" charset="0"/>
+              </a:rPr>
+              <a:t>Adjust price or add service features for Early-stage</a:t>
+            </a:r>
+          </a:p>
+        </p:txBody>
+      </p:sp>
+      <p:sp>
+        <p:nvSpPr>
+          <p:cNvPr id="32" name="TextBox 31">
+            <a:extLst>
+              <a:ext uri="{FF2B5EF4-FFF2-40B4-BE49-F238E27FC236}">
+                <a16:creationId xmlns:a16="http://schemas.microsoft.com/office/drawing/2014/main" id="{3D9A8CE4-3415-464E-CA77-E00F460D6876}"/>
+              </a:ext>
+            </a:extLst>
+          </p:cNvPr>
+          <p:cNvSpPr txBox="1"/>
+          <p:nvPr/>
+        </p:nvSpPr>
+        <p:spPr>
+          <a:xfrm>
+            <a:off x="1386347" y="5438257"/>
+            <a:ext cx="2421245" cy="1015663"/>
+          </a:xfrm>
+          <a:prstGeom prst="rect">
+            <a:avLst/>
+          </a:prstGeom>
+          <a:solidFill>
+            <a:schemeClr val="accent4"/>
+          </a:solidFill>
+          <a:ln>
+            <a:solidFill>
+              <a:schemeClr val="bg1"/>
+            </a:solidFill>
+          </a:ln>
+        </p:spPr>
+        <p:style>
+          <a:lnRef idx="0">
+            <a:scrgbClr r="0" g="0" b="0"/>
+          </a:lnRef>
+          <a:fillRef idx="0">
+            <a:scrgbClr r="0" g="0" b="0"/>
+          </a:fillRef>
+          <a:effectRef idx="0">
+            <a:scrgbClr r="0" g="0" b="0"/>
+          </a:effectRef>
+          <a:fontRef idx="minor">
+            <a:schemeClr val="lt1"/>
+          </a:fontRef>
+        </p:style>
+        <p:txBody>
+          <a:bodyPr wrap="square" rtlCol="0">
+            <a:spAutoFit/>
+          </a:bodyPr>
+          <a:lstStyle/>
+          <a:p>
+            <a:r>
+              <a:rPr lang="en-GB" sz="2000" dirty="0">
+                <a:solidFill>
+                  <a:schemeClr val="tx1">
+                    <a:lumMod val="85000"/>
+                    <a:lumOff val="15000"/>
+                  </a:schemeClr>
+                </a:solidFill>
+                <a:latin typeface="Aptos Black" panose="020B0004020202020204" pitchFamily="34" charset="0"/>
+              </a:rPr>
+              <a:t>Discount on Credit Card Payment</a:t>
+            </a:r>
+          </a:p>
+        </p:txBody>
+      </p:sp>
+    </p:spTree>
+    <p:extLst>
+      <p:ext uri="{BB962C8B-B14F-4D97-AF65-F5344CB8AC3E}">
+        <p14:creationId xmlns:p14="http://schemas.microsoft.com/office/powerpoint/2010/main" val="3329676482"/>
+      </p:ext>
+    </p:extLst>
+  </p:cSld>
+  <p:clrMapOvr>
+    <a:masterClrMapping/>
+  </p:clrMapOvr>
+</p:sld>
+</file>
+
+<file path=ppt/slides/slide9.xml><?xml version="1.0" encoding="utf-8"?>
+<p:sld xmlns:a="http://schemas.openxmlformats.org/drawingml/2006/main" xmlns:r="http://schemas.openxmlformats.org/officeDocument/2006/relationships" xmlns:p="http://schemas.openxmlformats.org/presentationml/2006/main">
+  <p:cSld>
+    <p:bg>
+      <p:bgPr>
+        <a:solidFill>
+          <a:schemeClr val="bg1"/>
+        </a:solidFill>
+        <a:effectLst/>
+      </p:bgPr>
+    </p:bg>
+    <p:spTree>
+      <p:nvGrpSpPr>
         <p:cNvPr id="1" name=""/>
         <p:cNvGrpSpPr/>
         <p:nvPr/>
@@ -8171,534 +9403,6 @@
           <p:cNvPr id="5" name="TextBox 4">
             <a:extLst>
               <a:ext uri="{FF2B5EF4-FFF2-40B4-BE49-F238E27FC236}">
-                <a16:creationId xmlns:a16="http://schemas.microsoft.com/office/drawing/2014/main" id="{F6163E08-84AE-A957-6EA8-4045887B00F2}"/>
-              </a:ext>
-            </a:extLst>
-          </p:cNvPr>
-          <p:cNvSpPr txBox="1"/>
-          <p:nvPr/>
-        </p:nvSpPr>
-        <p:spPr>
-          <a:xfrm>
-            <a:off x="387913" y="271276"/>
-            <a:ext cx="5786737" cy="763397"/>
-          </a:xfrm>
-          <a:prstGeom prst="rect">
-            <a:avLst/>
-          </a:prstGeom>
-        </p:spPr>
-        <p:txBody>
-          <a:bodyPr vert="horz" lIns="91440" tIns="45720" rIns="91440" bIns="45720" rtlCol="0" anchor="t">
-            <a:normAutofit/>
-          </a:bodyPr>
-          <a:lstStyle/>
-          <a:p>
-            <a:pPr defTabSz="914400">
-              <a:lnSpc>
-                <a:spcPct val="90000"/>
-              </a:lnSpc>
-              <a:spcBef>
-                <a:spcPct val="0"/>
-              </a:spcBef>
-              <a:spcAft>
-                <a:spcPts val="600"/>
-              </a:spcAft>
-            </a:pPr>
-            <a:r>
-              <a:rPr lang="en-US" sz="4800" kern="1200" dirty="0">
-                <a:solidFill>
-                  <a:schemeClr val="tx1"/>
-                </a:solidFill>
-                <a:latin typeface="Aptos Black" panose="020B0004020202020204" pitchFamily="34" charset="0"/>
-                <a:ea typeface="+mj-ea"/>
-                <a:cs typeface="+mj-cs"/>
-              </a:rPr>
-              <a:t>Future Strategies</a:t>
-            </a:r>
-          </a:p>
-        </p:txBody>
-      </p:sp>
-      <p:sp>
-        <p:nvSpPr>
-          <p:cNvPr id="18" name="Rectangle 17">
-            <a:extLst>
-              <a:ext uri="{FF2B5EF4-FFF2-40B4-BE49-F238E27FC236}">
-                <a16:creationId xmlns:a16="http://schemas.microsoft.com/office/drawing/2014/main" id="{B0EE8A42-107A-4D4C-8D56-BBAE95C7FC0D}"/>
-              </a:ext>
-              <a:ext uri="{C183D7F6-B498-43B3-948B-1728B52AA6E4}">
-                <adec:decorative xmlns:adec="http://schemas.microsoft.com/office/drawing/2017/decorative" val="1"/>
-              </a:ext>
-            </a:extLst>
-          </p:cNvPr>
-          <p:cNvSpPr>
-            <a:spLocks noGrp="1" noRot="1" noChangeAspect="1" noMove="1" noResize="1" noEditPoints="1" noAdjustHandles="1" noChangeArrowheads="1" noChangeShapeType="1" noTextEdit="1"/>
-          </p:cNvSpPr>
-          <p:nvPr>
-            <p:extLst>
-              <p:ext uri="{386F3935-93C4-4BCD-93E2-E3B085C9AB24}">
-                <p16:designElem xmlns:p16="http://schemas.microsoft.com/office/powerpoint/2015/main" val="1"/>
-              </p:ext>
-            </p:extLst>
-          </p:nvPr>
-        </p:nvSpPr>
-        <p:spPr>
-          <a:xfrm rot="5400000">
-            <a:off x="-1524009" y="3366125"/>
-            <a:ext cx="3200400" cy="152382"/>
-          </a:xfrm>
-          <a:prstGeom prst="rect">
-            <a:avLst/>
-          </a:prstGeom>
-          <a:solidFill>
-            <a:schemeClr val="accent4"/>
-          </a:solidFill>
-          <a:ln>
-            <a:noFill/>
-          </a:ln>
-        </p:spPr>
-        <p:style>
-          <a:lnRef idx="2">
-            <a:schemeClr val="accent1">
-              <a:shade val="50000"/>
-            </a:schemeClr>
-          </a:lnRef>
-          <a:fillRef idx="1">
-            <a:schemeClr val="accent1"/>
-          </a:fillRef>
-          <a:effectRef idx="0">
-            <a:schemeClr val="accent1"/>
-          </a:effectRef>
-          <a:fontRef idx="minor">
-            <a:schemeClr val="lt1"/>
-          </a:fontRef>
-        </p:style>
-        <p:txBody>
-          <a:bodyPr rtlCol="0" anchor="ctr"/>
-          <a:lstStyle/>
-          <a:p>
-            <a:pPr algn="ctr"/>
-            <a:endParaRPr lang="en-US"/>
-          </a:p>
-        </p:txBody>
-      </p:sp>
-      <p:sp>
-        <p:nvSpPr>
-          <p:cNvPr id="6" name="TextBox 5">
-            <a:extLst>
-              <a:ext uri="{FF2B5EF4-FFF2-40B4-BE49-F238E27FC236}">
-                <a16:creationId xmlns:a16="http://schemas.microsoft.com/office/drawing/2014/main" id="{233559AC-9ADF-031D-25BB-7F01FA13E214}"/>
-              </a:ext>
-            </a:extLst>
-          </p:cNvPr>
-          <p:cNvSpPr txBox="1"/>
-          <p:nvPr/>
-        </p:nvSpPr>
-        <p:spPr>
-          <a:xfrm>
-            <a:off x="678426" y="1199535"/>
-            <a:ext cx="10648335" cy="4554517"/>
-          </a:xfrm>
-          <a:prstGeom prst="rect">
-            <a:avLst/>
-          </a:prstGeom>
-          <a:noFill/>
-        </p:spPr>
-        <p:txBody>
-          <a:bodyPr wrap="square" rtlCol="0">
-            <a:spAutoFit/>
-          </a:bodyPr>
-          <a:lstStyle/>
-          <a:p>
-            <a:pPr marL="457200" indent="-457200">
-              <a:lnSpc>
-                <a:spcPct val="150000"/>
-              </a:lnSpc>
-              <a:buFont typeface="Arial" panose="020B0604020202020204" pitchFamily="34" charset="0"/>
-              <a:buChar char="•"/>
-            </a:pPr>
-            <a:r>
-              <a:rPr lang="en-GB" sz="2800" dirty="0">
-                <a:latin typeface="Aptos Black" panose="020B0004020202020204" pitchFamily="34" charset="0"/>
-              </a:rPr>
-              <a:t>Churn rate above industry average</a:t>
-            </a:r>
-          </a:p>
-          <a:p>
-            <a:pPr marL="457200" indent="-457200">
-              <a:lnSpc>
-                <a:spcPct val="150000"/>
-              </a:lnSpc>
-              <a:buFont typeface="Arial" panose="020B0604020202020204" pitchFamily="34" charset="0"/>
-              <a:buChar char="•"/>
-            </a:pPr>
-            <a:r>
-              <a:rPr lang="en-GB" sz="2800" dirty="0">
-                <a:latin typeface="Aptos Black" panose="020B0004020202020204" pitchFamily="34" charset="0"/>
-              </a:rPr>
-              <a:t>Promotion or discount offer for longer term contract</a:t>
-            </a:r>
-          </a:p>
-          <a:p>
-            <a:pPr marL="457200" indent="-457200">
-              <a:lnSpc>
-                <a:spcPct val="150000"/>
-              </a:lnSpc>
-              <a:buFont typeface="Arial" panose="020B0604020202020204" pitchFamily="34" charset="0"/>
-              <a:buChar char="•"/>
-            </a:pPr>
-            <a:r>
-              <a:rPr lang="en-GB" sz="2800" dirty="0">
-                <a:latin typeface="Aptos Black" panose="020B0004020202020204" pitchFamily="34" charset="0"/>
-              </a:rPr>
-              <a:t>Discount or Bundle options for high monthly charge products</a:t>
-            </a:r>
-          </a:p>
-          <a:p>
-            <a:pPr marL="457200" indent="-457200">
-              <a:lnSpc>
-                <a:spcPct val="150000"/>
-              </a:lnSpc>
-              <a:buFont typeface="Arial" panose="020B0604020202020204" pitchFamily="34" charset="0"/>
-              <a:buChar char="•"/>
-            </a:pPr>
-            <a:r>
-              <a:rPr lang="en-GB" sz="2800" dirty="0">
-                <a:latin typeface="Aptos Black" panose="020B0004020202020204" pitchFamily="34" charset="0"/>
-              </a:rPr>
-              <a:t>Make sales representative for early stage customers</a:t>
-            </a:r>
-          </a:p>
-          <a:p>
-            <a:pPr marL="457200" indent="-457200">
-              <a:lnSpc>
-                <a:spcPct val="150000"/>
-              </a:lnSpc>
-              <a:buFont typeface="Arial" panose="020B0604020202020204" pitchFamily="34" charset="0"/>
-              <a:buChar char="•"/>
-            </a:pPr>
-            <a:r>
-              <a:rPr lang="en-GB" sz="2800" dirty="0">
-                <a:latin typeface="Aptos Black" panose="020B0004020202020204" pitchFamily="34" charset="0"/>
-              </a:rPr>
-              <a:t>Lower the price for first 10 month</a:t>
-            </a:r>
-          </a:p>
-          <a:p>
-            <a:pPr marL="457200" indent="-457200">
-              <a:lnSpc>
-                <a:spcPct val="150000"/>
-              </a:lnSpc>
-              <a:buFont typeface="Arial" panose="020B0604020202020204" pitchFamily="34" charset="0"/>
-              <a:buChar char="•"/>
-            </a:pPr>
-            <a:r>
-              <a:rPr lang="en-GB" sz="2800" dirty="0">
-                <a:latin typeface="Aptos Black" panose="020B0004020202020204" pitchFamily="34" charset="0"/>
-              </a:rPr>
-              <a:t>Give discount on credit card paying customer</a:t>
-            </a:r>
-          </a:p>
-        </p:txBody>
-      </p:sp>
-    </p:spTree>
-    <p:extLst>
-      <p:ext uri="{BB962C8B-B14F-4D97-AF65-F5344CB8AC3E}">
-        <p14:creationId xmlns:p14="http://schemas.microsoft.com/office/powerpoint/2010/main" val="1868572479"/>
-      </p:ext>
-    </p:extLst>
-  </p:cSld>
-  <p:clrMapOvr>
-    <a:masterClrMapping/>
-  </p:clrMapOvr>
-</p:sld>
-</file>
-
-<file path=ppt/slides/slide9.xml><?xml version="1.0" encoding="utf-8"?>
-<p:sld xmlns:a="http://schemas.openxmlformats.org/drawingml/2006/main" xmlns:r="http://schemas.openxmlformats.org/officeDocument/2006/relationships" xmlns:p="http://schemas.openxmlformats.org/presentationml/2006/main">
-  <p:cSld>
-    <p:bg>
-      <p:bgPr>
-        <a:solidFill>
-          <a:schemeClr val="bg1"/>
-        </a:solidFill>
-        <a:effectLst/>
-      </p:bgPr>
-    </p:bg>
-    <p:spTree>
-      <p:nvGrpSpPr>
-        <p:cNvPr id="1" name=""/>
-        <p:cNvGrpSpPr/>
-        <p:nvPr/>
-      </p:nvGrpSpPr>
-      <p:grpSpPr>
-        <a:xfrm>
-          <a:off x="0" y="0"/>
-          <a:ext cx="0" cy="0"/>
-          <a:chOff x="0" y="0"/>
-          <a:chExt cx="0" cy="0"/>
-        </a:xfrm>
-      </p:grpSpPr>
-      <p:sp useBgFill="1">
-        <p:nvSpPr>
-          <p:cNvPr id="10" name="Rectangle 9">
-            <a:extLst>
-              <a:ext uri="{FF2B5EF4-FFF2-40B4-BE49-F238E27FC236}">
-                <a16:creationId xmlns:a16="http://schemas.microsoft.com/office/drawing/2014/main" id="{A7895A40-19A4-42D6-9D30-DBC1E8002635}"/>
-              </a:ext>
-              <a:ext uri="{C183D7F6-B498-43B3-948B-1728B52AA6E4}">
-                <adec:decorative xmlns:adec="http://schemas.microsoft.com/office/drawing/2017/decorative" val="1"/>
-              </a:ext>
-            </a:extLst>
-          </p:cNvPr>
-          <p:cNvSpPr>
-            <a:spLocks noGrp="1" noRot="1" noChangeAspect="1" noMove="1" noResize="1" noEditPoints="1" noAdjustHandles="1" noChangeArrowheads="1" noChangeShapeType="1" noTextEdit="1"/>
-          </p:cNvSpPr>
-          <p:nvPr>
-            <p:extLst>
-              <p:ext uri="{386F3935-93C4-4BCD-93E2-E3B085C9AB24}">
-                <p16:designElem xmlns:p16="http://schemas.microsoft.com/office/powerpoint/2015/main" val="1"/>
-              </p:ext>
-            </p:extLst>
-          </p:nvPr>
-        </p:nvSpPr>
-        <p:spPr>
-          <a:xfrm>
-            <a:off x="0" y="0"/>
-            <a:ext cx="12191999" cy="6857365"/>
-          </a:xfrm>
-          <a:prstGeom prst="rect">
-            <a:avLst/>
-          </a:prstGeom>
-          <a:ln>
-            <a:noFill/>
-          </a:ln>
-        </p:spPr>
-        <p:style>
-          <a:lnRef idx="2">
-            <a:schemeClr val="accent1">
-              <a:shade val="50000"/>
-            </a:schemeClr>
-          </a:lnRef>
-          <a:fillRef idx="1">
-            <a:schemeClr val="accent1"/>
-          </a:fillRef>
-          <a:effectRef idx="0">
-            <a:schemeClr val="accent1"/>
-          </a:effectRef>
-          <a:fontRef idx="minor">
-            <a:schemeClr val="lt1"/>
-          </a:fontRef>
-        </p:style>
-        <p:txBody>
-          <a:bodyPr rtlCol="0" anchor="ctr"/>
-          <a:lstStyle/>
-          <a:p>
-            <a:pPr algn="ctr"/>
-            <a:endParaRPr lang="en-US"/>
-          </a:p>
-        </p:txBody>
-      </p:sp>
-      <p:sp>
-        <p:nvSpPr>
-          <p:cNvPr id="12" name="Rectangle 11">
-            <a:extLst>
-              <a:ext uri="{FF2B5EF4-FFF2-40B4-BE49-F238E27FC236}">
-                <a16:creationId xmlns:a16="http://schemas.microsoft.com/office/drawing/2014/main" id="{02F429C4-ABC9-46FC-818A-B5429CDE4A96}"/>
-              </a:ext>
-              <a:ext uri="{C183D7F6-B498-43B3-948B-1728B52AA6E4}">
-                <adec:decorative xmlns:adec="http://schemas.microsoft.com/office/drawing/2017/decorative" val="1"/>
-              </a:ext>
-            </a:extLst>
-          </p:cNvPr>
-          <p:cNvSpPr>
-            <a:spLocks noGrp="1" noRot="1" noChangeAspect="1" noMove="1" noResize="1" noEditPoints="1" noAdjustHandles="1" noChangeArrowheads="1" noChangeShapeType="1" noTextEdit="1"/>
-          </p:cNvSpPr>
-          <p:nvPr>
-            <p:extLst>
-              <p:ext uri="{386F3935-93C4-4BCD-93E2-E3B085C9AB24}">
-                <p16:designElem xmlns:p16="http://schemas.microsoft.com/office/powerpoint/2015/main" val="1"/>
-              </p:ext>
-            </p:extLst>
-          </p:nvPr>
-        </p:nvSpPr>
-        <p:spPr>
-          <a:xfrm rot="5400000">
-            <a:off x="-1270325" y="3369273"/>
-            <a:ext cx="3200400" cy="152382"/>
-          </a:xfrm>
-          <a:prstGeom prst="rect">
-            <a:avLst/>
-          </a:prstGeom>
-          <a:solidFill>
-            <a:schemeClr val="accent4"/>
-          </a:solidFill>
-          <a:ln>
-            <a:noFill/>
-          </a:ln>
-        </p:spPr>
-        <p:style>
-          <a:lnRef idx="2">
-            <a:schemeClr val="accent1">
-              <a:shade val="50000"/>
-            </a:schemeClr>
-          </a:lnRef>
-          <a:fillRef idx="1">
-            <a:schemeClr val="accent1"/>
-          </a:fillRef>
-          <a:effectRef idx="0">
-            <a:schemeClr val="accent1"/>
-          </a:effectRef>
-          <a:fontRef idx="minor">
-            <a:schemeClr val="lt1"/>
-          </a:fontRef>
-        </p:style>
-        <p:txBody>
-          <a:bodyPr rtlCol="0" anchor="ctr"/>
-          <a:lstStyle/>
-          <a:p>
-            <a:pPr algn="ctr"/>
-            <a:endParaRPr lang="en-US"/>
-          </a:p>
-        </p:txBody>
-      </p:sp>
-      <p:sp>
-        <p:nvSpPr>
-          <p:cNvPr id="14" name="Rectangle 13">
-            <a:extLst>
-              <a:ext uri="{FF2B5EF4-FFF2-40B4-BE49-F238E27FC236}">
-                <a16:creationId xmlns:a16="http://schemas.microsoft.com/office/drawing/2014/main" id="{2CEF98E4-3709-4952-8F42-2305CCE34FA3}"/>
-              </a:ext>
-              <a:ext uri="{C183D7F6-B498-43B3-948B-1728B52AA6E4}">
-                <adec:decorative xmlns:adec="http://schemas.microsoft.com/office/drawing/2017/decorative" val="1"/>
-              </a:ext>
-            </a:extLst>
-          </p:cNvPr>
-          <p:cNvSpPr>
-            <a:spLocks noGrp="1" noRot="1" noChangeAspect="1" noMove="1" noResize="1" noEditPoints="1" noAdjustHandles="1" noChangeArrowheads="1" noChangeShapeType="1" noTextEdit="1"/>
-          </p:cNvSpPr>
-          <p:nvPr>
-            <p:extLst>
-              <p:ext uri="{386F3935-93C4-4BCD-93E2-E3B085C9AB24}">
-                <p16:designElem xmlns:p16="http://schemas.microsoft.com/office/powerpoint/2015/main" val="1"/>
-              </p:ext>
-            </p:extLst>
-          </p:nvPr>
-        </p:nvSpPr>
-        <p:spPr>
-          <a:xfrm rot="16200000">
-            <a:off x="6374475" y="1040470"/>
-            <a:ext cx="6858003" cy="4777047"/>
-          </a:xfrm>
-          <a:prstGeom prst="rect">
-            <a:avLst/>
-          </a:prstGeom>
-          <a:solidFill>
-            <a:schemeClr val="accent4"/>
-          </a:solidFill>
-          <a:ln>
-            <a:noFill/>
-          </a:ln>
-        </p:spPr>
-        <p:style>
-          <a:lnRef idx="2">
-            <a:schemeClr val="accent1">
-              <a:shade val="50000"/>
-            </a:schemeClr>
-          </a:lnRef>
-          <a:fillRef idx="1">
-            <a:schemeClr val="accent1"/>
-          </a:fillRef>
-          <a:effectRef idx="0">
-            <a:schemeClr val="accent1"/>
-          </a:effectRef>
-          <a:fontRef idx="minor">
-            <a:schemeClr val="lt1"/>
-          </a:fontRef>
-        </p:style>
-        <p:txBody>
-          <a:bodyPr rtlCol="0" anchor="ctr"/>
-          <a:lstStyle/>
-          <a:p>
-            <a:pPr algn="ctr"/>
-            <a:endParaRPr lang="en-US" dirty="0"/>
-          </a:p>
-        </p:txBody>
-      </p:sp>
-      <p:sp>
-        <p:nvSpPr>
-          <p:cNvPr id="16" name="Rectangle 15">
-            <a:extLst>
-              <a:ext uri="{FF2B5EF4-FFF2-40B4-BE49-F238E27FC236}">
-                <a16:creationId xmlns:a16="http://schemas.microsoft.com/office/drawing/2014/main" id="{F10BCCF5-D685-47FF-B675-647EAEB72C8E}"/>
-              </a:ext>
-              <a:ext uri="{C183D7F6-B498-43B3-948B-1728B52AA6E4}">
-                <adec:decorative xmlns:adec="http://schemas.microsoft.com/office/drawing/2017/decorative" val="1"/>
-              </a:ext>
-            </a:extLst>
-          </p:cNvPr>
-          <p:cNvSpPr>
-            <a:spLocks noGrp="1" noRot="1" noChangeAspect="1" noMove="1" noResize="1" noEditPoints="1" noAdjustHandles="1" noChangeArrowheads="1" noChangeShapeType="1" noTextEdit="1"/>
-          </p:cNvSpPr>
-          <p:nvPr>
-            <p:extLst>
-              <p:ext uri="{386F3935-93C4-4BCD-93E2-E3B085C9AB24}">
-                <p16:designElem xmlns:p16="http://schemas.microsoft.com/office/powerpoint/2015/main" val="1"/>
-              </p:ext>
-            </p:extLst>
-          </p:nvPr>
-        </p:nvSpPr>
-        <p:spPr>
-          <a:xfrm>
-            <a:off x="387914" y="857786"/>
-            <a:ext cx="11067024" cy="5208932"/>
-          </a:xfrm>
-          <a:prstGeom prst="rect">
-            <a:avLst/>
-          </a:prstGeom>
-          <a:solidFill>
-            <a:schemeClr val="bg1"/>
-          </a:solidFill>
-          <a:ln>
-            <a:noFill/>
-          </a:ln>
-          <a:effectLst>
-            <a:outerShdw blurRad="139700" dist="127000" dir="5400000" algn="t" rotWithShape="0">
-              <a:prstClr val="black">
-                <a:alpha val="15000"/>
-              </a:prstClr>
-            </a:outerShdw>
-          </a:effectLst>
-        </p:spPr>
-        <p:style>
-          <a:lnRef idx="2">
-            <a:schemeClr val="accent1">
-              <a:shade val="50000"/>
-            </a:schemeClr>
-          </a:lnRef>
-          <a:fillRef idx="1">
-            <a:schemeClr val="accent1"/>
-          </a:fillRef>
-          <a:effectRef idx="0">
-            <a:schemeClr val="accent1"/>
-          </a:effectRef>
-          <a:fontRef idx="minor">
-            <a:schemeClr val="lt1"/>
-          </a:fontRef>
-        </p:style>
-        <p:txBody>
-          <a:bodyPr rtlCol="0" anchor="ctr"/>
-          <a:lstStyle/>
-          <a:p>
-            <a:pPr algn="ctr"/>
-            <a:endParaRPr lang="en-US"/>
-          </a:p>
-        </p:txBody>
-      </p:sp>
-      <p:sp>
-        <p:nvSpPr>
-          <p:cNvPr id="5" name="TextBox 4">
-            <a:extLst>
-              <a:ext uri="{FF2B5EF4-FFF2-40B4-BE49-F238E27FC236}">
                 <a16:creationId xmlns:a16="http://schemas.microsoft.com/office/drawing/2014/main" id="{B388BFAB-2FD7-7523-4188-A3D69AF26BFD}"/>
               </a:ext>
             </a:extLst>
@@ -8734,6 +9438,12 @@
             </a:pPr>
             <a:r>
               <a:rPr lang="en-US" sz="8000" dirty="0">
+                <a:solidFill>
+                  <a:schemeClr val="tx1">
+                    <a:lumMod val="85000"/>
+                    <a:lumOff val="15000"/>
+                  </a:schemeClr>
+                </a:solidFill>
                 <a:latin typeface="Aptos Black" panose="020B0004020202020204" pitchFamily="34" charset="0"/>
                 <a:ea typeface="+mj-ea"/>
                 <a:cs typeface="+mj-cs"/>
@@ -8742,7 +9452,10 @@
             </a:r>
             <a:endParaRPr lang="en-US" sz="8000" kern="1200" dirty="0">
               <a:solidFill>
-                <a:schemeClr val="tx1"/>
+                <a:schemeClr val="tx1">
+                  <a:lumMod val="85000"/>
+                  <a:lumOff val="15000"/>
+                </a:schemeClr>
               </a:solidFill>
               <a:latin typeface="Aptos Black" panose="020B0004020202020204" pitchFamily="34" charset="0"/>
               <a:ea typeface="+mj-ea"/>
@@ -8764,7 +9477,10 @@
             <a:r>
               <a:rPr lang="en-US" sz="8000" kern="1200" dirty="0">
                 <a:solidFill>
-                  <a:schemeClr val="tx1"/>
+                  <a:schemeClr val="tx1">
+                    <a:lumMod val="85000"/>
+                    <a:lumOff val="15000"/>
+                  </a:schemeClr>
                 </a:solidFill>
                 <a:latin typeface="Aptos Black" panose="020B0004020202020204" pitchFamily="34" charset="0"/>
                 <a:ea typeface="+mj-ea"/>

--- a/resources/Telco Customer Churn Analysis.pptx
+++ b/resources/Telco Customer Churn Analysis.pptx
@@ -13,8 +13,8 @@
     <p:sldId id="258" r:id="rId4"/>
     <p:sldId id="259" r:id="rId5"/>
     <p:sldId id="260" r:id="rId6"/>
-    <p:sldId id="261" r:id="rId7"/>
-    <p:sldId id="262" r:id="rId8"/>
+    <p:sldId id="262" r:id="rId7"/>
+    <p:sldId id="261" r:id="rId8"/>
     <p:sldId id="265" r:id="rId9"/>
     <p:sldId id="264" r:id="rId10"/>
   </p:sldIdLst>
@@ -126,7 +126,7 @@
 <file path=ppt/revisionInfo.xml><?xml version="1.0" encoding="utf-8"?>
 <p1510:revInfo xmlns:a="http://schemas.openxmlformats.org/drawingml/2006/main" xmlns:r="http://schemas.openxmlformats.org/officeDocument/2006/relationships" xmlns:p1510="http://schemas.microsoft.com/office/powerpoint/2015/10/main">
   <p1510:revLst>
-    <p1510:client id="{AD0F9ED8-6AE1-4642-8A36-835899EB4368}" v="17" dt="2025-04-10T14:11:26.456"/>
+    <p1510:client id="{AD0F9ED8-6AE1-4642-8A36-835899EB4368}" v="23" dt="2025-04-10T15:00:41.432"/>
   </p1510:revLst>
 </p1510:revInfo>
 </file>
@@ -135,13 +135,13 @@
 <pc:chgInfo xmlns:a="http://schemas.openxmlformats.org/drawingml/2006/main" xmlns:r="http://schemas.openxmlformats.org/officeDocument/2006/relationships" xmlns:ac="http://schemas.microsoft.com/office/drawing/2013/main/command" xmlns:pc="http://schemas.microsoft.com/office/powerpoint/2013/main/command">
   <pc:docChgLst>
     <pc:chgData name="KwangSuk Sul" userId="c191b7df44b9fe19" providerId="LiveId" clId="{AD0F9ED8-6AE1-4642-8A36-835899EB4368}"/>
-    <pc:docChg chg="undo custSel addSld delSld modSld">
-      <pc:chgData name="KwangSuk Sul" userId="c191b7df44b9fe19" providerId="LiveId" clId="{AD0F9ED8-6AE1-4642-8A36-835899EB4368}" dt="2025-04-10T14:11:26.456" v="2458" actId="207"/>
+    <pc:docChg chg="undo custSel addSld delSld modSld sldOrd">
+      <pc:chgData name="KwangSuk Sul" userId="c191b7df44b9fe19" providerId="LiveId" clId="{AD0F9ED8-6AE1-4642-8A36-835899EB4368}" dt="2025-04-10T15:00:41.432" v="2510"/>
       <pc:docMkLst>
         <pc:docMk/>
       </pc:docMkLst>
-      <pc:sldChg chg="modSp">
-        <pc:chgData name="KwangSuk Sul" userId="c191b7df44b9fe19" providerId="LiveId" clId="{AD0F9ED8-6AE1-4642-8A36-835899EB4368}" dt="2025-04-10T14:11:26.456" v="2458" actId="207"/>
+      <pc:sldChg chg="modSp modAnim">
+        <pc:chgData name="KwangSuk Sul" userId="c191b7df44b9fe19" providerId="LiveId" clId="{AD0F9ED8-6AE1-4642-8A36-835899EB4368}" dt="2025-04-10T15:00:41.432" v="2510"/>
         <pc:sldMkLst>
           <pc:docMk/>
           <pc:sldMk cId="2769841588" sldId="256"/>
@@ -369,7 +369,7 @@
         </pc:picChg>
       </pc:sldChg>
       <pc:sldChg chg="addSp delSp modSp add mod setBg modNotesTx">
-        <pc:chgData name="KwangSuk Sul" userId="c191b7df44b9fe19" providerId="LiveId" clId="{AD0F9ED8-6AE1-4642-8A36-835899EB4368}" dt="2025-04-10T14:10:32.153" v="2449" actId="207"/>
+        <pc:chgData name="KwangSuk Sul" userId="c191b7df44b9fe19" providerId="LiveId" clId="{AD0F9ED8-6AE1-4642-8A36-835899EB4368}" dt="2025-04-10T14:53:54.328" v="2506" actId="1076"/>
         <pc:sldMkLst>
           <pc:docMk/>
           <pc:sldMk cId="2516845808" sldId="260"/>
@@ -422,12 +422,20 @@
             <ac:spMk id="18" creationId="{FE43805F-24A6-46A4-B19B-54F28347355C}"/>
           </ac:spMkLst>
         </pc:spChg>
-        <pc:picChg chg="add mod">
-          <ac:chgData name="KwangSuk Sul" userId="c191b7df44b9fe19" providerId="LiveId" clId="{AD0F9ED8-6AE1-4642-8A36-835899EB4368}" dt="2025-04-09T19:38:07.321" v="408" actId="14100"/>
+        <pc:picChg chg="add del mod">
+          <ac:chgData name="KwangSuk Sul" userId="c191b7df44b9fe19" providerId="LiveId" clId="{AD0F9ED8-6AE1-4642-8A36-835899EB4368}" dt="2025-04-10T14:47:04.520" v="2490" actId="478"/>
           <ac:picMkLst>
             <pc:docMk/>
             <pc:sldMk cId="2516845808" sldId="260"/>
             <ac:picMk id="4" creationId="{A803A564-31F3-879E-E0F3-1805A3F45755}"/>
+          </ac:picMkLst>
+        </pc:picChg>
+        <pc:picChg chg="add del mod">
+          <ac:chgData name="KwangSuk Sul" userId="c191b7df44b9fe19" providerId="LiveId" clId="{AD0F9ED8-6AE1-4642-8A36-835899EB4368}" dt="2025-04-10T14:47:29.015" v="2495" actId="478"/>
+          <ac:picMkLst>
+            <pc:docMk/>
+            <pc:sldMk cId="2516845808" sldId="260"/>
+            <ac:picMk id="5" creationId="{AC6438AD-A57B-7212-5936-9AAB0FC788C9}"/>
           </ac:picMkLst>
         </pc:picChg>
         <pc:picChg chg="del">
@@ -436,6 +444,30 @@
             <pc:docMk/>
             <pc:sldMk cId="2516845808" sldId="260"/>
             <ac:picMk id="8" creationId="{DEF62FAB-CFD0-50E1-C20B-0BE94110160E}"/>
+          </ac:picMkLst>
+        </pc:picChg>
+        <pc:picChg chg="add del mod">
+          <ac:chgData name="KwangSuk Sul" userId="c191b7df44b9fe19" providerId="LiveId" clId="{AD0F9ED8-6AE1-4642-8A36-835899EB4368}" dt="2025-04-10T14:48:48.732" v="2499" actId="478"/>
+          <ac:picMkLst>
+            <pc:docMk/>
+            <pc:sldMk cId="2516845808" sldId="260"/>
+            <ac:picMk id="8" creationId="{E5F5B1DB-0B34-E8D5-3FE7-7A55EB301303}"/>
+          </ac:picMkLst>
+        </pc:picChg>
+        <pc:picChg chg="add del mod">
+          <ac:chgData name="KwangSuk Sul" userId="c191b7df44b9fe19" providerId="LiveId" clId="{AD0F9ED8-6AE1-4642-8A36-835899EB4368}" dt="2025-04-10T14:53:44.367" v="2502" actId="478"/>
+          <ac:picMkLst>
+            <pc:docMk/>
+            <pc:sldMk cId="2516845808" sldId="260"/>
+            <ac:picMk id="10" creationId="{B073FF48-3688-EDB5-0239-488C701FE99F}"/>
+          </ac:picMkLst>
+        </pc:picChg>
+        <pc:picChg chg="add mod">
+          <ac:chgData name="KwangSuk Sul" userId="c191b7df44b9fe19" providerId="LiveId" clId="{AD0F9ED8-6AE1-4642-8A36-835899EB4368}" dt="2025-04-10T14:53:54.328" v="2506" actId="1076"/>
+          <ac:picMkLst>
+            <pc:docMk/>
+            <pc:sldMk cId="2516845808" sldId="260"/>
+            <ac:picMk id="13" creationId="{104983D1-1B2A-8194-6CE7-8E22A2071D55}"/>
           </ac:picMkLst>
         </pc:picChg>
       </pc:sldChg>
@@ -510,8 +542,8 @@
           </ac:picMkLst>
         </pc:picChg>
       </pc:sldChg>
-      <pc:sldChg chg="addSp delSp modSp new mod setBg">
-        <pc:chgData name="KwangSuk Sul" userId="c191b7df44b9fe19" providerId="LiveId" clId="{AD0F9ED8-6AE1-4642-8A36-835899EB4368}" dt="2025-04-09T20:08:18.394" v="684" actId="1076"/>
+      <pc:sldChg chg="addSp delSp modSp new mod ord setBg">
+        <pc:chgData name="KwangSuk Sul" userId="c191b7df44b9fe19" providerId="LiveId" clId="{AD0F9ED8-6AE1-4642-8A36-835899EB4368}" dt="2025-04-10T14:45:06.110" v="2460"/>
         <pc:sldMkLst>
           <pc:docMk/>
           <pc:sldMk cId="427276087" sldId="262"/>
@@ -1803,6 +1835,14 @@
           <a:bodyPr/>
           <a:lstStyle/>
           <a:p>
+            <a:r>
+              <a:rPr lang="en-GB" dirty="0"/>
+              <a:t>Tenure = </a:t>
+            </a:r>
+            <a:r>
+              <a:rPr lang="ko-KR" altLang="en-US" dirty="0"/>
+              <a:t>고객 유지기간</a:t>
+            </a:r>
             <a:endParaRPr lang="en-GB" dirty="0"/>
           </a:p>
         </p:txBody>
@@ -5300,273 +5340,6 @@
   <p:clrMapOvr>
     <a:masterClrMapping/>
   </p:clrMapOvr>
-  <p:timing>
-    <p:tnLst>
-      <p:par>
-        <p:cTn id="1" dur="indefinite" restart="never" nodeType="tmRoot">
-          <p:childTnLst>
-            <p:seq concurrent="1" nextAc="seek">
-              <p:cTn id="2" dur="indefinite" nodeType="mainSeq">
-                <p:childTnLst>
-                  <p:par>
-                    <p:cTn id="3" fill="hold">
-                      <p:stCondLst>
-                        <p:cond delay="indefinite"/>
-                        <p:cond evt="onBegin" delay="0">
-                          <p:tn val="2"/>
-                        </p:cond>
-                      </p:stCondLst>
-                      <p:childTnLst>
-                        <p:par>
-                          <p:cTn id="4" fill="hold">
-                            <p:stCondLst>
-                              <p:cond delay="0"/>
-                            </p:stCondLst>
-                            <p:childTnLst>
-                              <p:par>
-                                <p:cTn id="5" presetID="10" presetClass="entr" presetSubtype="0" fill="hold" grpId="0" nodeType="withEffect">
-                                  <p:stCondLst>
-                                    <p:cond delay="1000"/>
-                                  </p:stCondLst>
-                                  <p:iterate>
-                                    <p:tmPct val="10000"/>
-                                  </p:iterate>
-                                  <p:childTnLst>
-                                    <p:set>
-                                      <p:cBhvr>
-                                        <p:cTn id="6" dur="1" fill="hold">
-                                          <p:stCondLst>
-                                            <p:cond delay="0"/>
-                                          </p:stCondLst>
-                                        </p:cTn>
-                                        <p:tgtEl>
-                                          <p:spTgt spid="2"/>
-                                        </p:tgtEl>
-                                        <p:attrNameLst>
-                                          <p:attrName>style.visibility</p:attrName>
-                                        </p:attrNameLst>
-                                      </p:cBhvr>
-                                      <p:to>
-                                        <p:strVal val="visible"/>
-                                      </p:to>
-                                    </p:set>
-                                    <p:animEffect transition="in" filter="fade">
-                                      <p:cBhvr>
-                                        <p:cTn id="7" dur="700"/>
-                                        <p:tgtEl>
-                                          <p:spTgt spid="2"/>
-                                        </p:tgtEl>
-                                      </p:cBhvr>
-                                    </p:animEffect>
-                                  </p:childTnLst>
-                                </p:cTn>
-                              </p:par>
-                              <p:par>
-                                <p:cTn id="8" presetID="10" presetClass="entr" presetSubtype="0" fill="hold" grpId="0" nodeType="withEffect">
-                                  <p:stCondLst>
-                                    <p:cond delay="1500"/>
-                                  </p:stCondLst>
-                                  <p:iterate>
-                                    <p:tmPct val="10000"/>
-                                  </p:iterate>
-                                  <p:childTnLst>
-                                    <p:set>
-                                      <p:cBhvr>
-                                        <p:cTn id="9" dur="1" fill="hold">
-                                          <p:stCondLst>
-                                            <p:cond delay="0"/>
-                                          </p:stCondLst>
-                                        </p:cTn>
-                                        <p:tgtEl>
-                                          <p:spTgt spid="3">
-                                            <p:txEl>
-                                              <p:pRg st="0" end="0"/>
-                                            </p:txEl>
-                                          </p:spTgt>
-                                        </p:tgtEl>
-                                        <p:attrNameLst>
-                                          <p:attrName>style.visibility</p:attrName>
-                                        </p:attrNameLst>
-                                      </p:cBhvr>
-                                      <p:to>
-                                        <p:strVal val="visible"/>
-                                      </p:to>
-                                    </p:set>
-                                    <p:animEffect transition="in" filter="fade">
-                                      <p:cBhvr>
-                                        <p:cTn id="10" dur="700"/>
-                                        <p:tgtEl>
-                                          <p:spTgt spid="3">
-                                            <p:txEl>
-                                              <p:pRg st="0" end="0"/>
-                                            </p:txEl>
-                                          </p:spTgt>
-                                        </p:tgtEl>
-                                      </p:cBhvr>
-                                    </p:animEffect>
-                                  </p:childTnLst>
-                                </p:cTn>
-                              </p:par>
-                            </p:childTnLst>
-                          </p:cTn>
-                        </p:par>
-                      </p:childTnLst>
-                    </p:cTn>
-                  </p:par>
-                  <p:par>
-                    <p:cTn id="11" fill="hold">
-                      <p:stCondLst>
-                        <p:cond delay="indefinite"/>
-                      </p:stCondLst>
-                      <p:childTnLst>
-                        <p:par>
-                          <p:cTn id="12" fill="hold">
-                            <p:stCondLst>
-                              <p:cond delay="0"/>
-                            </p:stCondLst>
-                            <p:childTnLst>
-                              <p:par>
-                                <p:cTn id="13" presetID="10" presetClass="entr" presetSubtype="0" fill="hold" grpId="0" nodeType="clickEffect">
-                                  <p:stCondLst>
-                                    <p:cond delay="1500"/>
-                                  </p:stCondLst>
-                                  <p:iterate>
-                                    <p:tmPct val="10000"/>
-                                  </p:iterate>
-                                  <p:childTnLst>
-                                    <p:set>
-                                      <p:cBhvr>
-                                        <p:cTn id="14" dur="1" fill="hold">
-                                          <p:stCondLst>
-                                            <p:cond delay="0"/>
-                                          </p:stCondLst>
-                                        </p:cTn>
-                                        <p:tgtEl>
-                                          <p:spTgt spid="3">
-                                            <p:txEl>
-                                              <p:pRg st="2" end="2"/>
-                                            </p:txEl>
-                                          </p:spTgt>
-                                        </p:tgtEl>
-                                        <p:attrNameLst>
-                                          <p:attrName>style.visibility</p:attrName>
-                                        </p:attrNameLst>
-                                      </p:cBhvr>
-                                      <p:to>
-                                        <p:strVal val="visible"/>
-                                      </p:to>
-                                    </p:set>
-                                    <p:animEffect transition="in" filter="fade">
-                                      <p:cBhvr>
-                                        <p:cTn id="15" dur="700"/>
-                                        <p:tgtEl>
-                                          <p:spTgt spid="3">
-                                            <p:txEl>
-                                              <p:pRg st="2" end="2"/>
-                                            </p:txEl>
-                                          </p:spTgt>
-                                        </p:tgtEl>
-                                      </p:cBhvr>
-                                    </p:animEffect>
-                                  </p:childTnLst>
-                                </p:cTn>
-                              </p:par>
-                            </p:childTnLst>
-                          </p:cTn>
-                        </p:par>
-                      </p:childTnLst>
-                    </p:cTn>
-                  </p:par>
-                  <p:par>
-                    <p:cTn id="16" fill="hold">
-                      <p:stCondLst>
-                        <p:cond delay="indefinite"/>
-                      </p:stCondLst>
-                      <p:childTnLst>
-                        <p:par>
-                          <p:cTn id="17" fill="hold">
-                            <p:stCondLst>
-                              <p:cond delay="0"/>
-                            </p:stCondLst>
-                            <p:childTnLst>
-                              <p:par>
-                                <p:cTn id="18" presetID="10" presetClass="entr" presetSubtype="0" fill="hold" grpId="0" nodeType="clickEffect">
-                                  <p:stCondLst>
-                                    <p:cond delay="1500"/>
-                                  </p:stCondLst>
-                                  <p:iterate>
-                                    <p:tmPct val="10000"/>
-                                  </p:iterate>
-                                  <p:childTnLst>
-                                    <p:set>
-                                      <p:cBhvr>
-                                        <p:cTn id="19" dur="1" fill="hold">
-                                          <p:stCondLst>
-                                            <p:cond delay="0"/>
-                                          </p:stCondLst>
-                                        </p:cTn>
-                                        <p:tgtEl>
-                                          <p:spTgt spid="3">
-                                            <p:txEl>
-                                              <p:pRg st="3" end="3"/>
-                                            </p:txEl>
-                                          </p:spTgt>
-                                        </p:tgtEl>
-                                        <p:attrNameLst>
-                                          <p:attrName>style.visibility</p:attrName>
-                                        </p:attrNameLst>
-                                      </p:cBhvr>
-                                      <p:to>
-                                        <p:strVal val="visible"/>
-                                      </p:to>
-                                    </p:set>
-                                    <p:animEffect transition="in" filter="fade">
-                                      <p:cBhvr>
-                                        <p:cTn id="20" dur="700"/>
-                                        <p:tgtEl>
-                                          <p:spTgt spid="3">
-                                            <p:txEl>
-                                              <p:pRg st="3" end="3"/>
-                                            </p:txEl>
-                                          </p:spTgt>
-                                        </p:tgtEl>
-                                      </p:cBhvr>
-                                    </p:animEffect>
-                                  </p:childTnLst>
-                                </p:cTn>
-                              </p:par>
-                            </p:childTnLst>
-                          </p:cTn>
-                        </p:par>
-                      </p:childTnLst>
-                    </p:cTn>
-                  </p:par>
-                </p:childTnLst>
-              </p:cTn>
-              <p:prevCondLst>
-                <p:cond evt="onPrev" delay="0">
-                  <p:tgtEl>
-                    <p:sldTgt/>
-                  </p:tgtEl>
-                </p:cond>
-              </p:prevCondLst>
-              <p:nextCondLst>
-                <p:cond evt="onNext" delay="0">
-                  <p:tgtEl>
-                    <p:sldTgt/>
-                  </p:tgtEl>
-                </p:cond>
-              </p:nextCondLst>
-            </p:seq>
-          </p:childTnLst>
-        </p:cTn>
-      </p:par>
-    </p:tnLst>
-    <p:bldLst>
-      <p:bldP spid="2" grpId="0"/>
-      <p:bldP spid="3" grpId="0" build="p"/>
-    </p:bldLst>
-  </p:timing>
 </p:sld>
 </file>
 
@@ -7382,35 +7155,6 @@
           </a:p>
         </p:txBody>
       </p:sp>
-      <p:pic>
-        <p:nvPicPr>
-          <p:cNvPr id="4" name="Picture 3">
-            <a:extLst>
-              <a:ext uri="{FF2B5EF4-FFF2-40B4-BE49-F238E27FC236}">
-                <a16:creationId xmlns:a16="http://schemas.microsoft.com/office/drawing/2014/main" id="{A803A564-31F3-879E-E0F3-1805A3F45755}"/>
-              </a:ext>
-            </a:extLst>
-          </p:cNvPr>
-          <p:cNvPicPr>
-            <a:picLocks noChangeAspect="1"/>
-          </p:cNvPicPr>
-          <p:nvPr/>
-        </p:nvPicPr>
-        <p:blipFill>
-          <a:blip r:embed="rId3"/>
-          <a:srcRect l="17563"/>
-          <a:stretch/>
-        </p:blipFill>
-        <p:spPr>
-          <a:xfrm>
-            <a:off x="959205" y="364142"/>
-            <a:ext cx="10369645" cy="3867993"/>
-          </a:xfrm>
-          <a:prstGeom prst="rect">
-            <a:avLst/>
-          </a:prstGeom>
-        </p:spPr>
-      </p:pic>
       <p:sp>
         <p:nvSpPr>
           <p:cNvPr id="18" name="Rectangle 17">
@@ -7574,6 +7318,36 @@
           </a:p>
         </p:txBody>
       </p:sp>
+      <p:pic>
+        <p:nvPicPr>
+          <p:cNvPr id="13" name="Picture 12">
+            <a:extLst>
+              <a:ext uri="{FF2B5EF4-FFF2-40B4-BE49-F238E27FC236}">
+                <a16:creationId xmlns:a16="http://schemas.microsoft.com/office/drawing/2014/main" id="{104983D1-1B2A-8194-6CE7-8E22A2071D55}"/>
+              </a:ext>
+            </a:extLst>
+          </p:cNvPr>
+          <p:cNvPicPr>
+            <a:picLocks noChangeAspect="1"/>
+          </p:cNvPicPr>
+          <p:nvPr/>
+        </p:nvPicPr>
+        <p:blipFill>
+          <a:blip r:embed="rId3"/>
+          <a:stretch>
+            <a:fillRect/>
+          </a:stretch>
+        </p:blipFill>
+        <p:spPr>
+          <a:xfrm>
+            <a:off x="1737242" y="946861"/>
+            <a:ext cx="8793038" cy="2694462"/>
+          </a:xfrm>
+          <a:prstGeom prst="rect">
+            <a:avLst/>
+          </a:prstGeom>
+        </p:spPr>
+      </p:pic>
     </p:spTree>
     <p:extLst>
       <p:ext uri="{BB962C8B-B14F-4D97-AF65-F5344CB8AC3E}">
@@ -7588,373 +7362,6 @@
 </file>
 
 <file path=ppt/slides/slide6.xml><?xml version="1.0" encoding="utf-8"?>
-<p:sld xmlns:a="http://schemas.openxmlformats.org/drawingml/2006/main" xmlns:r="http://schemas.openxmlformats.org/officeDocument/2006/relationships" xmlns:p="http://schemas.openxmlformats.org/presentationml/2006/main">
-  <p:cSld>
-    <p:bg>
-      <p:bgPr>
-        <a:solidFill>
-          <a:schemeClr val="bg1"/>
-        </a:solidFill>
-        <a:effectLst/>
-      </p:bgPr>
-    </p:bg>
-    <p:spTree>
-      <p:nvGrpSpPr>
-        <p:cNvPr id="1" name=""/>
-        <p:cNvGrpSpPr/>
-        <p:nvPr/>
-      </p:nvGrpSpPr>
-      <p:grpSpPr>
-        <a:xfrm>
-          <a:off x="0" y="0"/>
-          <a:ext cx="0" cy="0"/>
-          <a:chOff x="0" y="0"/>
-          <a:chExt cx="0" cy="0"/>
-        </a:xfrm>
-      </p:grpSpPr>
-      <p:sp useBgFill="1">
-        <p:nvSpPr>
-          <p:cNvPr id="11" name="Rectangle 10">
-            <a:extLst>
-              <a:ext uri="{FF2B5EF4-FFF2-40B4-BE49-F238E27FC236}">
-                <a16:creationId xmlns:a16="http://schemas.microsoft.com/office/drawing/2014/main" id="{BA79A7CF-01AF-4178-9369-94E0C90EB046}"/>
-              </a:ext>
-              <a:ext uri="{C183D7F6-B498-43B3-948B-1728B52AA6E4}">
-                <adec:decorative xmlns:adec="http://schemas.microsoft.com/office/drawing/2017/decorative" val="1"/>
-              </a:ext>
-            </a:extLst>
-          </p:cNvPr>
-          <p:cNvSpPr>
-            <a:spLocks noGrp="1" noRot="1" noChangeAspect="1" noMove="1" noResize="1" noEditPoints="1" noAdjustHandles="1" noChangeArrowheads="1" noChangeShapeType="1" noTextEdit="1"/>
-          </p:cNvSpPr>
-          <p:nvPr>
-            <p:extLst>
-              <p:ext uri="{386F3935-93C4-4BCD-93E2-E3B085C9AB24}">
-                <p16:designElem xmlns:p16="http://schemas.microsoft.com/office/powerpoint/2015/main" val="1"/>
-              </p:ext>
-            </p:extLst>
-          </p:nvPr>
-        </p:nvSpPr>
-        <p:spPr>
-          <a:xfrm>
-            <a:off x="0" y="0"/>
-            <a:ext cx="12191999" cy="6857365"/>
-          </a:xfrm>
-          <a:prstGeom prst="rect">
-            <a:avLst/>
-          </a:prstGeom>
-          <a:ln>
-            <a:noFill/>
-          </a:ln>
-        </p:spPr>
-        <p:style>
-          <a:lnRef idx="2">
-            <a:schemeClr val="accent1">
-              <a:shade val="50000"/>
-            </a:schemeClr>
-          </a:lnRef>
-          <a:fillRef idx="1">
-            <a:schemeClr val="accent1"/>
-          </a:fillRef>
-          <a:effectRef idx="0">
-            <a:schemeClr val="accent1"/>
-          </a:effectRef>
-          <a:fontRef idx="minor">
-            <a:schemeClr val="lt1"/>
-          </a:fontRef>
-        </p:style>
-        <p:txBody>
-          <a:bodyPr rtlCol="0" anchor="ctr"/>
-          <a:lstStyle/>
-          <a:p>
-            <a:pPr algn="ctr"/>
-            <a:endParaRPr lang="en-US"/>
-          </a:p>
-        </p:txBody>
-      </p:sp>
-      <p:sp>
-        <p:nvSpPr>
-          <p:cNvPr id="2" name="Title 1">
-            <a:extLst>
-              <a:ext uri="{FF2B5EF4-FFF2-40B4-BE49-F238E27FC236}">
-                <a16:creationId xmlns:a16="http://schemas.microsoft.com/office/drawing/2014/main" id="{D4AF3757-C44A-8639-4D2D-5C536FB6D549}"/>
-              </a:ext>
-            </a:extLst>
-          </p:cNvPr>
-          <p:cNvSpPr>
-            <a:spLocks noGrp="1"/>
-          </p:cNvSpPr>
-          <p:nvPr>
-            <p:ph type="title"/>
-          </p:nvPr>
-        </p:nvSpPr>
-        <p:spPr>
-          <a:xfrm>
-            <a:off x="9267909" y="2023110"/>
-            <a:ext cx="2469624" cy="2846070"/>
-          </a:xfrm>
-        </p:spPr>
-        <p:txBody>
-          <a:bodyPr vert="horz" lIns="91440" tIns="45720" rIns="91440" bIns="45720" rtlCol="0" anchor="ctr">
-            <a:normAutofit/>
-          </a:bodyPr>
-          <a:lstStyle/>
-          <a:p>
-            <a:r>
-              <a:rPr lang="en-US" sz="3700" kern="1200" dirty="0">
-                <a:solidFill>
-                  <a:schemeClr val="tx1">
-                    <a:lumMod val="85000"/>
-                    <a:lumOff val="15000"/>
-                  </a:schemeClr>
-                </a:solidFill>
-                <a:latin typeface="Aptos Black" panose="020B0004020202020204" pitchFamily="34" charset="0"/>
-              </a:rPr>
-              <a:t>Churn Count by Internet Service Type</a:t>
-            </a:r>
-          </a:p>
-        </p:txBody>
-      </p:sp>
-      <p:sp>
-        <p:nvSpPr>
-          <p:cNvPr id="13" name="Rectangle 12">
-            <a:extLst>
-              <a:ext uri="{FF2B5EF4-FFF2-40B4-BE49-F238E27FC236}">
-                <a16:creationId xmlns:a16="http://schemas.microsoft.com/office/drawing/2014/main" id="{99413ED5-9ED4-4772-BCE4-2BCAE6B12E35}"/>
-              </a:ext>
-              <a:ext uri="{C183D7F6-B498-43B3-948B-1728B52AA6E4}">
-                <adec:decorative xmlns:adec="http://schemas.microsoft.com/office/drawing/2017/decorative" val="1"/>
-              </a:ext>
-            </a:extLst>
-          </p:cNvPr>
-          <p:cNvSpPr>
-            <a:spLocks noGrp="1" noRot="1" noChangeAspect="1" noMove="1" noResize="1" noEditPoints="1" noAdjustHandles="1" noChangeArrowheads="1" noChangeShapeType="1" noTextEdit="1"/>
-          </p:cNvSpPr>
-          <p:nvPr>
-            <p:extLst>
-              <p:ext uri="{386F3935-93C4-4BCD-93E2-E3B085C9AB24}">
-                <p16:designElem xmlns:p16="http://schemas.microsoft.com/office/powerpoint/2015/main" val="1"/>
-              </p:ext>
-            </p:extLst>
-          </p:nvPr>
-        </p:nvSpPr>
-        <p:spPr>
-          <a:xfrm rot="16200000">
-            <a:off x="3433973" y="-827233"/>
-            <a:ext cx="1715478" cy="8583421"/>
-          </a:xfrm>
-          <a:prstGeom prst="rect">
-            <a:avLst/>
-          </a:prstGeom>
-          <a:solidFill>
-            <a:schemeClr val="accent4"/>
-          </a:solidFill>
-          <a:ln>
-            <a:noFill/>
-          </a:ln>
-        </p:spPr>
-        <p:style>
-          <a:lnRef idx="2">
-            <a:schemeClr val="accent1">
-              <a:shade val="50000"/>
-            </a:schemeClr>
-          </a:lnRef>
-          <a:fillRef idx="1">
-            <a:schemeClr val="accent1"/>
-          </a:fillRef>
-          <a:effectRef idx="0">
-            <a:schemeClr val="accent1"/>
-          </a:effectRef>
-          <a:fontRef idx="minor">
-            <a:schemeClr val="lt1"/>
-          </a:fontRef>
-        </p:style>
-        <p:txBody>
-          <a:bodyPr rtlCol="0" anchor="ctr"/>
-          <a:lstStyle/>
-          <a:p>
-            <a:pPr algn="ctr"/>
-            <a:endParaRPr lang="en-US" dirty="0"/>
-          </a:p>
-        </p:txBody>
-      </p:sp>
-      <p:sp>
-        <p:nvSpPr>
-          <p:cNvPr id="15" name="Rectangle 14">
-            <a:extLst>
-              <a:ext uri="{FF2B5EF4-FFF2-40B4-BE49-F238E27FC236}">
-                <a16:creationId xmlns:a16="http://schemas.microsoft.com/office/drawing/2014/main" id="{04357C93-F0CB-4A1C-8F77-4E9063789819}"/>
-              </a:ext>
-              <a:ext uri="{C183D7F6-B498-43B3-948B-1728B52AA6E4}">
-                <adec:decorative xmlns:adec="http://schemas.microsoft.com/office/drawing/2017/decorative" val="1"/>
-              </a:ext>
-            </a:extLst>
-          </p:cNvPr>
-          <p:cNvSpPr>
-            <a:spLocks noGrp="1" noRot="1" noChangeAspect="1" noMove="1" noResize="1" noEditPoints="1" noAdjustHandles="1" noChangeArrowheads="1" noChangeShapeType="1" noTextEdit="1"/>
-          </p:cNvSpPr>
-          <p:nvPr>
-            <p:extLst>
-              <p:ext uri="{386F3935-93C4-4BCD-93E2-E3B085C9AB24}">
-                <p16:designElem xmlns:p16="http://schemas.microsoft.com/office/powerpoint/2015/main" val="1"/>
-              </p:ext>
-            </p:extLst>
-          </p:nvPr>
-        </p:nvSpPr>
-        <p:spPr>
-          <a:xfrm>
-            <a:off x="302085" y="664308"/>
-            <a:ext cx="8082632" cy="5600340"/>
-          </a:xfrm>
-          <a:prstGeom prst="rect">
-            <a:avLst/>
-          </a:prstGeom>
-          <a:solidFill>
-            <a:schemeClr val="bg1"/>
-          </a:solidFill>
-          <a:ln>
-            <a:noFill/>
-          </a:ln>
-          <a:effectLst>
-            <a:outerShdw blurRad="139700" dist="127000" dir="5400000" algn="t" rotWithShape="0">
-              <a:prstClr val="black">
-                <a:alpha val="15000"/>
-              </a:prstClr>
-            </a:outerShdw>
-          </a:effectLst>
-        </p:spPr>
-        <p:style>
-          <a:lnRef idx="2">
-            <a:schemeClr val="accent1">
-              <a:shade val="50000"/>
-            </a:schemeClr>
-          </a:lnRef>
-          <a:fillRef idx="1">
-            <a:schemeClr val="accent1"/>
-          </a:fillRef>
-          <a:effectRef idx="0">
-            <a:schemeClr val="accent1"/>
-          </a:effectRef>
-          <a:fontRef idx="minor">
-            <a:schemeClr val="lt1"/>
-          </a:fontRef>
-        </p:style>
-        <p:txBody>
-          <a:bodyPr rtlCol="0" anchor="ctr"/>
-          <a:lstStyle/>
-          <a:p>
-            <a:pPr algn="ctr"/>
-            <a:endParaRPr lang="en-US"/>
-          </a:p>
-        </p:txBody>
-      </p:sp>
-      <p:pic>
-        <p:nvPicPr>
-          <p:cNvPr id="6" name="Picture 5">
-            <a:extLst>
-              <a:ext uri="{FF2B5EF4-FFF2-40B4-BE49-F238E27FC236}">
-                <a16:creationId xmlns:a16="http://schemas.microsoft.com/office/drawing/2014/main" id="{5C192612-5D2D-A1A9-8751-186486028162}"/>
-              </a:ext>
-            </a:extLst>
-          </p:cNvPr>
-          <p:cNvPicPr>
-            <a:picLocks noChangeAspect="1"/>
-          </p:cNvPicPr>
-          <p:nvPr/>
-        </p:nvPicPr>
-        <p:blipFill>
-          <a:blip r:embed="rId2"/>
-          <a:stretch>
-            <a:fillRect/>
-          </a:stretch>
-        </p:blipFill>
-        <p:spPr>
-          <a:xfrm>
-            <a:off x="545238" y="1608969"/>
-            <a:ext cx="7608304" cy="3711017"/>
-          </a:xfrm>
-          <a:prstGeom prst="rect">
-            <a:avLst/>
-          </a:prstGeom>
-        </p:spPr>
-      </p:pic>
-      <p:sp>
-        <p:nvSpPr>
-          <p:cNvPr id="17" name="Rectangle 16">
-            <a:extLst>
-              <a:ext uri="{FF2B5EF4-FFF2-40B4-BE49-F238E27FC236}">
-                <a16:creationId xmlns:a16="http://schemas.microsoft.com/office/drawing/2014/main" id="{90F533E9-6690-41A8-A372-4C6C622D028D}"/>
-              </a:ext>
-              <a:ext uri="{C183D7F6-B498-43B3-948B-1728B52AA6E4}">
-                <adec:decorative xmlns:adec="http://schemas.microsoft.com/office/drawing/2017/decorative" val="1"/>
-              </a:ext>
-            </a:extLst>
-          </p:cNvPr>
-          <p:cNvSpPr>
-            <a:spLocks noGrp="1" noRot="1" noChangeAspect="1" noMove="1" noResize="1" noEditPoints="1" noAdjustHandles="1" noChangeArrowheads="1" noChangeShapeType="1" noTextEdit="1"/>
-          </p:cNvSpPr>
-          <p:nvPr>
-            <p:extLst>
-              <p:ext uri="{386F3935-93C4-4BCD-93E2-E3B085C9AB24}">
-                <p16:designElem xmlns:p16="http://schemas.microsoft.com/office/powerpoint/2015/main" val="1"/>
-              </p:ext>
-            </p:extLst>
-          </p:nvPr>
-        </p:nvSpPr>
-        <p:spPr>
-          <a:xfrm rot="5400000">
-            <a:off x="7950447" y="3392097"/>
-            <a:ext cx="1719072" cy="152382"/>
-          </a:xfrm>
-          <a:prstGeom prst="rect">
-            <a:avLst/>
-          </a:prstGeom>
-          <a:solidFill>
-            <a:schemeClr val="accent4"/>
-          </a:solidFill>
-          <a:ln>
-            <a:noFill/>
-          </a:ln>
-        </p:spPr>
-        <p:style>
-          <a:lnRef idx="2">
-            <a:schemeClr val="accent1">
-              <a:shade val="50000"/>
-            </a:schemeClr>
-          </a:lnRef>
-          <a:fillRef idx="1">
-            <a:schemeClr val="accent1"/>
-          </a:fillRef>
-          <a:effectRef idx="0">
-            <a:schemeClr val="accent1"/>
-          </a:effectRef>
-          <a:fontRef idx="minor">
-            <a:schemeClr val="lt1"/>
-          </a:fontRef>
-        </p:style>
-        <p:txBody>
-          <a:bodyPr rtlCol="0" anchor="ctr"/>
-          <a:lstStyle/>
-          <a:p>
-            <a:pPr algn="ctr"/>
-            <a:endParaRPr lang="en-US"/>
-          </a:p>
-        </p:txBody>
-      </p:sp>
-    </p:spTree>
-    <p:extLst>
-      <p:ext uri="{BB962C8B-B14F-4D97-AF65-F5344CB8AC3E}">
-        <p14:creationId xmlns:p14="http://schemas.microsoft.com/office/powerpoint/2010/main" val="3039969198"/>
-      </p:ext>
-    </p:extLst>
-  </p:cSld>
-  <p:clrMapOvr>
-    <a:masterClrMapping/>
-  </p:clrMapOvr>
-</p:sld>
-</file>
-
-<file path=ppt/slides/slide7.xml><?xml version="1.0" encoding="utf-8"?>
 <p:sld xmlns:a="http://schemas.openxmlformats.org/drawingml/2006/main" xmlns:r="http://schemas.openxmlformats.org/officeDocument/2006/relationships" xmlns:p="http://schemas.openxmlformats.org/presentationml/2006/main">
   <p:cSld>
     <p:bg>
@@ -8287,6 +7694,373 @@
     <p:extLst>
       <p:ext uri="{BB962C8B-B14F-4D97-AF65-F5344CB8AC3E}">
         <p14:creationId xmlns:p14="http://schemas.microsoft.com/office/powerpoint/2010/main" val="427276087"/>
+      </p:ext>
+    </p:extLst>
+  </p:cSld>
+  <p:clrMapOvr>
+    <a:masterClrMapping/>
+  </p:clrMapOvr>
+</p:sld>
+</file>
+
+<file path=ppt/slides/slide7.xml><?xml version="1.0" encoding="utf-8"?>
+<p:sld xmlns:a="http://schemas.openxmlformats.org/drawingml/2006/main" xmlns:r="http://schemas.openxmlformats.org/officeDocument/2006/relationships" xmlns:p="http://schemas.openxmlformats.org/presentationml/2006/main">
+  <p:cSld>
+    <p:bg>
+      <p:bgPr>
+        <a:solidFill>
+          <a:schemeClr val="bg1"/>
+        </a:solidFill>
+        <a:effectLst/>
+      </p:bgPr>
+    </p:bg>
+    <p:spTree>
+      <p:nvGrpSpPr>
+        <p:cNvPr id="1" name=""/>
+        <p:cNvGrpSpPr/>
+        <p:nvPr/>
+      </p:nvGrpSpPr>
+      <p:grpSpPr>
+        <a:xfrm>
+          <a:off x="0" y="0"/>
+          <a:ext cx="0" cy="0"/>
+          <a:chOff x="0" y="0"/>
+          <a:chExt cx="0" cy="0"/>
+        </a:xfrm>
+      </p:grpSpPr>
+      <p:sp useBgFill="1">
+        <p:nvSpPr>
+          <p:cNvPr id="11" name="Rectangle 10">
+            <a:extLst>
+              <a:ext uri="{FF2B5EF4-FFF2-40B4-BE49-F238E27FC236}">
+                <a16:creationId xmlns:a16="http://schemas.microsoft.com/office/drawing/2014/main" id="{BA79A7CF-01AF-4178-9369-94E0C90EB046}"/>
+              </a:ext>
+              <a:ext uri="{C183D7F6-B498-43B3-948B-1728B52AA6E4}">
+                <adec:decorative xmlns:adec="http://schemas.microsoft.com/office/drawing/2017/decorative" val="1"/>
+              </a:ext>
+            </a:extLst>
+          </p:cNvPr>
+          <p:cNvSpPr>
+            <a:spLocks noGrp="1" noRot="1" noChangeAspect="1" noMove="1" noResize="1" noEditPoints="1" noAdjustHandles="1" noChangeArrowheads="1" noChangeShapeType="1" noTextEdit="1"/>
+          </p:cNvSpPr>
+          <p:nvPr>
+            <p:extLst>
+              <p:ext uri="{386F3935-93C4-4BCD-93E2-E3B085C9AB24}">
+                <p16:designElem xmlns:p16="http://schemas.microsoft.com/office/powerpoint/2015/main" val="1"/>
+              </p:ext>
+            </p:extLst>
+          </p:nvPr>
+        </p:nvSpPr>
+        <p:spPr>
+          <a:xfrm>
+            <a:off x="0" y="0"/>
+            <a:ext cx="12191999" cy="6857365"/>
+          </a:xfrm>
+          <a:prstGeom prst="rect">
+            <a:avLst/>
+          </a:prstGeom>
+          <a:ln>
+            <a:noFill/>
+          </a:ln>
+        </p:spPr>
+        <p:style>
+          <a:lnRef idx="2">
+            <a:schemeClr val="accent1">
+              <a:shade val="50000"/>
+            </a:schemeClr>
+          </a:lnRef>
+          <a:fillRef idx="1">
+            <a:schemeClr val="accent1"/>
+          </a:fillRef>
+          <a:effectRef idx="0">
+            <a:schemeClr val="accent1"/>
+          </a:effectRef>
+          <a:fontRef idx="minor">
+            <a:schemeClr val="lt1"/>
+          </a:fontRef>
+        </p:style>
+        <p:txBody>
+          <a:bodyPr rtlCol="0" anchor="ctr"/>
+          <a:lstStyle/>
+          <a:p>
+            <a:pPr algn="ctr"/>
+            <a:endParaRPr lang="en-US"/>
+          </a:p>
+        </p:txBody>
+      </p:sp>
+      <p:sp>
+        <p:nvSpPr>
+          <p:cNvPr id="2" name="Title 1">
+            <a:extLst>
+              <a:ext uri="{FF2B5EF4-FFF2-40B4-BE49-F238E27FC236}">
+                <a16:creationId xmlns:a16="http://schemas.microsoft.com/office/drawing/2014/main" id="{D4AF3757-C44A-8639-4D2D-5C536FB6D549}"/>
+              </a:ext>
+            </a:extLst>
+          </p:cNvPr>
+          <p:cNvSpPr>
+            <a:spLocks noGrp="1"/>
+          </p:cNvSpPr>
+          <p:nvPr>
+            <p:ph type="title"/>
+          </p:nvPr>
+        </p:nvSpPr>
+        <p:spPr>
+          <a:xfrm>
+            <a:off x="9267909" y="2023110"/>
+            <a:ext cx="2469624" cy="2846070"/>
+          </a:xfrm>
+        </p:spPr>
+        <p:txBody>
+          <a:bodyPr vert="horz" lIns="91440" tIns="45720" rIns="91440" bIns="45720" rtlCol="0" anchor="ctr">
+            <a:normAutofit/>
+          </a:bodyPr>
+          <a:lstStyle/>
+          <a:p>
+            <a:r>
+              <a:rPr lang="en-US" sz="3700" kern="1200" dirty="0">
+                <a:solidFill>
+                  <a:schemeClr val="tx1">
+                    <a:lumMod val="85000"/>
+                    <a:lumOff val="15000"/>
+                  </a:schemeClr>
+                </a:solidFill>
+                <a:latin typeface="Aptos Black" panose="020B0004020202020204" pitchFamily="34" charset="0"/>
+              </a:rPr>
+              <a:t>Churn Count by Internet Service Type</a:t>
+            </a:r>
+          </a:p>
+        </p:txBody>
+      </p:sp>
+      <p:sp>
+        <p:nvSpPr>
+          <p:cNvPr id="13" name="Rectangle 12">
+            <a:extLst>
+              <a:ext uri="{FF2B5EF4-FFF2-40B4-BE49-F238E27FC236}">
+                <a16:creationId xmlns:a16="http://schemas.microsoft.com/office/drawing/2014/main" id="{99413ED5-9ED4-4772-BCE4-2BCAE6B12E35}"/>
+              </a:ext>
+              <a:ext uri="{C183D7F6-B498-43B3-948B-1728B52AA6E4}">
+                <adec:decorative xmlns:adec="http://schemas.microsoft.com/office/drawing/2017/decorative" val="1"/>
+              </a:ext>
+            </a:extLst>
+          </p:cNvPr>
+          <p:cNvSpPr>
+            <a:spLocks noGrp="1" noRot="1" noChangeAspect="1" noMove="1" noResize="1" noEditPoints="1" noAdjustHandles="1" noChangeArrowheads="1" noChangeShapeType="1" noTextEdit="1"/>
+          </p:cNvSpPr>
+          <p:nvPr>
+            <p:extLst>
+              <p:ext uri="{386F3935-93C4-4BCD-93E2-E3B085C9AB24}">
+                <p16:designElem xmlns:p16="http://schemas.microsoft.com/office/powerpoint/2015/main" val="1"/>
+              </p:ext>
+            </p:extLst>
+          </p:nvPr>
+        </p:nvSpPr>
+        <p:spPr>
+          <a:xfrm rot="16200000">
+            <a:off x="3433973" y="-827233"/>
+            <a:ext cx="1715478" cy="8583421"/>
+          </a:xfrm>
+          <a:prstGeom prst="rect">
+            <a:avLst/>
+          </a:prstGeom>
+          <a:solidFill>
+            <a:schemeClr val="accent4"/>
+          </a:solidFill>
+          <a:ln>
+            <a:noFill/>
+          </a:ln>
+        </p:spPr>
+        <p:style>
+          <a:lnRef idx="2">
+            <a:schemeClr val="accent1">
+              <a:shade val="50000"/>
+            </a:schemeClr>
+          </a:lnRef>
+          <a:fillRef idx="1">
+            <a:schemeClr val="accent1"/>
+          </a:fillRef>
+          <a:effectRef idx="0">
+            <a:schemeClr val="accent1"/>
+          </a:effectRef>
+          <a:fontRef idx="minor">
+            <a:schemeClr val="lt1"/>
+          </a:fontRef>
+        </p:style>
+        <p:txBody>
+          <a:bodyPr rtlCol="0" anchor="ctr"/>
+          <a:lstStyle/>
+          <a:p>
+            <a:pPr algn="ctr"/>
+            <a:endParaRPr lang="en-US" dirty="0"/>
+          </a:p>
+        </p:txBody>
+      </p:sp>
+      <p:sp>
+        <p:nvSpPr>
+          <p:cNvPr id="15" name="Rectangle 14">
+            <a:extLst>
+              <a:ext uri="{FF2B5EF4-FFF2-40B4-BE49-F238E27FC236}">
+                <a16:creationId xmlns:a16="http://schemas.microsoft.com/office/drawing/2014/main" id="{04357C93-F0CB-4A1C-8F77-4E9063789819}"/>
+              </a:ext>
+              <a:ext uri="{C183D7F6-B498-43B3-948B-1728B52AA6E4}">
+                <adec:decorative xmlns:adec="http://schemas.microsoft.com/office/drawing/2017/decorative" val="1"/>
+              </a:ext>
+            </a:extLst>
+          </p:cNvPr>
+          <p:cNvSpPr>
+            <a:spLocks noGrp="1" noRot="1" noChangeAspect="1" noMove="1" noResize="1" noEditPoints="1" noAdjustHandles="1" noChangeArrowheads="1" noChangeShapeType="1" noTextEdit="1"/>
+          </p:cNvSpPr>
+          <p:nvPr>
+            <p:extLst>
+              <p:ext uri="{386F3935-93C4-4BCD-93E2-E3B085C9AB24}">
+                <p16:designElem xmlns:p16="http://schemas.microsoft.com/office/powerpoint/2015/main" val="1"/>
+              </p:ext>
+            </p:extLst>
+          </p:nvPr>
+        </p:nvSpPr>
+        <p:spPr>
+          <a:xfrm>
+            <a:off x="302085" y="664308"/>
+            <a:ext cx="8082632" cy="5600340"/>
+          </a:xfrm>
+          <a:prstGeom prst="rect">
+            <a:avLst/>
+          </a:prstGeom>
+          <a:solidFill>
+            <a:schemeClr val="bg1"/>
+          </a:solidFill>
+          <a:ln>
+            <a:noFill/>
+          </a:ln>
+          <a:effectLst>
+            <a:outerShdw blurRad="139700" dist="127000" dir="5400000" algn="t" rotWithShape="0">
+              <a:prstClr val="black">
+                <a:alpha val="15000"/>
+              </a:prstClr>
+            </a:outerShdw>
+          </a:effectLst>
+        </p:spPr>
+        <p:style>
+          <a:lnRef idx="2">
+            <a:schemeClr val="accent1">
+              <a:shade val="50000"/>
+            </a:schemeClr>
+          </a:lnRef>
+          <a:fillRef idx="1">
+            <a:schemeClr val="accent1"/>
+          </a:fillRef>
+          <a:effectRef idx="0">
+            <a:schemeClr val="accent1"/>
+          </a:effectRef>
+          <a:fontRef idx="minor">
+            <a:schemeClr val="lt1"/>
+          </a:fontRef>
+        </p:style>
+        <p:txBody>
+          <a:bodyPr rtlCol="0" anchor="ctr"/>
+          <a:lstStyle/>
+          <a:p>
+            <a:pPr algn="ctr"/>
+            <a:endParaRPr lang="en-US"/>
+          </a:p>
+        </p:txBody>
+      </p:sp>
+      <p:pic>
+        <p:nvPicPr>
+          <p:cNvPr id="6" name="Picture 5">
+            <a:extLst>
+              <a:ext uri="{FF2B5EF4-FFF2-40B4-BE49-F238E27FC236}">
+                <a16:creationId xmlns:a16="http://schemas.microsoft.com/office/drawing/2014/main" id="{5C192612-5D2D-A1A9-8751-186486028162}"/>
+              </a:ext>
+            </a:extLst>
+          </p:cNvPr>
+          <p:cNvPicPr>
+            <a:picLocks noChangeAspect="1"/>
+          </p:cNvPicPr>
+          <p:nvPr/>
+        </p:nvPicPr>
+        <p:blipFill>
+          <a:blip r:embed="rId2"/>
+          <a:stretch>
+            <a:fillRect/>
+          </a:stretch>
+        </p:blipFill>
+        <p:spPr>
+          <a:xfrm>
+            <a:off x="545238" y="1608969"/>
+            <a:ext cx="7608304" cy="3711017"/>
+          </a:xfrm>
+          <a:prstGeom prst="rect">
+            <a:avLst/>
+          </a:prstGeom>
+        </p:spPr>
+      </p:pic>
+      <p:sp>
+        <p:nvSpPr>
+          <p:cNvPr id="17" name="Rectangle 16">
+            <a:extLst>
+              <a:ext uri="{FF2B5EF4-FFF2-40B4-BE49-F238E27FC236}">
+                <a16:creationId xmlns:a16="http://schemas.microsoft.com/office/drawing/2014/main" id="{90F533E9-6690-41A8-A372-4C6C622D028D}"/>
+              </a:ext>
+              <a:ext uri="{C183D7F6-B498-43B3-948B-1728B52AA6E4}">
+                <adec:decorative xmlns:adec="http://schemas.microsoft.com/office/drawing/2017/decorative" val="1"/>
+              </a:ext>
+            </a:extLst>
+          </p:cNvPr>
+          <p:cNvSpPr>
+            <a:spLocks noGrp="1" noRot="1" noChangeAspect="1" noMove="1" noResize="1" noEditPoints="1" noAdjustHandles="1" noChangeArrowheads="1" noChangeShapeType="1" noTextEdit="1"/>
+          </p:cNvSpPr>
+          <p:nvPr>
+            <p:extLst>
+              <p:ext uri="{386F3935-93C4-4BCD-93E2-E3B085C9AB24}">
+                <p16:designElem xmlns:p16="http://schemas.microsoft.com/office/powerpoint/2015/main" val="1"/>
+              </p:ext>
+            </p:extLst>
+          </p:nvPr>
+        </p:nvSpPr>
+        <p:spPr>
+          <a:xfrm rot="5400000">
+            <a:off x="7950447" y="3392097"/>
+            <a:ext cx="1719072" cy="152382"/>
+          </a:xfrm>
+          <a:prstGeom prst="rect">
+            <a:avLst/>
+          </a:prstGeom>
+          <a:solidFill>
+            <a:schemeClr val="accent4"/>
+          </a:solidFill>
+          <a:ln>
+            <a:noFill/>
+          </a:ln>
+        </p:spPr>
+        <p:style>
+          <a:lnRef idx="2">
+            <a:schemeClr val="accent1">
+              <a:shade val="50000"/>
+            </a:schemeClr>
+          </a:lnRef>
+          <a:fillRef idx="1">
+            <a:schemeClr val="accent1"/>
+          </a:fillRef>
+          <a:effectRef idx="0">
+            <a:schemeClr val="accent1"/>
+          </a:effectRef>
+          <a:fontRef idx="minor">
+            <a:schemeClr val="lt1"/>
+          </a:fontRef>
+        </p:style>
+        <p:txBody>
+          <a:bodyPr rtlCol="0" anchor="ctr"/>
+          <a:lstStyle/>
+          <a:p>
+            <a:pPr algn="ctr"/>
+            <a:endParaRPr lang="en-US"/>
+          </a:p>
+        </p:txBody>
+      </p:sp>
+    </p:spTree>
+    <p:extLst>
+      <p:ext uri="{BB962C8B-B14F-4D97-AF65-F5344CB8AC3E}">
+        <p14:creationId xmlns:p14="http://schemas.microsoft.com/office/powerpoint/2010/main" val="3039969198"/>
       </p:ext>
     </p:extLst>
   </p:cSld>

--- a/resources/Telco Customer Churn Analysis.pptx
+++ b/resources/Telco Customer Churn Analysis.pptx
@@ -5,7 +5,7 @@
     <p:sldMasterId id="2147483792" r:id="rId1"/>
   </p:sldMasterIdLst>
   <p:notesMasterIdLst>
-    <p:notesMasterId r:id="rId11"/>
+    <p:notesMasterId r:id="rId10"/>
   </p:notesMasterIdLst>
   <p:sldIdLst>
     <p:sldId id="256" r:id="rId2"/>
@@ -14,9 +14,8 @@
     <p:sldId id="259" r:id="rId5"/>
     <p:sldId id="260" r:id="rId6"/>
     <p:sldId id="262" r:id="rId7"/>
-    <p:sldId id="261" r:id="rId8"/>
-    <p:sldId id="265" r:id="rId9"/>
-    <p:sldId id="264" r:id="rId10"/>
+    <p:sldId id="265" r:id="rId8"/>
+    <p:sldId id="264" r:id="rId9"/>
   </p:sldIdLst>
   <p:sldSz cx="12192000" cy="6858000"/>
   <p:notesSz cx="6858000" cy="9144000"/>
@@ -136,12 +135,12 @@
   <pc:docChgLst>
     <pc:chgData name="KwangSuk Sul" userId="c191b7df44b9fe19" providerId="LiveId" clId="{AD0F9ED8-6AE1-4642-8A36-835899EB4368}"/>
     <pc:docChg chg="undo custSel addSld delSld modSld sldOrd">
-      <pc:chgData name="KwangSuk Sul" userId="c191b7df44b9fe19" providerId="LiveId" clId="{AD0F9ED8-6AE1-4642-8A36-835899EB4368}" dt="2025-04-10T15:00:41.432" v="2510"/>
+      <pc:chgData name="KwangSuk Sul" userId="c191b7df44b9fe19" providerId="LiveId" clId="{AD0F9ED8-6AE1-4642-8A36-835899EB4368}" dt="2025-04-15T14:19:17.493" v="7795" actId="6549"/>
       <pc:docMkLst>
         <pc:docMk/>
       </pc:docMkLst>
-      <pc:sldChg chg="modSp modAnim">
-        <pc:chgData name="KwangSuk Sul" userId="c191b7df44b9fe19" providerId="LiveId" clId="{AD0F9ED8-6AE1-4642-8A36-835899EB4368}" dt="2025-04-10T15:00:41.432" v="2510"/>
+      <pc:sldChg chg="modSp modAnim modNotesTx">
+        <pc:chgData name="KwangSuk Sul" userId="c191b7df44b9fe19" providerId="LiveId" clId="{AD0F9ED8-6AE1-4642-8A36-835899EB4368}" dt="2025-04-15T14:19:17.493" v="7795" actId="6549"/>
         <pc:sldMkLst>
           <pc:docMk/>
           <pc:sldMk cId="2769841588" sldId="256"/>
@@ -163,8 +162,8 @@
           </ac:spMkLst>
         </pc:spChg>
       </pc:sldChg>
-      <pc:sldChg chg="addSp delSp modSp mod setBg">
-        <pc:chgData name="KwangSuk Sul" userId="c191b7df44b9fe19" providerId="LiveId" clId="{AD0F9ED8-6AE1-4642-8A36-835899EB4368}" dt="2025-04-10T14:11:15.741" v="2455" actId="207"/>
+      <pc:sldChg chg="addSp delSp modSp mod setBg modNotesTx">
+        <pc:chgData name="KwangSuk Sul" userId="c191b7df44b9fe19" providerId="LiveId" clId="{AD0F9ED8-6AE1-4642-8A36-835899EB4368}" dt="2025-04-15T12:27:37.338" v="4020" actId="20577"/>
         <pc:sldMkLst>
           <pc:docMk/>
           <pc:sldMk cId="864639222" sldId="257"/>
@@ -175,14 +174,6 @@
             <pc:docMk/>
             <pc:sldMk cId="864639222" sldId="257"/>
             <ac:spMk id="2" creationId="{A7E6684D-1A95-F93A-4865-DA4502F09F4B}"/>
-          </ac:spMkLst>
-        </pc:spChg>
-        <pc:spChg chg="del">
-          <ac:chgData name="KwangSuk Sul" userId="c191b7df44b9fe19" providerId="LiveId" clId="{AD0F9ED8-6AE1-4642-8A36-835899EB4368}" dt="2025-04-09T19:40:01.941" v="410" actId="26606"/>
-          <ac:spMkLst>
-            <pc:docMk/>
-            <pc:sldMk cId="864639222" sldId="257"/>
-            <ac:spMk id="24" creationId="{6B2B1473-AB9B-1C0B-79AE-ACBCE41D1B4F}"/>
           </ac:spMkLst>
         </pc:spChg>
         <pc:spChg chg="mod">
@@ -233,17 +224,9 @@
             <ac:picMk id="4" creationId="{D21F68BD-29F4-FEAB-C06D-FD771A244AD8}"/>
           </ac:picMkLst>
         </pc:picChg>
-        <pc:picChg chg="del mod ord">
-          <ac:chgData name="KwangSuk Sul" userId="c191b7df44b9fe19" providerId="LiveId" clId="{AD0F9ED8-6AE1-4642-8A36-835899EB4368}" dt="2025-04-09T19:40:21.128" v="419" actId="478"/>
-          <ac:picMkLst>
-            <pc:docMk/>
-            <pc:sldMk cId="864639222" sldId="257"/>
-            <ac:picMk id="11" creationId="{3BB5666C-4663-35F9-94C6-6725144A49E5}"/>
-          </ac:picMkLst>
-        </pc:picChg>
       </pc:sldChg>
-      <pc:sldChg chg="addSp modSp mod setBg">
-        <pc:chgData name="KwangSuk Sul" userId="c191b7df44b9fe19" providerId="LiveId" clId="{AD0F9ED8-6AE1-4642-8A36-835899EB4368}" dt="2025-04-10T14:11:03.788" v="2453" actId="207"/>
+      <pc:sldChg chg="addSp modSp mod setBg modNotesTx">
+        <pc:chgData name="KwangSuk Sul" userId="c191b7df44b9fe19" providerId="LiveId" clId="{AD0F9ED8-6AE1-4642-8A36-835899EB4368}" dt="2025-04-15T12:29:52.281" v="4365" actId="20577"/>
         <pc:sldMkLst>
           <pc:docMk/>
           <pc:sldMk cId="1066840856" sldId="258"/>
@@ -306,7 +289,7 @@
         </pc:picChg>
       </pc:sldChg>
       <pc:sldChg chg="addSp modSp mod setBg modNotesTx">
-        <pc:chgData name="KwangSuk Sul" userId="c191b7df44b9fe19" providerId="LiveId" clId="{AD0F9ED8-6AE1-4642-8A36-835899EB4368}" dt="2025-04-10T14:10:48.865" v="2451" actId="207"/>
+        <pc:chgData name="KwangSuk Sul" userId="c191b7df44b9fe19" providerId="LiveId" clId="{AD0F9ED8-6AE1-4642-8A36-835899EB4368}" dt="2025-04-15T12:31:10.333" v="4632" actId="20577"/>
         <pc:sldMkLst>
           <pc:docMk/>
           <pc:sldMk cId="4061558122" sldId="259"/>
@@ -369,7 +352,7 @@
         </pc:picChg>
       </pc:sldChg>
       <pc:sldChg chg="addSp delSp modSp add mod setBg modNotesTx">
-        <pc:chgData name="KwangSuk Sul" userId="c191b7df44b9fe19" providerId="LiveId" clId="{AD0F9ED8-6AE1-4642-8A36-835899EB4368}" dt="2025-04-10T14:53:54.328" v="2506" actId="1076"/>
+        <pc:chgData name="KwangSuk Sul" userId="c191b7df44b9fe19" providerId="LiveId" clId="{AD0F9ED8-6AE1-4642-8A36-835899EB4368}" dt="2025-04-15T12:33:29.469" v="4978" actId="20577"/>
         <pc:sldMkLst>
           <pc:docMk/>
           <pc:sldMk cId="2516845808" sldId="260"/>
@@ -422,46 +405,6 @@
             <ac:spMk id="18" creationId="{FE43805F-24A6-46A4-B19B-54F28347355C}"/>
           </ac:spMkLst>
         </pc:spChg>
-        <pc:picChg chg="add del mod">
-          <ac:chgData name="KwangSuk Sul" userId="c191b7df44b9fe19" providerId="LiveId" clId="{AD0F9ED8-6AE1-4642-8A36-835899EB4368}" dt="2025-04-10T14:47:04.520" v="2490" actId="478"/>
-          <ac:picMkLst>
-            <pc:docMk/>
-            <pc:sldMk cId="2516845808" sldId="260"/>
-            <ac:picMk id="4" creationId="{A803A564-31F3-879E-E0F3-1805A3F45755}"/>
-          </ac:picMkLst>
-        </pc:picChg>
-        <pc:picChg chg="add del mod">
-          <ac:chgData name="KwangSuk Sul" userId="c191b7df44b9fe19" providerId="LiveId" clId="{AD0F9ED8-6AE1-4642-8A36-835899EB4368}" dt="2025-04-10T14:47:29.015" v="2495" actId="478"/>
-          <ac:picMkLst>
-            <pc:docMk/>
-            <pc:sldMk cId="2516845808" sldId="260"/>
-            <ac:picMk id="5" creationId="{AC6438AD-A57B-7212-5936-9AAB0FC788C9}"/>
-          </ac:picMkLst>
-        </pc:picChg>
-        <pc:picChg chg="del">
-          <ac:chgData name="KwangSuk Sul" userId="c191b7df44b9fe19" providerId="LiveId" clId="{AD0F9ED8-6AE1-4642-8A36-835899EB4368}" dt="2025-04-09T19:36:53.035" v="402" actId="478"/>
-          <ac:picMkLst>
-            <pc:docMk/>
-            <pc:sldMk cId="2516845808" sldId="260"/>
-            <ac:picMk id="8" creationId="{DEF62FAB-CFD0-50E1-C20B-0BE94110160E}"/>
-          </ac:picMkLst>
-        </pc:picChg>
-        <pc:picChg chg="add del mod">
-          <ac:chgData name="KwangSuk Sul" userId="c191b7df44b9fe19" providerId="LiveId" clId="{AD0F9ED8-6AE1-4642-8A36-835899EB4368}" dt="2025-04-10T14:48:48.732" v="2499" actId="478"/>
-          <ac:picMkLst>
-            <pc:docMk/>
-            <pc:sldMk cId="2516845808" sldId="260"/>
-            <ac:picMk id="8" creationId="{E5F5B1DB-0B34-E8D5-3FE7-7A55EB301303}"/>
-          </ac:picMkLst>
-        </pc:picChg>
-        <pc:picChg chg="add del mod">
-          <ac:chgData name="KwangSuk Sul" userId="c191b7df44b9fe19" providerId="LiveId" clId="{AD0F9ED8-6AE1-4642-8A36-835899EB4368}" dt="2025-04-10T14:53:44.367" v="2502" actId="478"/>
-          <ac:picMkLst>
-            <pc:docMk/>
-            <pc:sldMk cId="2516845808" sldId="260"/>
-            <ac:picMk id="10" creationId="{B073FF48-3688-EDB5-0239-488C701FE99F}"/>
-          </ac:picMkLst>
-        </pc:picChg>
         <pc:picChg chg="add mod">
           <ac:chgData name="KwangSuk Sul" userId="c191b7df44b9fe19" providerId="LiveId" clId="{AD0F9ED8-6AE1-4642-8A36-835899EB4368}" dt="2025-04-10T14:53:54.328" v="2506" actId="1076"/>
           <ac:picMkLst>
@@ -471,123 +414,19 @@
           </ac:picMkLst>
         </pc:picChg>
       </pc:sldChg>
-      <pc:sldChg chg="addSp delSp modSp new mod setBg">
-        <pc:chgData name="KwangSuk Sul" userId="c191b7df44b9fe19" providerId="LiveId" clId="{AD0F9ED8-6AE1-4642-8A36-835899EB4368}" dt="2025-04-10T14:10:17.542" v="2447" actId="207"/>
+      <pc:sldChg chg="addSp delSp modSp new del mod setBg">
+        <pc:chgData name="KwangSuk Sul" userId="c191b7df44b9fe19" providerId="LiveId" clId="{AD0F9ED8-6AE1-4642-8A36-835899EB4368}" dt="2025-04-15T12:25:52.876" v="3722" actId="47"/>
         <pc:sldMkLst>
           <pc:docMk/>
           <pc:sldMk cId="3039969198" sldId="261"/>
         </pc:sldMkLst>
-        <pc:spChg chg="mod">
-          <ac:chgData name="KwangSuk Sul" userId="c191b7df44b9fe19" providerId="LiveId" clId="{AD0F9ED8-6AE1-4642-8A36-835899EB4368}" dt="2025-04-10T14:10:17.542" v="2447" actId="207"/>
-          <ac:spMkLst>
-            <pc:docMk/>
-            <pc:sldMk cId="3039969198" sldId="261"/>
-            <ac:spMk id="2" creationId="{D4AF3757-C44A-8639-4D2D-5C536FB6D549}"/>
-          </ac:spMkLst>
-        </pc:spChg>
-        <pc:spChg chg="del">
-          <ac:chgData name="KwangSuk Sul" userId="c191b7df44b9fe19" providerId="LiveId" clId="{AD0F9ED8-6AE1-4642-8A36-835899EB4368}" dt="2025-04-09T19:59:05.632" v="619" actId="478"/>
-          <ac:spMkLst>
-            <pc:docMk/>
-            <pc:sldMk cId="3039969198" sldId="261"/>
-            <ac:spMk id="3" creationId="{2E4FC4B2-6812-94B5-1D5B-9596A7CEA525}"/>
-          </ac:spMkLst>
-        </pc:spChg>
-        <pc:spChg chg="del">
-          <ac:chgData name="KwangSuk Sul" userId="c191b7df44b9fe19" providerId="LiveId" clId="{AD0F9ED8-6AE1-4642-8A36-835899EB4368}" dt="2025-04-09T19:59:06.659" v="620" actId="478"/>
-          <ac:spMkLst>
-            <pc:docMk/>
-            <pc:sldMk cId="3039969198" sldId="261"/>
-            <ac:spMk id="4" creationId="{8A73A519-FBC5-7B58-42C2-B5EC7B36088C}"/>
-          </ac:spMkLst>
-        </pc:spChg>
-        <pc:spChg chg="add">
-          <ac:chgData name="KwangSuk Sul" userId="c191b7df44b9fe19" providerId="LiveId" clId="{AD0F9ED8-6AE1-4642-8A36-835899EB4368}" dt="2025-04-09T20:03:27.788" v="629" actId="26606"/>
-          <ac:spMkLst>
-            <pc:docMk/>
-            <pc:sldMk cId="3039969198" sldId="261"/>
-            <ac:spMk id="11" creationId="{BA79A7CF-01AF-4178-9369-94E0C90EB046}"/>
-          </ac:spMkLst>
-        </pc:spChg>
-        <pc:spChg chg="add">
-          <ac:chgData name="KwangSuk Sul" userId="c191b7df44b9fe19" providerId="LiveId" clId="{AD0F9ED8-6AE1-4642-8A36-835899EB4368}" dt="2025-04-09T20:03:27.788" v="629" actId="26606"/>
-          <ac:spMkLst>
-            <pc:docMk/>
-            <pc:sldMk cId="3039969198" sldId="261"/>
-            <ac:spMk id="13" creationId="{99413ED5-9ED4-4772-BCE4-2BCAE6B12E35}"/>
-          </ac:spMkLst>
-        </pc:spChg>
-        <pc:spChg chg="add">
-          <ac:chgData name="KwangSuk Sul" userId="c191b7df44b9fe19" providerId="LiveId" clId="{AD0F9ED8-6AE1-4642-8A36-835899EB4368}" dt="2025-04-09T20:03:27.788" v="629" actId="26606"/>
-          <ac:spMkLst>
-            <pc:docMk/>
-            <pc:sldMk cId="3039969198" sldId="261"/>
-            <ac:spMk id="15" creationId="{04357C93-F0CB-4A1C-8F77-4E9063789819}"/>
-          </ac:spMkLst>
-        </pc:spChg>
-        <pc:spChg chg="add">
-          <ac:chgData name="KwangSuk Sul" userId="c191b7df44b9fe19" providerId="LiveId" clId="{AD0F9ED8-6AE1-4642-8A36-835899EB4368}" dt="2025-04-09T20:03:27.788" v="629" actId="26606"/>
-          <ac:spMkLst>
-            <pc:docMk/>
-            <pc:sldMk cId="3039969198" sldId="261"/>
-            <ac:spMk id="17" creationId="{90F533E9-6690-41A8-A372-4C6C622D028D}"/>
-          </ac:spMkLst>
-        </pc:spChg>
-        <pc:picChg chg="add mod">
-          <ac:chgData name="KwangSuk Sul" userId="c191b7df44b9fe19" providerId="LiveId" clId="{AD0F9ED8-6AE1-4642-8A36-835899EB4368}" dt="2025-04-09T20:03:27.788" v="629" actId="26606"/>
-          <ac:picMkLst>
-            <pc:docMk/>
-            <pc:sldMk cId="3039969198" sldId="261"/>
-            <ac:picMk id="6" creationId="{5C192612-5D2D-A1A9-8751-186486028162}"/>
-          </ac:picMkLst>
-        </pc:picChg>
       </pc:sldChg>
-      <pc:sldChg chg="addSp delSp modSp new mod ord setBg">
-        <pc:chgData name="KwangSuk Sul" userId="c191b7df44b9fe19" providerId="LiveId" clId="{AD0F9ED8-6AE1-4642-8A36-835899EB4368}" dt="2025-04-10T14:45:06.110" v="2460"/>
+      <pc:sldChg chg="addSp delSp modSp new mod ord setBg modNotesTx">
+        <pc:chgData name="KwangSuk Sul" userId="c191b7df44b9fe19" providerId="LiveId" clId="{AD0F9ED8-6AE1-4642-8A36-835899EB4368}" dt="2025-04-15T12:36:02.505" v="5246" actId="20577"/>
         <pc:sldMkLst>
           <pc:docMk/>
           <pc:sldMk cId="427276087" sldId="262"/>
         </pc:sldMkLst>
-        <pc:spChg chg="del">
-          <ac:chgData name="KwangSuk Sul" userId="c191b7df44b9fe19" providerId="LiveId" clId="{AD0F9ED8-6AE1-4642-8A36-835899EB4368}" dt="2025-04-09T20:06:24.788" v="674" actId="478"/>
-          <ac:spMkLst>
-            <pc:docMk/>
-            <pc:sldMk cId="427276087" sldId="262"/>
-            <ac:spMk id="2" creationId="{BC74F9C6-EA71-7DEC-A54D-D380DFFED287}"/>
-          </ac:spMkLst>
-        </pc:spChg>
-        <pc:spChg chg="add del mod">
-          <ac:chgData name="KwangSuk Sul" userId="c191b7df44b9fe19" providerId="LiveId" clId="{AD0F9ED8-6AE1-4642-8A36-835899EB4368}" dt="2025-04-09T20:08:10.864" v="681" actId="26606"/>
-          <ac:spMkLst>
-            <pc:docMk/>
-            <pc:sldMk cId="427276087" sldId="262"/>
-            <ac:spMk id="3" creationId="{E59A2EDA-B6F6-1115-5080-FB21B5E354D4}"/>
-          </ac:spMkLst>
-        </pc:spChg>
-        <pc:spChg chg="del">
-          <ac:chgData name="KwangSuk Sul" userId="c191b7df44b9fe19" providerId="LiveId" clId="{AD0F9ED8-6AE1-4642-8A36-835899EB4368}" dt="2025-04-09T20:06:25.724" v="675" actId="478"/>
-          <ac:spMkLst>
-            <pc:docMk/>
-            <pc:sldMk cId="427276087" sldId="262"/>
-            <ac:spMk id="4" creationId="{5CA672A4-C477-329B-0DC3-0342F503BE58}"/>
-          </ac:spMkLst>
-        </pc:spChg>
-        <pc:spChg chg="add del">
-          <ac:chgData name="KwangSuk Sul" userId="c191b7df44b9fe19" providerId="LiveId" clId="{AD0F9ED8-6AE1-4642-8A36-835899EB4368}" dt="2025-04-09T20:08:10.859" v="680" actId="26606"/>
-          <ac:spMkLst>
-            <pc:docMk/>
-            <pc:sldMk cId="427276087" sldId="262"/>
-            <ac:spMk id="11" creationId="{6D5872A3-CFF8-4F36-8446-6F1B04585A91}"/>
-          </ac:spMkLst>
-        </pc:spChg>
-        <pc:spChg chg="add del">
-          <ac:chgData name="KwangSuk Sul" userId="c191b7df44b9fe19" providerId="LiveId" clId="{AD0F9ED8-6AE1-4642-8A36-835899EB4368}" dt="2025-04-09T20:08:10.859" v="680" actId="26606"/>
-          <ac:spMkLst>
-            <pc:docMk/>
-            <pc:sldMk cId="427276087" sldId="262"/>
-            <ac:spMk id="17" creationId="{5E2C537D-FECA-4C7F-A65B-F82518B3A196}"/>
-          </ac:spMkLst>
-        </pc:spChg>
         <pc:spChg chg="add">
           <ac:chgData name="KwangSuk Sul" userId="c191b7df44b9fe19" providerId="LiveId" clId="{AD0F9ED8-6AE1-4642-8A36-835899EB4368}" dt="2025-04-09T20:08:10.864" v="681" actId="26606"/>
           <ac:spMkLst>
@@ -604,14 +443,6 @@
             <ac:spMk id="22" creationId="{3776B14B-F2F4-4825-8DA8-8C7A0F2B3960}"/>
           </ac:spMkLst>
         </pc:spChg>
-        <pc:grpChg chg="add del">
-          <ac:chgData name="KwangSuk Sul" userId="c191b7df44b9fe19" providerId="LiveId" clId="{AD0F9ED8-6AE1-4642-8A36-835899EB4368}" dt="2025-04-09T20:08:10.859" v="680" actId="26606"/>
-          <ac:grpSpMkLst>
-            <pc:docMk/>
-            <pc:sldMk cId="427276087" sldId="262"/>
-            <ac:grpSpMk id="13" creationId="{47EC0934-1503-4296-A688-FC4E83E3F60F}"/>
-          </ac:grpSpMkLst>
-        </pc:grpChg>
         <pc:grpChg chg="add">
           <ac:chgData name="KwangSuk Sul" userId="c191b7df44b9fe19" providerId="LiveId" clId="{AD0F9ED8-6AE1-4642-8A36-835899EB4368}" dt="2025-04-09T20:08:10.864" v="681" actId="26606"/>
           <ac:grpSpMkLst>
@@ -635,86 +466,6 @@
           <pc:docMk/>
           <pc:sldMk cId="1868572479" sldId="263"/>
         </pc:sldMkLst>
-        <pc:spChg chg="del">
-          <ac:chgData name="KwangSuk Sul" userId="c191b7df44b9fe19" providerId="LiveId" clId="{AD0F9ED8-6AE1-4642-8A36-835899EB4368}" dt="2025-04-09T20:08:26.901" v="686" actId="478"/>
-          <ac:spMkLst>
-            <pc:docMk/>
-            <pc:sldMk cId="1868572479" sldId="263"/>
-            <ac:spMk id="2" creationId="{1B375615-7294-5ACA-53C5-657C005F3F3F}"/>
-          </ac:spMkLst>
-        </pc:spChg>
-        <pc:spChg chg="del mod">
-          <ac:chgData name="KwangSuk Sul" userId="c191b7df44b9fe19" providerId="LiveId" clId="{AD0F9ED8-6AE1-4642-8A36-835899EB4368}" dt="2025-04-09T20:10:30.156" v="769" actId="26606"/>
-          <ac:spMkLst>
-            <pc:docMk/>
-            <pc:sldMk cId="1868572479" sldId="263"/>
-            <ac:spMk id="3" creationId="{8687BDCB-16F4-1B3A-D3ED-9D5A78C7A946}"/>
-          </ac:spMkLst>
-        </pc:spChg>
-        <pc:spChg chg="del">
-          <ac:chgData name="KwangSuk Sul" userId="c191b7df44b9fe19" providerId="LiveId" clId="{AD0F9ED8-6AE1-4642-8A36-835899EB4368}" dt="2025-04-09T20:08:27.590" v="687" actId="478"/>
-          <ac:spMkLst>
-            <pc:docMk/>
-            <pc:sldMk cId="1868572479" sldId="263"/>
-            <ac:spMk id="4" creationId="{97E6A4D7-BBBF-A587-ADE0-DAB2A794C567}"/>
-          </ac:spMkLst>
-        </pc:spChg>
-        <pc:spChg chg="add mod">
-          <ac:chgData name="KwangSuk Sul" userId="c191b7df44b9fe19" providerId="LiveId" clId="{AD0F9ED8-6AE1-4642-8A36-835899EB4368}" dt="2025-04-09T20:10:53.713" v="777" actId="1076"/>
-          <ac:spMkLst>
-            <pc:docMk/>
-            <pc:sldMk cId="1868572479" sldId="263"/>
-            <ac:spMk id="5" creationId="{F6163E08-84AE-A957-6EA8-4045887B00F2}"/>
-          </ac:spMkLst>
-        </pc:spChg>
-        <pc:spChg chg="add mod">
-          <ac:chgData name="KwangSuk Sul" userId="c191b7df44b9fe19" providerId="LiveId" clId="{AD0F9ED8-6AE1-4642-8A36-835899EB4368}" dt="2025-04-09T20:16:31.333" v="1280" actId="2710"/>
-          <ac:spMkLst>
-            <pc:docMk/>
-            <pc:sldMk cId="1868572479" sldId="263"/>
-            <ac:spMk id="6" creationId="{233559AC-9ADF-031D-25BB-7F01FA13E214}"/>
-          </ac:spMkLst>
-        </pc:spChg>
-        <pc:spChg chg="add">
-          <ac:chgData name="KwangSuk Sul" userId="c191b7df44b9fe19" providerId="LiveId" clId="{AD0F9ED8-6AE1-4642-8A36-835899EB4368}" dt="2025-04-09T20:10:30.156" v="769" actId="26606"/>
-          <ac:spMkLst>
-            <pc:docMk/>
-            <pc:sldMk cId="1868572479" sldId="263"/>
-            <ac:spMk id="10" creationId="{A7895A40-19A4-42D6-9D30-DBC1E8002635}"/>
-          </ac:spMkLst>
-        </pc:spChg>
-        <pc:spChg chg="add">
-          <ac:chgData name="KwangSuk Sul" userId="c191b7df44b9fe19" providerId="LiveId" clId="{AD0F9ED8-6AE1-4642-8A36-835899EB4368}" dt="2025-04-09T20:10:30.156" v="769" actId="26606"/>
-          <ac:spMkLst>
-            <pc:docMk/>
-            <pc:sldMk cId="1868572479" sldId="263"/>
-            <ac:spMk id="12" creationId="{02F429C4-ABC9-46FC-818A-B5429CDE4A96}"/>
-          </ac:spMkLst>
-        </pc:spChg>
-        <pc:spChg chg="add">
-          <ac:chgData name="KwangSuk Sul" userId="c191b7df44b9fe19" providerId="LiveId" clId="{AD0F9ED8-6AE1-4642-8A36-835899EB4368}" dt="2025-04-09T20:10:30.156" v="769" actId="26606"/>
-          <ac:spMkLst>
-            <pc:docMk/>
-            <pc:sldMk cId="1868572479" sldId="263"/>
-            <ac:spMk id="14" creationId="{2CEF98E4-3709-4952-8F42-2305CCE34FA3}"/>
-          </ac:spMkLst>
-        </pc:spChg>
-        <pc:spChg chg="add">
-          <ac:chgData name="KwangSuk Sul" userId="c191b7df44b9fe19" providerId="LiveId" clId="{AD0F9ED8-6AE1-4642-8A36-835899EB4368}" dt="2025-04-09T20:10:30.156" v="769" actId="26606"/>
-          <ac:spMkLst>
-            <pc:docMk/>
-            <pc:sldMk cId="1868572479" sldId="263"/>
-            <ac:spMk id="16" creationId="{F10BCCF5-D685-47FF-B675-647EAEB72C8E}"/>
-          </ac:spMkLst>
-        </pc:spChg>
-        <pc:spChg chg="add">
-          <ac:chgData name="KwangSuk Sul" userId="c191b7df44b9fe19" providerId="LiveId" clId="{AD0F9ED8-6AE1-4642-8A36-835899EB4368}" dt="2025-04-09T20:10:30.156" v="769" actId="26606"/>
-          <ac:spMkLst>
-            <pc:docMk/>
-            <pc:sldMk cId="1868572479" sldId="263"/>
-            <ac:spMk id="18" creationId="{B0EE8A42-107A-4D4C-8D56-BBAE95C7FC0D}"/>
-          </ac:spMkLst>
-        </pc:spChg>
       </pc:sldChg>
       <pc:sldChg chg="addSp delSp modSp new mod setBg modNotesTx">
         <pc:chgData name="KwangSuk Sul" userId="c191b7df44b9fe19" providerId="LiveId" clId="{AD0F9ED8-6AE1-4642-8A36-835899EB4368}" dt="2025-04-10T14:09:59.129" v="2445" actId="207"/>
@@ -722,30 +473,6 @@
           <pc:docMk/>
           <pc:sldMk cId="2934606168" sldId="264"/>
         </pc:sldMkLst>
-        <pc:spChg chg="del">
-          <ac:chgData name="KwangSuk Sul" userId="c191b7df44b9fe19" providerId="LiveId" clId="{AD0F9ED8-6AE1-4642-8A36-835899EB4368}" dt="2025-04-09T20:16:38.883" v="1283" actId="478"/>
-          <ac:spMkLst>
-            <pc:docMk/>
-            <pc:sldMk cId="2934606168" sldId="264"/>
-            <ac:spMk id="2" creationId="{6FCDEDF5-E56E-67CB-2256-BF2DA39F0098}"/>
-          </ac:spMkLst>
-        </pc:spChg>
-        <pc:spChg chg="del">
-          <ac:chgData name="KwangSuk Sul" userId="c191b7df44b9fe19" providerId="LiveId" clId="{AD0F9ED8-6AE1-4642-8A36-835899EB4368}" dt="2025-04-09T20:16:39.604" v="1284" actId="478"/>
-          <ac:spMkLst>
-            <pc:docMk/>
-            <pc:sldMk cId="2934606168" sldId="264"/>
-            <ac:spMk id="3" creationId="{DCBDF90D-A581-3C0A-A783-B3347BCFB8D7}"/>
-          </ac:spMkLst>
-        </pc:spChg>
-        <pc:spChg chg="del">
-          <ac:chgData name="KwangSuk Sul" userId="c191b7df44b9fe19" providerId="LiveId" clId="{AD0F9ED8-6AE1-4642-8A36-835899EB4368}" dt="2025-04-09T20:16:37.551" v="1282" actId="478"/>
-          <ac:spMkLst>
-            <pc:docMk/>
-            <pc:sldMk cId="2934606168" sldId="264"/>
-            <ac:spMk id="4" creationId="{D1C29F26-D0BD-DC8E-C5BD-F81D63D5480F}"/>
-          </ac:spMkLst>
-        </pc:spChg>
         <pc:spChg chg="add mod">
           <ac:chgData name="KwangSuk Sul" userId="c191b7df44b9fe19" providerId="LiveId" clId="{AD0F9ED8-6AE1-4642-8A36-835899EB4368}" dt="2025-04-10T14:09:59.129" v="2445" actId="207"/>
           <ac:spMkLst>
@@ -794,17 +521,9 @@
             <ac:spMk id="18" creationId="{B0EE8A42-107A-4D4C-8D56-BBAE95C7FC0D}"/>
           </ac:spMkLst>
         </pc:spChg>
-        <pc:picChg chg="add del">
-          <ac:chgData name="KwangSuk Sul" userId="c191b7df44b9fe19" providerId="LiveId" clId="{AD0F9ED8-6AE1-4642-8A36-835899EB4368}" dt="2025-04-09T20:17:32.086" v="1310" actId="22"/>
-          <ac:picMkLst>
-            <pc:docMk/>
-            <pc:sldMk cId="2934606168" sldId="264"/>
-            <ac:picMk id="7" creationId="{EDF9150D-4D05-BC26-2A8C-A6CABFF6B523}"/>
-          </ac:picMkLst>
-        </pc:picChg>
       </pc:sldChg>
-      <pc:sldChg chg="addSp delSp modSp add mod setBg delDesignElem">
-        <pc:chgData name="KwangSuk Sul" userId="c191b7df44b9fe19" providerId="LiveId" clId="{AD0F9ED8-6AE1-4642-8A36-835899EB4368}" dt="2025-04-10T14:09:54.050" v="2444" actId="207"/>
+      <pc:sldChg chg="addSp delSp modSp add mod setBg delDesignElem modNotesTx">
+        <pc:chgData name="KwangSuk Sul" userId="c191b7df44b9fe19" providerId="LiveId" clId="{AD0F9ED8-6AE1-4642-8A36-835899EB4368}" dt="2025-04-15T12:42:14.233" v="6657" actId="20577"/>
         <pc:sldMkLst>
           <pc:docMk/>
           <pc:sldMk cId="3329676482" sldId="265"/>
@@ -841,14 +560,6 @@
             <ac:spMk id="5" creationId="{E05E15F8-8890-ED24-4354-296701737B60}"/>
           </ac:spMkLst>
         </pc:spChg>
-        <pc:spChg chg="del mod">
-          <ac:chgData name="KwangSuk Sul" userId="c191b7df44b9fe19" providerId="LiveId" clId="{AD0F9ED8-6AE1-4642-8A36-835899EB4368}" dt="2025-04-10T13:55:24.087" v="2062" actId="478"/>
-          <ac:spMkLst>
-            <pc:docMk/>
-            <pc:sldMk cId="3329676482" sldId="265"/>
-            <ac:spMk id="6" creationId="{EB8CFB1C-AC55-39F3-39D4-3BE33F855A43}"/>
-          </ac:spMkLst>
-        </pc:spChg>
         <pc:spChg chg="add mod">
           <ac:chgData name="KwangSuk Sul" userId="c191b7df44b9fe19" providerId="LiveId" clId="{AD0F9ED8-6AE1-4642-8A36-835899EB4368}" dt="2025-04-10T14:06:27.994" v="2309" actId="1076"/>
           <ac:spMkLst>
@@ -857,92 +568,12 @@
             <ac:spMk id="7" creationId="{C522092C-BB5B-D0B2-4287-4C5220F770AE}"/>
           </ac:spMkLst>
         </pc:spChg>
-        <pc:spChg chg="del">
-          <ac:chgData name="KwangSuk Sul" userId="c191b7df44b9fe19" providerId="LiveId" clId="{AD0F9ED8-6AE1-4642-8A36-835899EB4368}" dt="2025-04-10T13:55:02.900" v="2056"/>
-          <ac:spMkLst>
-            <pc:docMk/>
-            <pc:sldMk cId="3329676482" sldId="265"/>
-            <ac:spMk id="10" creationId="{9D321C3F-0ADA-B0F5-C05C-8FE4CC796C0E}"/>
-          </ac:spMkLst>
-        </pc:spChg>
-        <pc:spChg chg="add del">
-          <ac:chgData name="KwangSuk Sul" userId="c191b7df44b9fe19" providerId="LiveId" clId="{AD0F9ED8-6AE1-4642-8A36-835899EB4368}" dt="2025-04-10T13:55:18.901" v="2058" actId="26606"/>
-          <ac:spMkLst>
-            <pc:docMk/>
-            <pc:sldMk cId="3329676482" sldId="265"/>
-            <ac:spMk id="11" creationId="{B6CDA21F-E7AF-4C75-8395-33F58D5B0E45}"/>
-          </ac:spMkLst>
-        </pc:spChg>
-        <pc:spChg chg="del">
-          <ac:chgData name="KwangSuk Sul" userId="c191b7df44b9fe19" providerId="LiveId" clId="{AD0F9ED8-6AE1-4642-8A36-835899EB4368}" dt="2025-04-10T13:55:02.900" v="2056"/>
-          <ac:spMkLst>
-            <pc:docMk/>
-            <pc:sldMk cId="3329676482" sldId="265"/>
-            <ac:spMk id="12" creationId="{F637B50F-546F-33E7-67FB-31FE028C4E47}"/>
-          </ac:spMkLst>
-        </pc:spChg>
-        <pc:spChg chg="del">
-          <ac:chgData name="KwangSuk Sul" userId="c191b7df44b9fe19" providerId="LiveId" clId="{AD0F9ED8-6AE1-4642-8A36-835899EB4368}" dt="2025-04-10T13:55:02.900" v="2056"/>
-          <ac:spMkLst>
-            <pc:docMk/>
-            <pc:sldMk cId="3329676482" sldId="265"/>
-            <ac:spMk id="14" creationId="{491F78C2-56C2-91D8-F92C-072E85816542}"/>
-          </ac:spMkLst>
-        </pc:spChg>
-        <pc:spChg chg="del">
-          <ac:chgData name="KwangSuk Sul" userId="c191b7df44b9fe19" providerId="LiveId" clId="{AD0F9ED8-6AE1-4642-8A36-835899EB4368}" dt="2025-04-10T13:55:02.900" v="2056"/>
-          <ac:spMkLst>
-            <pc:docMk/>
-            <pc:sldMk cId="3329676482" sldId="265"/>
-            <ac:spMk id="16" creationId="{9C41AF9D-BC67-B6D7-ECDC-78E5ABB24748}"/>
-          </ac:spMkLst>
-        </pc:spChg>
-        <pc:spChg chg="add del">
-          <ac:chgData name="KwangSuk Sul" userId="c191b7df44b9fe19" providerId="LiveId" clId="{AD0F9ED8-6AE1-4642-8A36-835899EB4368}" dt="2025-04-10T13:55:18.901" v="2058" actId="26606"/>
-          <ac:spMkLst>
-            <pc:docMk/>
-            <pc:sldMk cId="3329676482" sldId="265"/>
-            <ac:spMk id="17" creationId="{D5B0017B-2ECA-49AF-B397-DC140825DF8D}"/>
-          </ac:spMkLst>
-        </pc:spChg>
-        <pc:spChg chg="del">
-          <ac:chgData name="KwangSuk Sul" userId="c191b7df44b9fe19" providerId="LiveId" clId="{AD0F9ED8-6AE1-4642-8A36-835899EB4368}" dt="2025-04-10T13:55:02.900" v="2056"/>
-          <ac:spMkLst>
-            <pc:docMk/>
-            <pc:sldMk cId="3329676482" sldId="265"/>
-            <ac:spMk id="18" creationId="{F450FFCA-5BA5-4C1E-9A16-DE52F1B0DA86}"/>
-          </ac:spMkLst>
-        </pc:spChg>
         <pc:spChg chg="add">
           <ac:chgData name="KwangSuk Sul" userId="c191b7df44b9fe19" providerId="LiveId" clId="{AD0F9ED8-6AE1-4642-8A36-835899EB4368}" dt="2025-04-10T13:55:21.633" v="2061" actId="26606"/>
           <ac:spMkLst>
             <pc:docMk/>
             <pc:sldMk cId="3329676482" sldId="265"/>
             <ac:spMk id="19" creationId="{CBC4F608-B4B8-48C3-9572-C0F061B1CD99}"/>
-          </ac:spMkLst>
-        </pc:spChg>
-        <pc:spChg chg="add del mod">
-          <ac:chgData name="KwangSuk Sul" userId="c191b7df44b9fe19" providerId="LiveId" clId="{AD0F9ED8-6AE1-4642-8A36-835899EB4368}" dt="2025-04-10T14:06:48.844" v="2312" actId="478"/>
-          <ac:spMkLst>
-            <pc:docMk/>
-            <pc:sldMk cId="3329676482" sldId="265"/>
-            <ac:spMk id="21" creationId="{61F13ACD-13B8-6249-579E-C3E8D91A0759}"/>
-          </ac:spMkLst>
-        </pc:spChg>
-        <pc:spChg chg="add del">
-          <ac:chgData name="KwangSuk Sul" userId="c191b7df44b9fe19" providerId="LiveId" clId="{AD0F9ED8-6AE1-4642-8A36-835899EB4368}" dt="2025-04-10T13:55:21.623" v="2060" actId="26606"/>
-          <ac:spMkLst>
-            <pc:docMk/>
-            <pc:sldMk cId="3329676482" sldId="265"/>
-            <ac:spMk id="22" creationId="{3AD318CC-E2A8-4E27-9548-A047A78999B1}"/>
-          </ac:spMkLst>
-        </pc:spChg>
-        <pc:spChg chg="add del">
-          <ac:chgData name="KwangSuk Sul" userId="c191b7df44b9fe19" providerId="LiveId" clId="{AD0F9ED8-6AE1-4642-8A36-835899EB4368}" dt="2025-04-10T13:55:21.623" v="2060" actId="26606"/>
-          <ac:spMkLst>
-            <pc:docMk/>
-            <pc:sldMk cId="3329676482" sldId="265"/>
-            <ac:spMk id="26" creationId="{2C1BBA94-3F40-40AA-8BB9-E69E25E537C1}"/>
           </ac:spMkLst>
         </pc:spChg>
         <pc:spChg chg="add mod">
@@ -977,22 +608,6 @@
             <ac:spMk id="32" creationId="{3D9A8CE4-3415-464E-CA77-E00F460D6876}"/>
           </ac:spMkLst>
         </pc:spChg>
-        <pc:grpChg chg="add del">
-          <ac:chgData name="KwangSuk Sul" userId="c191b7df44b9fe19" providerId="LiveId" clId="{AD0F9ED8-6AE1-4642-8A36-835899EB4368}" dt="2025-04-10T13:55:18.901" v="2058" actId="26606"/>
-          <ac:grpSpMkLst>
-            <pc:docMk/>
-            <pc:sldMk cId="3329676482" sldId="265"/>
-            <ac:grpSpMk id="13" creationId="{AE1C45F0-260A-458C-96ED-C1F6D2151219}"/>
-          </ac:grpSpMkLst>
-        </pc:grpChg>
-        <pc:grpChg chg="add del">
-          <ac:chgData name="KwangSuk Sul" userId="c191b7df44b9fe19" providerId="LiveId" clId="{AD0F9ED8-6AE1-4642-8A36-835899EB4368}" dt="2025-04-10T13:55:21.623" v="2060" actId="26606"/>
-          <ac:grpSpMkLst>
-            <pc:docMk/>
-            <pc:sldMk cId="3329676482" sldId="265"/>
-            <ac:grpSpMk id="23" creationId="{B14B560F-9DD7-4302-A60B-EBD3EF59B073}"/>
-          </ac:grpSpMkLst>
-        </pc:grpChg>
         <pc:grpChg chg="add">
           <ac:chgData name="KwangSuk Sul" userId="c191b7df44b9fe19" providerId="LiveId" clId="{AD0F9ED8-6AE1-4642-8A36-835899EB4368}" dt="2025-04-10T13:55:21.633" v="2061" actId="26606"/>
           <ac:grpSpMkLst>
@@ -1001,14 +616,6 @@
             <ac:grpSpMk id="29" creationId="{83EAB11A-76F7-48F4-9B4F-5BFDF4BF9670}"/>
           </ac:grpSpMkLst>
         </pc:grpChg>
-        <pc:cxnChg chg="add del">
-          <ac:chgData name="KwangSuk Sul" userId="c191b7df44b9fe19" providerId="LiveId" clId="{AD0F9ED8-6AE1-4642-8A36-835899EB4368}" dt="2025-04-10T13:55:18.901" v="2058" actId="26606"/>
-          <ac:cxnSpMkLst>
-            <pc:docMk/>
-            <pc:sldMk cId="3329676482" sldId="265"/>
-            <ac:cxnSpMk id="20" creationId="{6CF1BAF6-AD41-4082-B212-8A1F9A2E8779}"/>
-          </ac:cxnSpMkLst>
-        </pc:cxnChg>
       </pc:sldChg>
       <pc:sldChg chg="new del">
         <pc:chgData name="KwangSuk Sul" userId="c191b7df44b9fe19" providerId="LiveId" clId="{AD0F9ED8-6AE1-4642-8A36-835899EB4368}" dt="2025-04-10T13:55:00.870" v="2054" actId="47"/>
@@ -1104,7 +711,7 @@
           <a:p>
             <a:fld id="{C2E11F37-5809-4AB7-AA67-C851003EB519}" type="datetimeFigureOut">
               <a:rPr lang="en-GB" smtClean="0"/>
-              <a:t>10/04/2025</a:t>
+              <a:t>15/04/2025</a:t>
             </a:fld>
             <a:endParaRPr lang="en-GB"/>
           </a:p>
@@ -1418,7 +1025,26 @@
           <a:p>
             <a:r>
               <a:rPr lang="en-GB" dirty="0"/>
-              <a:t>This presentation will provide insights into churn rates and various statistics related to churn for a Telecommunication company, along with an analysis to suggest strategic solutions for reducing customer churn. If anyone is not familiar with the term Churn, it means leaving customers.</a:t>
+              <a:t>Hello my name is Kay Sul in Sutton London, was born in South Korea, moved to Australia spent teenage time, moved to the UK, studied International Hospitality Management at university of Surrey, after the first year dropped </a:t>
+            </a:r>
+            <a:r>
+              <a:rPr lang="en-GB" dirty="0" err="1"/>
+              <a:t>uni</a:t>
+            </a:r>
+            <a:r>
+              <a:rPr lang="en-GB" dirty="0"/>
+              <a:t> and went back to Korea joined the army for 2 years and I am </a:t>
+            </a:r>
+            <a:r>
+              <a:rPr lang="en-GB"/>
+              <a:t>here now. </a:t>
+            </a:r>
+            <a:br>
+              <a:rPr lang="en-GB" dirty="0"/>
+            </a:br>
+            <a:r>
+              <a:rPr lang="en-GB" dirty="0"/>
+              <a:t>I have been working as IT Infra technician at Samsung before. While working the role had strong desire to study computer science field for long time and decided to start my journey and took my time to study Web development and Data tech. I recently completed a data tech bootcamp where I developed myself skills with data cleaning, visualisation, creating dashboard and making reports. Now I wish to jump into real world as starting data analyst to contribute earned skills and develop as data analyst. Please watch my presentation about Telecommunication company Telco Customer Churn Analysis.</a:t>
             </a:r>
           </a:p>
         </p:txBody>
@@ -1505,14 +1131,7 @@
           <a:p>
             <a:r>
               <a:rPr lang="en-GB" dirty="0"/>
-              <a:t>Current average churn rate is reaching 26.54% and this means every 1 customer out of 4 customers are leaving the service. This is over the industry average which is between 20 to 25%.</a:t>
-            </a:r>
-            <a:br>
-              <a:rPr lang="en-GB" dirty="0"/>
-            </a:br>
-            <a:r>
-              <a:rPr lang="en-GB" dirty="0"/>
-              <a:t>From this data, I started my project to find out different reasons of churn customers and to reduce churn rate.</a:t>
+              <a:t>Churn customer means customers decide to leave the services. Looking at the card, Telco has average churn rate at 26.54% which is above industry average rate of 20% ~ 25%. This shows one customer out of 4 customers are leaving. I have analysed few data models to investigate the possible reasons.</a:t>
             </a:r>
           </a:p>
         </p:txBody>
@@ -1599,21 +1218,7 @@
           <a:p>
             <a:r>
               <a:rPr lang="en-GB" dirty="0"/>
-              <a:t>The graph here is showing total number of churn customers by contract type. </a:t>
-            </a:r>
-            <a:br>
-              <a:rPr lang="en-GB" dirty="0"/>
-            </a:br>
-            <a:r>
-              <a:rPr lang="en-GB" dirty="0"/>
-              <a:t>According to the graph, month-to-month contract has a dramatically high possession for churn customers. </a:t>
-            </a:r>
-            <a:br>
-              <a:rPr lang="en-GB" dirty="0"/>
-            </a:br>
-            <a:r>
-              <a:rPr lang="en-GB" dirty="0"/>
-              <a:t>This shows there are need of action to make customers to choose longer contract options. </a:t>
+              <a:t>First, number of churn customers by contract types. There are 3 types of contact Telco provides to customers – Monthly, one year and two years contract. From the graph it clearly shows the majority churn customers are from monthly contract.</a:t>
             </a:r>
           </a:p>
         </p:txBody>
@@ -1718,7 +1323,7 @@
           <a:p>
             <a:r>
               <a:rPr lang="en-GB" dirty="0"/>
-              <a:t>This graph shows in which price range of service churn customers were on more than other price range. Clearly 70~100 </a:t>
+              <a:t>Second, churn customers by monthly charge amount. There are many products with different price range and churn customers are distributed in rage of 70 to 100 </a:t>
             </a:r>
             <a:r>
               <a:rPr lang="en-GB" dirty="0" err="1"/>
@@ -1726,7 +1331,7 @@
             </a:r>
             <a:r>
               <a:rPr lang="en-GB" dirty="0"/>
-              <a:t> range had highest number of churn customers. This insight promotion or discount should be taken as an option for future strategies.</a:t>
+              <a:t> the most according to the graph here.</a:t>
             </a:r>
           </a:p>
         </p:txBody>
@@ -1837,13 +1442,8 @@
           <a:p>
             <a:r>
               <a:rPr lang="en-GB" dirty="0"/>
-              <a:t>Tenure = </a:t>
-            </a:r>
-            <a:r>
-              <a:rPr lang="ko-KR" altLang="en-US" dirty="0"/>
-              <a:t>고객 유지기간</a:t>
-            </a:r>
-            <a:endParaRPr lang="en-GB" dirty="0"/>
+              <a:t>Third, Tenure distribution. From the graph, can see majority of customers less than 10 months has highest number of leaving the services while customers over one 1 year has low Churn rate. This 1 year could be the key point.</a:t>
+            </a:r>
           </a:p>
         </p:txBody>
       </p:sp>
@@ -1890,6 +1490,93 @@
 </file>
 
 <file path=ppt/notesSlides/notesSlide6.xml><?xml version="1.0" encoding="utf-8"?>
+<p:notes xmlns:a="http://schemas.openxmlformats.org/drawingml/2006/main" xmlns:r="http://schemas.openxmlformats.org/officeDocument/2006/relationships" xmlns:p="http://schemas.openxmlformats.org/presentationml/2006/main">
+  <p:cSld>
+    <p:spTree>
+      <p:nvGrpSpPr>
+        <p:cNvPr id="1" name=""/>
+        <p:cNvGrpSpPr/>
+        <p:nvPr/>
+      </p:nvGrpSpPr>
+      <p:grpSpPr>
+        <a:xfrm>
+          <a:off x="0" y="0"/>
+          <a:ext cx="0" cy="0"/>
+          <a:chOff x="0" y="0"/>
+          <a:chExt cx="0" cy="0"/>
+        </a:xfrm>
+      </p:grpSpPr>
+      <p:sp>
+        <p:nvSpPr>
+          <p:cNvPr id="2" name="Slide Image Placeholder 1"/>
+          <p:cNvSpPr>
+            <a:spLocks noGrp="1" noRot="1" noChangeAspect="1"/>
+          </p:cNvSpPr>
+          <p:nvPr>
+            <p:ph type="sldImg"/>
+          </p:nvPr>
+        </p:nvSpPr>
+        <p:spPr/>
+      </p:sp>
+      <p:sp>
+        <p:nvSpPr>
+          <p:cNvPr id="3" name="Notes Placeholder 2"/>
+          <p:cNvSpPr>
+            <a:spLocks noGrp="1"/>
+          </p:cNvSpPr>
+          <p:nvPr>
+            <p:ph type="body" idx="1"/>
+          </p:nvPr>
+        </p:nvSpPr>
+        <p:spPr/>
+        <p:txBody>
+          <a:bodyPr/>
+          <a:lstStyle/>
+          <a:p>
+            <a:r>
+              <a:rPr lang="en-GB" dirty="0"/>
+              <a:t>As the last, this is the churn of customers by payment type. Clearly can see customers paying via electronic check has the highest churn numbers and credit cards has the lowest. </a:t>
+            </a:r>
+          </a:p>
+        </p:txBody>
+      </p:sp>
+      <p:sp>
+        <p:nvSpPr>
+          <p:cNvPr id="4" name="Slide Number Placeholder 3"/>
+          <p:cNvSpPr>
+            <a:spLocks noGrp="1"/>
+          </p:cNvSpPr>
+          <p:nvPr>
+            <p:ph type="sldNum" sz="quarter" idx="5"/>
+          </p:nvPr>
+        </p:nvSpPr>
+        <p:spPr/>
+        <p:txBody>
+          <a:bodyPr/>
+          <a:lstStyle/>
+          <a:p>
+            <a:fld id="{C0E80345-BC2A-49AE-ACE9-70D0F6AEB263}" type="slidenum">
+              <a:rPr lang="en-GB" smtClean="0"/>
+              <a:t>6</a:t>
+            </a:fld>
+            <a:endParaRPr lang="en-GB"/>
+          </a:p>
+        </p:txBody>
+      </p:sp>
+    </p:spTree>
+    <p:extLst>
+      <p:ext uri="{BB962C8B-B14F-4D97-AF65-F5344CB8AC3E}">
+        <p14:creationId xmlns:p14="http://schemas.microsoft.com/office/powerpoint/2010/main" val="2792780047"/>
+      </p:ext>
+    </p:extLst>
+  </p:cSld>
+  <p:clrMapOvr>
+    <a:masterClrMapping/>
+  </p:clrMapOvr>
+</p:notes>
+</file>
+
+<file path=ppt/notesSlides/notesSlide7.xml><?xml version="1.0" encoding="utf-8"?>
 <p:notes xmlns:a="http://schemas.openxmlformats.org/drawingml/2006/main" xmlns:r="http://schemas.openxmlformats.org/officeDocument/2006/relationships" xmlns:p="http://schemas.openxmlformats.org/presentationml/2006/main">
   <p:cSld>
     <p:spTree>
@@ -1953,26 +1640,48 @@
           <a:p>
             <a:r>
               <a:rPr lang="en-GB" dirty="0"/>
-              <a:t>Provide long term contract benefits such as special bundle or discounted services.</a:t>
+              <a:t>Now, these are my suggest for the business to reduce churn rate for the future.</a:t>
             </a:r>
             <a:br>
               <a:rPr lang="en-GB" dirty="0"/>
             </a:br>
             <a:r>
               <a:rPr lang="en-GB" dirty="0"/>
-              <a:t>First 6 months to 10 months is the key. Provide focused customer service for early customers to reduce bad experiences.</a:t>
-            </a:r>
-          </a:p>
-          <a:p>
+              <a:t>To break those 10 months key line and stay customers </a:t>
+            </a:r>
+            <a:r>
+              <a:rPr lang="en-GB" dirty="0" err="1"/>
+              <a:t>upto</a:t>
+            </a:r>
             <a:r>
               <a:rPr lang="en-GB" dirty="0"/>
-              <a:t>CS surveys are need to expand data accuracy for churn customers for the future to reduce more.</a:t>
+              <a:t> 1 year time, need promotion for 1 year period. This will naturally make more customers to stay longer.</a:t>
             </a:r>
           </a:p>
           <a:p>
             <a:r>
               <a:rPr lang="en-GB" dirty="0"/>
-              <a:t>Automated payment and discount for card payment is needed.</a:t>
+              <a:t>For customers who are using high price products, create some promotional term or discount offers to reduce price for short-term time.</a:t>
+            </a:r>
+            <a:br>
+              <a:rPr lang="en-GB" dirty="0"/>
+            </a:br>
+            <a:r>
+              <a:rPr lang="en-GB" dirty="0"/>
+              <a:t>Allocate sales representative for early stage customers to take extra care for first year would help customers to stay longer and also will help business to collect more accurate data for churn customers for the future.</a:t>
+            </a:r>
+          </a:p>
+          <a:p>
+            <a:r>
+              <a:rPr lang="en-GB" dirty="0"/>
+              <a:t>The last, provide discount on price when use credit card as payment method.</a:t>
+            </a:r>
+            <a:br>
+              <a:rPr lang="en-GB" dirty="0"/>
+            </a:br>
+            <a:r>
+              <a:rPr lang="en-GB" dirty="0"/>
+              <a:t>All suggestions were made from data analysis the dataset and hope the business can reduce churn rate for the future. </a:t>
             </a:r>
           </a:p>
         </p:txBody>
@@ -2000,7 +1709,7 @@
           <a:p>
             <a:fld id="{C0E80345-BC2A-49AE-ACE9-70D0F6AEB263}" type="slidenum">
               <a:rPr lang="en-GB" smtClean="0"/>
-              <a:t>8</a:t>
+              <a:t>7</a:t>
             </a:fld>
             <a:endParaRPr lang="en-GB"/>
           </a:p>
@@ -2019,7 +1728,7 @@
 </p:notes>
 </file>
 
-<file path=ppt/notesSlides/notesSlide7.xml><?xml version="1.0" encoding="utf-8"?>
+<file path=ppt/notesSlides/notesSlide8.xml><?xml version="1.0" encoding="utf-8"?>
 <p:notes xmlns:a="http://schemas.openxmlformats.org/drawingml/2006/main" xmlns:r="http://schemas.openxmlformats.org/officeDocument/2006/relationships" xmlns:p="http://schemas.openxmlformats.org/presentationml/2006/main">
   <p:cSld>
     <p:spTree>
@@ -2091,7 +1800,7 @@
           <a:p>
             <a:fld id="{C0E80345-BC2A-49AE-ACE9-70D0F6AEB263}" type="slidenum">
               <a:rPr lang="en-GB" smtClean="0"/>
-              <a:t>9</a:t>
+              <a:t>8</a:t>
             </a:fld>
             <a:endParaRPr lang="en-GB"/>
           </a:p>
@@ -2241,7 +1950,7 @@
           <a:p>
             <a:fld id="{D03D8F10-BEA1-4625-9354-EB8EBBC6B5C8}" type="datetimeFigureOut">
               <a:rPr lang="en-GB" smtClean="0"/>
-              <a:t>10/04/2025</a:t>
+              <a:t>15/04/2025</a:t>
             </a:fld>
             <a:endParaRPr lang="en-GB"/>
           </a:p>
@@ -2411,7 +2120,7 @@
           <a:p>
             <a:fld id="{D03D8F10-BEA1-4625-9354-EB8EBBC6B5C8}" type="datetimeFigureOut">
               <a:rPr lang="en-GB" smtClean="0"/>
-              <a:t>10/04/2025</a:t>
+              <a:t>15/04/2025</a:t>
             </a:fld>
             <a:endParaRPr lang="en-GB"/>
           </a:p>
@@ -2591,7 +2300,7 @@
           <a:p>
             <a:fld id="{D03D8F10-BEA1-4625-9354-EB8EBBC6B5C8}" type="datetimeFigureOut">
               <a:rPr lang="en-GB" smtClean="0"/>
-              <a:t>10/04/2025</a:t>
+              <a:t>15/04/2025</a:t>
             </a:fld>
             <a:endParaRPr lang="en-GB"/>
           </a:p>
@@ -2761,7 +2470,7 @@
           <a:p>
             <a:fld id="{D03D8F10-BEA1-4625-9354-EB8EBBC6B5C8}" type="datetimeFigureOut">
               <a:rPr lang="en-GB" smtClean="0"/>
-              <a:t>10/04/2025</a:t>
+              <a:t>15/04/2025</a:t>
             </a:fld>
             <a:endParaRPr lang="en-GB"/>
           </a:p>
@@ -3007,7 +2716,7 @@
           <a:p>
             <a:fld id="{D03D8F10-BEA1-4625-9354-EB8EBBC6B5C8}" type="datetimeFigureOut">
               <a:rPr lang="en-GB" smtClean="0"/>
-              <a:t>10/04/2025</a:t>
+              <a:t>15/04/2025</a:t>
             </a:fld>
             <a:endParaRPr lang="en-GB"/>
           </a:p>
@@ -3239,7 +2948,7 @@
           <a:p>
             <a:fld id="{D03D8F10-BEA1-4625-9354-EB8EBBC6B5C8}" type="datetimeFigureOut">
               <a:rPr lang="en-GB" smtClean="0"/>
-              <a:t>10/04/2025</a:t>
+              <a:t>15/04/2025</a:t>
             </a:fld>
             <a:endParaRPr lang="en-GB"/>
           </a:p>
@@ -3606,7 +3315,7 @@
           <a:p>
             <a:fld id="{D03D8F10-BEA1-4625-9354-EB8EBBC6B5C8}" type="datetimeFigureOut">
               <a:rPr lang="en-GB" smtClean="0"/>
-              <a:t>10/04/2025</a:t>
+              <a:t>15/04/2025</a:t>
             </a:fld>
             <a:endParaRPr lang="en-GB"/>
           </a:p>
@@ -3724,7 +3433,7 @@
           <a:p>
             <a:fld id="{D03D8F10-BEA1-4625-9354-EB8EBBC6B5C8}" type="datetimeFigureOut">
               <a:rPr lang="en-GB" smtClean="0"/>
-              <a:t>10/04/2025</a:t>
+              <a:t>15/04/2025</a:t>
             </a:fld>
             <a:endParaRPr lang="en-GB"/>
           </a:p>
@@ -3819,7 +3528,7 @@
           <a:p>
             <a:fld id="{D03D8F10-BEA1-4625-9354-EB8EBBC6B5C8}" type="datetimeFigureOut">
               <a:rPr lang="en-GB" smtClean="0"/>
-              <a:t>10/04/2025</a:t>
+              <a:t>15/04/2025</a:t>
             </a:fld>
             <a:endParaRPr lang="en-GB"/>
           </a:p>
@@ -4096,7 +3805,7 @@
           <a:p>
             <a:fld id="{D03D8F10-BEA1-4625-9354-EB8EBBC6B5C8}" type="datetimeFigureOut">
               <a:rPr lang="en-GB" smtClean="0"/>
-              <a:t>10/04/2025</a:t>
+              <a:t>15/04/2025</a:t>
             </a:fld>
             <a:endParaRPr lang="en-GB"/>
           </a:p>
@@ -4353,7 +4062,7 @@
           <a:p>
             <a:fld id="{D03D8F10-BEA1-4625-9354-EB8EBBC6B5C8}" type="datetimeFigureOut">
               <a:rPr lang="en-GB" smtClean="0"/>
-              <a:t>10/04/2025</a:t>
+              <a:t>15/04/2025</a:t>
             </a:fld>
             <a:endParaRPr lang="en-GB"/>
           </a:p>
@@ -4566,7 +4275,7 @@
           <a:p>
             <a:fld id="{D03D8F10-BEA1-4625-9354-EB8EBBC6B5C8}" type="datetimeFigureOut">
               <a:rPr lang="en-GB" smtClean="0"/>
-              <a:t>10/04/2025</a:t>
+              <a:t>15/04/2025</a:t>
             </a:fld>
             <a:endParaRPr lang="en-GB"/>
           </a:p>
@@ -7676,7 +7385,7 @@
           <p:nvPr/>
         </p:nvPicPr>
         <p:blipFill>
-          <a:blip r:embed="rId2"/>
+          <a:blip r:embed="rId3"/>
           <a:srcRect t="2083" r="-2" b="-2"/>
           <a:stretch/>
         </p:blipFill>
@@ -7704,373 +7413,6 @@
 </file>
 
 <file path=ppt/slides/slide7.xml><?xml version="1.0" encoding="utf-8"?>
-<p:sld xmlns:a="http://schemas.openxmlformats.org/drawingml/2006/main" xmlns:r="http://schemas.openxmlformats.org/officeDocument/2006/relationships" xmlns:p="http://schemas.openxmlformats.org/presentationml/2006/main">
-  <p:cSld>
-    <p:bg>
-      <p:bgPr>
-        <a:solidFill>
-          <a:schemeClr val="bg1"/>
-        </a:solidFill>
-        <a:effectLst/>
-      </p:bgPr>
-    </p:bg>
-    <p:spTree>
-      <p:nvGrpSpPr>
-        <p:cNvPr id="1" name=""/>
-        <p:cNvGrpSpPr/>
-        <p:nvPr/>
-      </p:nvGrpSpPr>
-      <p:grpSpPr>
-        <a:xfrm>
-          <a:off x="0" y="0"/>
-          <a:ext cx="0" cy="0"/>
-          <a:chOff x="0" y="0"/>
-          <a:chExt cx="0" cy="0"/>
-        </a:xfrm>
-      </p:grpSpPr>
-      <p:sp useBgFill="1">
-        <p:nvSpPr>
-          <p:cNvPr id="11" name="Rectangle 10">
-            <a:extLst>
-              <a:ext uri="{FF2B5EF4-FFF2-40B4-BE49-F238E27FC236}">
-                <a16:creationId xmlns:a16="http://schemas.microsoft.com/office/drawing/2014/main" id="{BA79A7CF-01AF-4178-9369-94E0C90EB046}"/>
-              </a:ext>
-              <a:ext uri="{C183D7F6-B498-43B3-948B-1728B52AA6E4}">
-                <adec:decorative xmlns:adec="http://schemas.microsoft.com/office/drawing/2017/decorative" val="1"/>
-              </a:ext>
-            </a:extLst>
-          </p:cNvPr>
-          <p:cNvSpPr>
-            <a:spLocks noGrp="1" noRot="1" noChangeAspect="1" noMove="1" noResize="1" noEditPoints="1" noAdjustHandles="1" noChangeArrowheads="1" noChangeShapeType="1" noTextEdit="1"/>
-          </p:cNvSpPr>
-          <p:nvPr>
-            <p:extLst>
-              <p:ext uri="{386F3935-93C4-4BCD-93E2-E3B085C9AB24}">
-                <p16:designElem xmlns:p16="http://schemas.microsoft.com/office/powerpoint/2015/main" val="1"/>
-              </p:ext>
-            </p:extLst>
-          </p:nvPr>
-        </p:nvSpPr>
-        <p:spPr>
-          <a:xfrm>
-            <a:off x="0" y="0"/>
-            <a:ext cx="12191999" cy="6857365"/>
-          </a:xfrm>
-          <a:prstGeom prst="rect">
-            <a:avLst/>
-          </a:prstGeom>
-          <a:ln>
-            <a:noFill/>
-          </a:ln>
-        </p:spPr>
-        <p:style>
-          <a:lnRef idx="2">
-            <a:schemeClr val="accent1">
-              <a:shade val="50000"/>
-            </a:schemeClr>
-          </a:lnRef>
-          <a:fillRef idx="1">
-            <a:schemeClr val="accent1"/>
-          </a:fillRef>
-          <a:effectRef idx="0">
-            <a:schemeClr val="accent1"/>
-          </a:effectRef>
-          <a:fontRef idx="minor">
-            <a:schemeClr val="lt1"/>
-          </a:fontRef>
-        </p:style>
-        <p:txBody>
-          <a:bodyPr rtlCol="0" anchor="ctr"/>
-          <a:lstStyle/>
-          <a:p>
-            <a:pPr algn="ctr"/>
-            <a:endParaRPr lang="en-US"/>
-          </a:p>
-        </p:txBody>
-      </p:sp>
-      <p:sp>
-        <p:nvSpPr>
-          <p:cNvPr id="2" name="Title 1">
-            <a:extLst>
-              <a:ext uri="{FF2B5EF4-FFF2-40B4-BE49-F238E27FC236}">
-                <a16:creationId xmlns:a16="http://schemas.microsoft.com/office/drawing/2014/main" id="{D4AF3757-C44A-8639-4D2D-5C536FB6D549}"/>
-              </a:ext>
-            </a:extLst>
-          </p:cNvPr>
-          <p:cNvSpPr>
-            <a:spLocks noGrp="1"/>
-          </p:cNvSpPr>
-          <p:nvPr>
-            <p:ph type="title"/>
-          </p:nvPr>
-        </p:nvSpPr>
-        <p:spPr>
-          <a:xfrm>
-            <a:off x="9267909" y="2023110"/>
-            <a:ext cx="2469624" cy="2846070"/>
-          </a:xfrm>
-        </p:spPr>
-        <p:txBody>
-          <a:bodyPr vert="horz" lIns="91440" tIns="45720" rIns="91440" bIns="45720" rtlCol="0" anchor="ctr">
-            <a:normAutofit/>
-          </a:bodyPr>
-          <a:lstStyle/>
-          <a:p>
-            <a:r>
-              <a:rPr lang="en-US" sz="3700" kern="1200" dirty="0">
-                <a:solidFill>
-                  <a:schemeClr val="tx1">
-                    <a:lumMod val="85000"/>
-                    <a:lumOff val="15000"/>
-                  </a:schemeClr>
-                </a:solidFill>
-                <a:latin typeface="Aptos Black" panose="020B0004020202020204" pitchFamily="34" charset="0"/>
-              </a:rPr>
-              <a:t>Churn Count by Internet Service Type</a:t>
-            </a:r>
-          </a:p>
-        </p:txBody>
-      </p:sp>
-      <p:sp>
-        <p:nvSpPr>
-          <p:cNvPr id="13" name="Rectangle 12">
-            <a:extLst>
-              <a:ext uri="{FF2B5EF4-FFF2-40B4-BE49-F238E27FC236}">
-                <a16:creationId xmlns:a16="http://schemas.microsoft.com/office/drawing/2014/main" id="{99413ED5-9ED4-4772-BCE4-2BCAE6B12E35}"/>
-              </a:ext>
-              <a:ext uri="{C183D7F6-B498-43B3-948B-1728B52AA6E4}">
-                <adec:decorative xmlns:adec="http://schemas.microsoft.com/office/drawing/2017/decorative" val="1"/>
-              </a:ext>
-            </a:extLst>
-          </p:cNvPr>
-          <p:cNvSpPr>
-            <a:spLocks noGrp="1" noRot="1" noChangeAspect="1" noMove="1" noResize="1" noEditPoints="1" noAdjustHandles="1" noChangeArrowheads="1" noChangeShapeType="1" noTextEdit="1"/>
-          </p:cNvSpPr>
-          <p:nvPr>
-            <p:extLst>
-              <p:ext uri="{386F3935-93C4-4BCD-93E2-E3B085C9AB24}">
-                <p16:designElem xmlns:p16="http://schemas.microsoft.com/office/powerpoint/2015/main" val="1"/>
-              </p:ext>
-            </p:extLst>
-          </p:nvPr>
-        </p:nvSpPr>
-        <p:spPr>
-          <a:xfrm rot="16200000">
-            <a:off x="3433973" y="-827233"/>
-            <a:ext cx="1715478" cy="8583421"/>
-          </a:xfrm>
-          <a:prstGeom prst="rect">
-            <a:avLst/>
-          </a:prstGeom>
-          <a:solidFill>
-            <a:schemeClr val="accent4"/>
-          </a:solidFill>
-          <a:ln>
-            <a:noFill/>
-          </a:ln>
-        </p:spPr>
-        <p:style>
-          <a:lnRef idx="2">
-            <a:schemeClr val="accent1">
-              <a:shade val="50000"/>
-            </a:schemeClr>
-          </a:lnRef>
-          <a:fillRef idx="1">
-            <a:schemeClr val="accent1"/>
-          </a:fillRef>
-          <a:effectRef idx="0">
-            <a:schemeClr val="accent1"/>
-          </a:effectRef>
-          <a:fontRef idx="minor">
-            <a:schemeClr val="lt1"/>
-          </a:fontRef>
-        </p:style>
-        <p:txBody>
-          <a:bodyPr rtlCol="0" anchor="ctr"/>
-          <a:lstStyle/>
-          <a:p>
-            <a:pPr algn="ctr"/>
-            <a:endParaRPr lang="en-US" dirty="0"/>
-          </a:p>
-        </p:txBody>
-      </p:sp>
-      <p:sp>
-        <p:nvSpPr>
-          <p:cNvPr id="15" name="Rectangle 14">
-            <a:extLst>
-              <a:ext uri="{FF2B5EF4-FFF2-40B4-BE49-F238E27FC236}">
-                <a16:creationId xmlns:a16="http://schemas.microsoft.com/office/drawing/2014/main" id="{04357C93-F0CB-4A1C-8F77-4E9063789819}"/>
-              </a:ext>
-              <a:ext uri="{C183D7F6-B498-43B3-948B-1728B52AA6E4}">
-                <adec:decorative xmlns:adec="http://schemas.microsoft.com/office/drawing/2017/decorative" val="1"/>
-              </a:ext>
-            </a:extLst>
-          </p:cNvPr>
-          <p:cNvSpPr>
-            <a:spLocks noGrp="1" noRot="1" noChangeAspect="1" noMove="1" noResize="1" noEditPoints="1" noAdjustHandles="1" noChangeArrowheads="1" noChangeShapeType="1" noTextEdit="1"/>
-          </p:cNvSpPr>
-          <p:nvPr>
-            <p:extLst>
-              <p:ext uri="{386F3935-93C4-4BCD-93E2-E3B085C9AB24}">
-                <p16:designElem xmlns:p16="http://schemas.microsoft.com/office/powerpoint/2015/main" val="1"/>
-              </p:ext>
-            </p:extLst>
-          </p:nvPr>
-        </p:nvSpPr>
-        <p:spPr>
-          <a:xfrm>
-            <a:off x="302085" y="664308"/>
-            <a:ext cx="8082632" cy="5600340"/>
-          </a:xfrm>
-          <a:prstGeom prst="rect">
-            <a:avLst/>
-          </a:prstGeom>
-          <a:solidFill>
-            <a:schemeClr val="bg1"/>
-          </a:solidFill>
-          <a:ln>
-            <a:noFill/>
-          </a:ln>
-          <a:effectLst>
-            <a:outerShdw blurRad="139700" dist="127000" dir="5400000" algn="t" rotWithShape="0">
-              <a:prstClr val="black">
-                <a:alpha val="15000"/>
-              </a:prstClr>
-            </a:outerShdw>
-          </a:effectLst>
-        </p:spPr>
-        <p:style>
-          <a:lnRef idx="2">
-            <a:schemeClr val="accent1">
-              <a:shade val="50000"/>
-            </a:schemeClr>
-          </a:lnRef>
-          <a:fillRef idx="1">
-            <a:schemeClr val="accent1"/>
-          </a:fillRef>
-          <a:effectRef idx="0">
-            <a:schemeClr val="accent1"/>
-          </a:effectRef>
-          <a:fontRef idx="minor">
-            <a:schemeClr val="lt1"/>
-          </a:fontRef>
-        </p:style>
-        <p:txBody>
-          <a:bodyPr rtlCol="0" anchor="ctr"/>
-          <a:lstStyle/>
-          <a:p>
-            <a:pPr algn="ctr"/>
-            <a:endParaRPr lang="en-US"/>
-          </a:p>
-        </p:txBody>
-      </p:sp>
-      <p:pic>
-        <p:nvPicPr>
-          <p:cNvPr id="6" name="Picture 5">
-            <a:extLst>
-              <a:ext uri="{FF2B5EF4-FFF2-40B4-BE49-F238E27FC236}">
-                <a16:creationId xmlns:a16="http://schemas.microsoft.com/office/drawing/2014/main" id="{5C192612-5D2D-A1A9-8751-186486028162}"/>
-              </a:ext>
-            </a:extLst>
-          </p:cNvPr>
-          <p:cNvPicPr>
-            <a:picLocks noChangeAspect="1"/>
-          </p:cNvPicPr>
-          <p:nvPr/>
-        </p:nvPicPr>
-        <p:blipFill>
-          <a:blip r:embed="rId2"/>
-          <a:stretch>
-            <a:fillRect/>
-          </a:stretch>
-        </p:blipFill>
-        <p:spPr>
-          <a:xfrm>
-            <a:off x="545238" y="1608969"/>
-            <a:ext cx="7608304" cy="3711017"/>
-          </a:xfrm>
-          <a:prstGeom prst="rect">
-            <a:avLst/>
-          </a:prstGeom>
-        </p:spPr>
-      </p:pic>
-      <p:sp>
-        <p:nvSpPr>
-          <p:cNvPr id="17" name="Rectangle 16">
-            <a:extLst>
-              <a:ext uri="{FF2B5EF4-FFF2-40B4-BE49-F238E27FC236}">
-                <a16:creationId xmlns:a16="http://schemas.microsoft.com/office/drawing/2014/main" id="{90F533E9-6690-41A8-A372-4C6C622D028D}"/>
-              </a:ext>
-              <a:ext uri="{C183D7F6-B498-43B3-948B-1728B52AA6E4}">
-                <adec:decorative xmlns:adec="http://schemas.microsoft.com/office/drawing/2017/decorative" val="1"/>
-              </a:ext>
-            </a:extLst>
-          </p:cNvPr>
-          <p:cNvSpPr>
-            <a:spLocks noGrp="1" noRot="1" noChangeAspect="1" noMove="1" noResize="1" noEditPoints="1" noAdjustHandles="1" noChangeArrowheads="1" noChangeShapeType="1" noTextEdit="1"/>
-          </p:cNvSpPr>
-          <p:nvPr>
-            <p:extLst>
-              <p:ext uri="{386F3935-93C4-4BCD-93E2-E3B085C9AB24}">
-                <p16:designElem xmlns:p16="http://schemas.microsoft.com/office/powerpoint/2015/main" val="1"/>
-              </p:ext>
-            </p:extLst>
-          </p:nvPr>
-        </p:nvSpPr>
-        <p:spPr>
-          <a:xfrm rot="5400000">
-            <a:off x="7950447" y="3392097"/>
-            <a:ext cx="1719072" cy="152382"/>
-          </a:xfrm>
-          <a:prstGeom prst="rect">
-            <a:avLst/>
-          </a:prstGeom>
-          <a:solidFill>
-            <a:schemeClr val="accent4"/>
-          </a:solidFill>
-          <a:ln>
-            <a:noFill/>
-          </a:ln>
-        </p:spPr>
-        <p:style>
-          <a:lnRef idx="2">
-            <a:schemeClr val="accent1">
-              <a:shade val="50000"/>
-            </a:schemeClr>
-          </a:lnRef>
-          <a:fillRef idx="1">
-            <a:schemeClr val="accent1"/>
-          </a:fillRef>
-          <a:effectRef idx="0">
-            <a:schemeClr val="accent1"/>
-          </a:effectRef>
-          <a:fontRef idx="minor">
-            <a:schemeClr val="lt1"/>
-          </a:fontRef>
-        </p:style>
-        <p:txBody>
-          <a:bodyPr rtlCol="0" anchor="ctr"/>
-          <a:lstStyle/>
-          <a:p>
-            <a:pPr algn="ctr"/>
-            <a:endParaRPr lang="en-US"/>
-          </a:p>
-        </p:txBody>
-      </p:sp>
-    </p:spTree>
-    <p:extLst>
-      <p:ext uri="{BB962C8B-B14F-4D97-AF65-F5344CB8AC3E}">
-        <p14:creationId xmlns:p14="http://schemas.microsoft.com/office/powerpoint/2010/main" val="3039969198"/>
-      </p:ext>
-    </p:extLst>
-  </p:cSld>
-  <p:clrMapOvr>
-    <a:masterClrMapping/>
-  </p:clrMapOvr>
-</p:sld>
-</file>
-
-<file path=ppt/slides/slide8.xml><?xml version="1.0" encoding="utf-8"?>
 <p:sld xmlns:a="http://schemas.openxmlformats.org/drawingml/2006/main" xmlns:r="http://schemas.openxmlformats.org/officeDocument/2006/relationships" xmlns:p="http://schemas.openxmlformats.org/presentationml/2006/main">
   <p:cSld>
     <p:bg>
@@ -8891,7 +8233,7 @@
 </p:sld>
 </file>
 
-<file path=ppt/slides/slide9.xml><?xml version="1.0" encoding="utf-8"?>
+<file path=ppt/slides/slide8.xml><?xml version="1.0" encoding="utf-8"?>
 <p:sld xmlns:a="http://schemas.openxmlformats.org/drawingml/2006/main" xmlns:r="http://schemas.openxmlformats.org/officeDocument/2006/relationships" xmlns:p="http://schemas.openxmlformats.org/presentationml/2006/main">
   <p:cSld>
     <p:bg>
